--- a/Linguaggi_metodologie_programmazione/prolog/slide/08_Lezione_SimilaritàTraAlberiEProgrammazioneDinamica_ZNZ.pptx
+++ b/Linguaggi_metodologie_programmazione/prolog/slide/08_Lezione_SimilaritàTraAlberiEProgrammazioneDinamica_ZNZ.pptx
@@ -5,10 +5,10 @@
     <p:sldMasterId id="2147483649" r:id="rId1"/>
   </p:sldMasterIdLst>
   <p:notesMasterIdLst>
-    <p:notesMasterId r:id="rId36"/>
+    <p:notesMasterId r:id="rId37"/>
   </p:notesMasterIdLst>
   <p:handoutMasterIdLst>
-    <p:handoutMasterId r:id="rId37"/>
+    <p:handoutMasterId r:id="rId38"/>
   </p:handoutMasterIdLst>
   <p:sldIdLst>
     <p:sldId id="413" r:id="rId2"/>
@@ -34,17 +34,18 @@
     <p:sldId id="432" r:id="rId22"/>
     <p:sldId id="433" r:id="rId23"/>
     <p:sldId id="434" r:id="rId24"/>
-    <p:sldId id="426" r:id="rId25"/>
-    <p:sldId id="427" r:id="rId26"/>
-    <p:sldId id="421" r:id="rId27"/>
-    <p:sldId id="436" r:id="rId28"/>
-    <p:sldId id="437" r:id="rId29"/>
-    <p:sldId id="438" r:id="rId30"/>
-    <p:sldId id="439" r:id="rId31"/>
-    <p:sldId id="440" r:id="rId32"/>
-    <p:sldId id="441" r:id="rId33"/>
-    <p:sldId id="442" r:id="rId34"/>
-    <p:sldId id="443" r:id="rId35"/>
+    <p:sldId id="449" r:id="rId25"/>
+    <p:sldId id="426" r:id="rId26"/>
+    <p:sldId id="427" r:id="rId27"/>
+    <p:sldId id="421" r:id="rId28"/>
+    <p:sldId id="436" r:id="rId29"/>
+    <p:sldId id="437" r:id="rId30"/>
+    <p:sldId id="438" r:id="rId31"/>
+    <p:sldId id="439" r:id="rId32"/>
+    <p:sldId id="440" r:id="rId33"/>
+    <p:sldId id="441" r:id="rId34"/>
+    <p:sldId id="442" r:id="rId35"/>
+    <p:sldId id="443" r:id="rId36"/>
   </p:sldIdLst>
   <p:sldSz cx="9144000" cy="6858000" type="screen4x3"/>
   <p:notesSz cx="6681788" cy="9817100"/>
@@ -173,6 +174,22 @@
       </a:defRPr>
     </a:lvl9pPr>
   </p:defaultTextStyle>
+  <p:extLst>
+    <p:ext uri="{EFAFB233-063F-42B5-8137-9DF3F51BA10A}">
+      <p15:sldGuideLst xmlns:p15="http://schemas.microsoft.com/office/powerpoint/2012/main">
+        <p15:guide id="1" orient="horz" pos="2160">
+          <p15:clr>
+            <a:srgbClr val="A4A3A4"/>
+          </p15:clr>
+        </p15:guide>
+        <p15:guide id="2" pos="2880">
+          <p15:clr>
+            <a:srgbClr val="A4A3A4"/>
+          </p15:clr>
+        </p15:guide>
+      </p15:sldGuideLst>
+    </p:ext>
+  </p:extLst>
 </p:presentation>
 </file>
 
@@ -486,7 +503,7 @@
             <a:fld id="{7220D4B4-DB4A-4951-846C-1595D423D78F}" type="datetimeFigureOut">
               <a:rPr lang="it-IT" smtClean="0"/>
               <a:pPr/>
-              <a:t>07/04/2014</a:t>
+              <a:t>11/09/2025</a:t>
             </a:fld>
             <a:endParaRPr lang="it-IT"/>
           </a:p>
@@ -552,38 +569,37 @@
           <a:p>
             <a:pPr lvl="0"/>
             <a:r>
-              <a:rPr lang="it-IT" smtClean="0"/>
+              <a:rPr lang="it-IT"/>
               <a:t>Fare clic per modificare stili del testo dello schema</a:t>
             </a:r>
           </a:p>
           <a:p>
             <a:pPr lvl="1"/>
             <a:r>
-              <a:rPr lang="it-IT" smtClean="0"/>
+              <a:rPr lang="it-IT"/>
               <a:t>Secondo livello</a:t>
             </a:r>
           </a:p>
           <a:p>
             <a:pPr lvl="2"/>
             <a:r>
-              <a:rPr lang="it-IT" smtClean="0"/>
+              <a:rPr lang="it-IT"/>
               <a:t>Terzo livello</a:t>
             </a:r>
           </a:p>
           <a:p>
             <a:pPr lvl="3"/>
             <a:r>
-              <a:rPr lang="it-IT" smtClean="0"/>
+              <a:rPr lang="it-IT"/>
               <a:t>Quarto livello</a:t>
             </a:r>
           </a:p>
           <a:p>
             <a:pPr lvl="4"/>
             <a:r>
-              <a:rPr lang="it-IT" smtClean="0"/>
+              <a:rPr lang="it-IT"/>
               <a:t>Quinto livello</a:t>
             </a:r>
-            <a:endParaRPr lang="it-IT"/>
           </a:p>
         </p:txBody>
       </p:sp>
@@ -944,6 +960,91 @@
       </p:grpSpPr>
       <p:sp>
         <p:nvSpPr>
+          <p:cNvPr id="2" name="Segnaposto immagine diapositiva 1"/>
+          <p:cNvSpPr>
+            <a:spLocks noGrp="1" noRot="1" noChangeAspect="1"/>
+          </p:cNvSpPr>
+          <p:nvPr>
+            <p:ph type="sldImg"/>
+          </p:nvPr>
+        </p:nvSpPr>
+        <p:spPr/>
+      </p:sp>
+      <p:sp>
+        <p:nvSpPr>
+          <p:cNvPr id="3" name="Segnaposto note 2"/>
+          <p:cNvSpPr>
+            <a:spLocks noGrp="1"/>
+          </p:cNvSpPr>
+          <p:nvPr>
+            <p:ph type="body" idx="1"/>
+          </p:nvPr>
+        </p:nvSpPr>
+        <p:spPr/>
+        <p:txBody>
+          <a:bodyPr/>
+          <a:lstStyle/>
+          <a:p>
+            <a:endParaRPr lang="it-IT" dirty="0"/>
+          </a:p>
+        </p:txBody>
+      </p:sp>
+      <p:sp>
+        <p:nvSpPr>
+          <p:cNvPr id="4" name="Segnaposto numero diapositiva 3"/>
+          <p:cNvSpPr>
+            <a:spLocks noGrp="1"/>
+          </p:cNvSpPr>
+          <p:nvPr>
+            <p:ph type="sldNum" sz="quarter" idx="5"/>
+          </p:nvPr>
+        </p:nvSpPr>
+        <p:spPr/>
+        <p:txBody>
+          <a:bodyPr/>
+          <a:lstStyle/>
+          <a:p>
+            <a:fld id="{F56DCA88-440A-4061-B96D-E8F387BC1DEE}" type="slidenum">
+              <a:rPr lang="it-IT" smtClean="0"/>
+              <a:pPr/>
+              <a:t>24</a:t>
+            </a:fld>
+            <a:endParaRPr lang="it-IT"/>
+          </a:p>
+        </p:txBody>
+      </p:sp>
+    </p:spTree>
+    <p:extLst>
+      <p:ext uri="{BB962C8B-B14F-4D97-AF65-F5344CB8AC3E}">
+        <p14:creationId xmlns:p14="http://schemas.microsoft.com/office/powerpoint/2010/main" val="926214134"/>
+      </p:ext>
+    </p:extLst>
+  </p:cSld>
+  <p:clrMapOvr>
+    <a:masterClrMapping/>
+  </p:clrMapOvr>
+</p:notes>
+</file>
+
+<file path=ppt/notesSlides/notesSlide4.xml><?xml version="1.0" encoding="utf-8"?>
+<p:notes xmlns:a="http://schemas.openxmlformats.org/drawingml/2006/main" xmlns:r="http://schemas.openxmlformats.org/officeDocument/2006/relationships" xmlns:p="http://schemas.openxmlformats.org/presentationml/2006/main">
+  <p:cSld>
+    <p:spTree>
+      <p:nvGrpSpPr>
+        <p:cNvPr id="1" name=""/>
+        <p:cNvGrpSpPr/>
+        <p:nvPr/>
+      </p:nvGrpSpPr>
+      <p:grpSpPr>
+        <a:xfrm>
+          <a:off x="0" y="0"/>
+          <a:ext cx="0" cy="0"/>
+          <a:chOff x="0" y="0"/>
+          <a:chExt cx="0" cy="0"/>
+        </a:xfrm>
+      </p:grpSpPr>
+      <p:sp>
+        <p:nvSpPr>
           <p:cNvPr id="7" name="Rectangle 7"/>
           <p:cNvSpPr>
             <a:spLocks noGrp="1" noChangeArrowheads="1"/>
@@ -962,7 +1063,7 @@
             <a:fld id="{DB587B41-EDCB-4C04-BA8D-2719A147F9C4}" type="slidenum">
               <a:rPr lang="en-US"/>
               <a:pPr/>
-              <a:t>25</a:t>
+              <a:t>26</a:t>
             </a:fld>
             <a:endParaRPr lang="en-US"/>
           </a:p>
@@ -1169,10 +1270,9 @@
           <a:lstStyle/>
           <a:p>
             <a:r>
-              <a:rPr lang="it-IT" smtClean="0"/>
+              <a:rPr lang="it-IT"/>
               <a:t>Fare clic per modificare lo stile del titolo</a:t>
             </a:r>
-            <a:endParaRPr lang="it-IT"/>
           </a:p>
         </p:txBody>
       </p:sp>
@@ -1193,38 +1293,37 @@
           <a:p>
             <a:pPr lvl="0"/>
             <a:r>
-              <a:rPr lang="it-IT" smtClean="0"/>
+              <a:rPr lang="it-IT"/>
               <a:t>Fare clic per modificare stili del testo dello schema</a:t>
             </a:r>
           </a:p>
           <a:p>
             <a:pPr lvl="1"/>
             <a:r>
-              <a:rPr lang="it-IT" smtClean="0"/>
+              <a:rPr lang="it-IT"/>
               <a:t>Secondo livello</a:t>
             </a:r>
           </a:p>
           <a:p>
             <a:pPr lvl="2"/>
             <a:r>
-              <a:rPr lang="it-IT" smtClean="0"/>
+              <a:rPr lang="it-IT"/>
               <a:t>Terzo livello</a:t>
             </a:r>
           </a:p>
           <a:p>
             <a:pPr lvl="3"/>
             <a:r>
-              <a:rPr lang="it-IT" smtClean="0"/>
+              <a:rPr lang="it-IT"/>
               <a:t>Quarto livello</a:t>
             </a:r>
           </a:p>
           <a:p>
             <a:pPr lvl="4"/>
             <a:r>
-              <a:rPr lang="it-IT" smtClean="0"/>
+              <a:rPr lang="it-IT"/>
               <a:t>Quinto livello</a:t>
             </a:r>
-            <a:endParaRPr lang="it-IT"/>
           </a:p>
         </p:txBody>
       </p:sp>
@@ -1309,10 +1408,9 @@
           <a:lstStyle/>
           <a:p>
             <a:r>
-              <a:rPr lang="it-IT" smtClean="0"/>
+              <a:rPr lang="it-IT"/>
               <a:t>Fare clic per modificare lo stile del titolo</a:t>
             </a:r>
-            <a:endParaRPr lang="it-IT"/>
           </a:p>
         </p:txBody>
       </p:sp>
@@ -1338,38 +1436,37 @@
           <a:p>
             <a:pPr lvl="0"/>
             <a:r>
-              <a:rPr lang="it-IT" smtClean="0"/>
+              <a:rPr lang="it-IT"/>
               <a:t>Fare clic per modificare stili del testo dello schema</a:t>
             </a:r>
           </a:p>
           <a:p>
             <a:pPr lvl="1"/>
             <a:r>
-              <a:rPr lang="it-IT" smtClean="0"/>
+              <a:rPr lang="it-IT"/>
               <a:t>Secondo livello</a:t>
             </a:r>
           </a:p>
           <a:p>
             <a:pPr lvl="2"/>
             <a:r>
-              <a:rPr lang="it-IT" smtClean="0"/>
+              <a:rPr lang="it-IT"/>
               <a:t>Terzo livello</a:t>
             </a:r>
           </a:p>
           <a:p>
             <a:pPr lvl="3"/>
             <a:r>
-              <a:rPr lang="it-IT" smtClean="0"/>
+              <a:rPr lang="it-IT"/>
               <a:t>Quarto livello</a:t>
             </a:r>
           </a:p>
           <a:p>
             <a:pPr lvl="4"/>
             <a:r>
-              <a:rPr lang="it-IT" smtClean="0"/>
+              <a:rPr lang="it-IT"/>
               <a:t>Quinto livello</a:t>
             </a:r>
-            <a:endParaRPr lang="it-IT"/>
           </a:p>
         </p:txBody>
       </p:sp>
@@ -1449,10 +1546,9 @@
           <a:lstStyle/>
           <a:p>
             <a:r>
-              <a:rPr lang="it-IT" smtClean="0"/>
+              <a:rPr lang="it-IT"/>
               <a:t>Fare clic per modificare lo stile del titolo</a:t>
             </a:r>
-            <a:endParaRPr lang="it-IT"/>
           </a:p>
         </p:txBody>
       </p:sp>
@@ -1473,38 +1569,37 @@
           <a:p>
             <a:pPr lvl="0"/>
             <a:r>
-              <a:rPr lang="it-IT" smtClean="0"/>
+              <a:rPr lang="it-IT"/>
               <a:t>Fare clic per modificare stili del testo dello schema</a:t>
             </a:r>
           </a:p>
           <a:p>
             <a:pPr lvl="1"/>
             <a:r>
-              <a:rPr lang="it-IT" smtClean="0"/>
+              <a:rPr lang="it-IT"/>
               <a:t>Secondo livello</a:t>
             </a:r>
           </a:p>
           <a:p>
             <a:pPr lvl="2"/>
             <a:r>
-              <a:rPr lang="it-IT" smtClean="0"/>
+              <a:rPr lang="it-IT"/>
               <a:t>Terzo livello</a:t>
             </a:r>
           </a:p>
           <a:p>
             <a:pPr lvl="3"/>
             <a:r>
-              <a:rPr lang="it-IT" smtClean="0"/>
+              <a:rPr lang="it-IT"/>
               <a:t>Quarto livello</a:t>
             </a:r>
           </a:p>
           <a:p>
             <a:pPr lvl="4"/>
             <a:r>
-              <a:rPr lang="it-IT" smtClean="0"/>
+              <a:rPr lang="it-IT"/>
               <a:t>Quinto livello</a:t>
             </a:r>
-            <a:endParaRPr lang="it-IT"/>
           </a:p>
         </p:txBody>
       </p:sp>
@@ -1593,10 +1688,9 @@
           </a:lstStyle>
           <a:p>
             <a:r>
-              <a:rPr lang="it-IT" smtClean="0"/>
+              <a:rPr lang="it-IT"/>
               <a:t>Fare clic per modificare lo stile del titolo</a:t>
             </a:r>
-            <a:endParaRPr lang="it-IT"/>
           </a:p>
         </p:txBody>
       </p:sp>
@@ -1659,7 +1753,7 @@
           <a:p>
             <a:pPr lvl="0"/>
             <a:r>
-              <a:rPr lang="it-IT" smtClean="0"/>
+              <a:rPr lang="it-IT"/>
               <a:t>Fare clic per modificare stili del testo dello schema</a:t>
             </a:r>
           </a:p>
@@ -1741,10 +1835,9 @@
           <a:lstStyle/>
           <a:p>
             <a:r>
-              <a:rPr lang="it-IT" smtClean="0"/>
+              <a:rPr lang="it-IT"/>
               <a:t>Fare clic per modificare lo stile del titolo</a:t>
             </a:r>
-            <a:endParaRPr lang="it-IT"/>
           </a:p>
         </p:txBody>
       </p:sp>
@@ -1798,38 +1891,37 @@
           <a:p>
             <a:pPr lvl="0"/>
             <a:r>
-              <a:rPr lang="it-IT" smtClean="0"/>
+              <a:rPr lang="it-IT"/>
               <a:t>Fare clic per modificare stili del testo dello schema</a:t>
             </a:r>
           </a:p>
           <a:p>
             <a:pPr lvl="1"/>
             <a:r>
-              <a:rPr lang="it-IT" smtClean="0"/>
+              <a:rPr lang="it-IT"/>
               <a:t>Secondo livello</a:t>
             </a:r>
           </a:p>
           <a:p>
             <a:pPr lvl="2"/>
             <a:r>
-              <a:rPr lang="it-IT" smtClean="0"/>
+              <a:rPr lang="it-IT"/>
               <a:t>Terzo livello</a:t>
             </a:r>
           </a:p>
           <a:p>
             <a:pPr lvl="3"/>
             <a:r>
-              <a:rPr lang="it-IT" smtClean="0"/>
+              <a:rPr lang="it-IT"/>
               <a:t>Quarto livello</a:t>
             </a:r>
           </a:p>
           <a:p>
             <a:pPr lvl="4"/>
             <a:r>
-              <a:rPr lang="it-IT" smtClean="0"/>
+              <a:rPr lang="it-IT"/>
               <a:t>Quinto livello</a:t>
             </a:r>
-            <a:endParaRPr lang="it-IT"/>
           </a:p>
         </p:txBody>
       </p:sp>
@@ -1883,38 +1975,37 @@
           <a:p>
             <a:pPr lvl="0"/>
             <a:r>
-              <a:rPr lang="it-IT" smtClean="0"/>
+              <a:rPr lang="it-IT"/>
               <a:t>Fare clic per modificare stili del testo dello schema</a:t>
             </a:r>
           </a:p>
           <a:p>
             <a:pPr lvl="1"/>
             <a:r>
-              <a:rPr lang="it-IT" smtClean="0"/>
+              <a:rPr lang="it-IT"/>
               <a:t>Secondo livello</a:t>
             </a:r>
           </a:p>
           <a:p>
             <a:pPr lvl="2"/>
             <a:r>
-              <a:rPr lang="it-IT" smtClean="0"/>
+              <a:rPr lang="it-IT"/>
               <a:t>Terzo livello</a:t>
             </a:r>
           </a:p>
           <a:p>
             <a:pPr lvl="3"/>
             <a:r>
-              <a:rPr lang="it-IT" smtClean="0"/>
+              <a:rPr lang="it-IT"/>
               <a:t>Quarto livello</a:t>
             </a:r>
           </a:p>
           <a:p>
             <a:pPr lvl="4"/>
             <a:r>
-              <a:rPr lang="it-IT" smtClean="0"/>
+              <a:rPr lang="it-IT"/>
               <a:t>Quinto livello</a:t>
             </a:r>
-            <a:endParaRPr lang="it-IT"/>
           </a:p>
         </p:txBody>
       </p:sp>
@@ -2003,10 +2094,9 @@
           </a:lstStyle>
           <a:p>
             <a:r>
-              <a:rPr lang="it-IT" smtClean="0"/>
+              <a:rPr lang="it-IT"/>
               <a:t>Fare clic per modificare lo stile del titolo</a:t>
             </a:r>
-            <a:endParaRPr lang="it-IT"/>
           </a:p>
         </p:txBody>
       </p:sp>
@@ -2069,7 +2159,7 @@
           <a:p>
             <a:pPr lvl="0"/>
             <a:r>
-              <a:rPr lang="it-IT" smtClean="0"/>
+              <a:rPr lang="it-IT"/>
               <a:t>Fare clic per modificare stili del testo dello schema</a:t>
             </a:r>
           </a:p>
@@ -2125,38 +2215,37 @@
           <a:p>
             <a:pPr lvl="0"/>
             <a:r>
-              <a:rPr lang="it-IT" smtClean="0"/>
+              <a:rPr lang="it-IT"/>
               <a:t>Fare clic per modificare stili del testo dello schema</a:t>
             </a:r>
           </a:p>
           <a:p>
             <a:pPr lvl="1"/>
             <a:r>
-              <a:rPr lang="it-IT" smtClean="0"/>
+              <a:rPr lang="it-IT"/>
               <a:t>Secondo livello</a:t>
             </a:r>
           </a:p>
           <a:p>
             <a:pPr lvl="2"/>
             <a:r>
-              <a:rPr lang="it-IT" smtClean="0"/>
+              <a:rPr lang="it-IT"/>
               <a:t>Terzo livello</a:t>
             </a:r>
           </a:p>
           <a:p>
             <a:pPr lvl="3"/>
             <a:r>
-              <a:rPr lang="it-IT" smtClean="0"/>
+              <a:rPr lang="it-IT"/>
               <a:t>Quarto livello</a:t>
             </a:r>
           </a:p>
           <a:p>
             <a:pPr lvl="4"/>
             <a:r>
-              <a:rPr lang="it-IT" smtClean="0"/>
+              <a:rPr lang="it-IT"/>
               <a:t>Quinto livello</a:t>
             </a:r>
-            <a:endParaRPr lang="it-IT"/>
           </a:p>
         </p:txBody>
       </p:sp>
@@ -2219,7 +2308,7 @@
           <a:p>
             <a:pPr lvl="0"/>
             <a:r>
-              <a:rPr lang="it-IT" smtClean="0"/>
+              <a:rPr lang="it-IT"/>
               <a:t>Fare clic per modificare stili del testo dello schema</a:t>
             </a:r>
           </a:p>
@@ -2275,38 +2364,37 @@
           <a:p>
             <a:pPr lvl="0"/>
             <a:r>
-              <a:rPr lang="it-IT" smtClean="0"/>
+              <a:rPr lang="it-IT"/>
               <a:t>Fare clic per modificare stili del testo dello schema</a:t>
             </a:r>
           </a:p>
           <a:p>
             <a:pPr lvl="1"/>
             <a:r>
-              <a:rPr lang="it-IT" smtClean="0"/>
+              <a:rPr lang="it-IT"/>
               <a:t>Secondo livello</a:t>
             </a:r>
           </a:p>
           <a:p>
             <a:pPr lvl="2"/>
             <a:r>
-              <a:rPr lang="it-IT" smtClean="0"/>
+              <a:rPr lang="it-IT"/>
               <a:t>Terzo livello</a:t>
             </a:r>
           </a:p>
           <a:p>
             <a:pPr lvl="3"/>
             <a:r>
-              <a:rPr lang="it-IT" smtClean="0"/>
+              <a:rPr lang="it-IT"/>
               <a:t>Quarto livello</a:t>
             </a:r>
           </a:p>
           <a:p>
             <a:pPr lvl="4"/>
             <a:r>
-              <a:rPr lang="it-IT" smtClean="0"/>
+              <a:rPr lang="it-IT"/>
               <a:t>Quinto livello</a:t>
             </a:r>
-            <a:endParaRPr lang="it-IT"/>
           </a:p>
         </p:txBody>
       </p:sp>
@@ -2386,10 +2474,9 @@
           <a:lstStyle/>
           <a:p>
             <a:r>
-              <a:rPr lang="it-IT" smtClean="0"/>
+              <a:rPr lang="it-IT"/>
               <a:t>Fare clic per modificare lo stile del titolo</a:t>
             </a:r>
-            <a:endParaRPr lang="it-IT"/>
           </a:p>
         </p:txBody>
       </p:sp>
@@ -2538,10 +2625,9 @@
           </a:lstStyle>
           <a:p>
             <a:r>
-              <a:rPr lang="it-IT" smtClean="0"/>
+              <a:rPr lang="it-IT"/>
               <a:t>Fare clic per modificare lo stile del titolo</a:t>
             </a:r>
-            <a:endParaRPr lang="it-IT"/>
           </a:p>
         </p:txBody>
       </p:sp>
@@ -2595,38 +2681,37 @@
           <a:p>
             <a:pPr lvl="0"/>
             <a:r>
-              <a:rPr lang="it-IT" smtClean="0"/>
+              <a:rPr lang="it-IT"/>
               <a:t>Fare clic per modificare stili del testo dello schema</a:t>
             </a:r>
           </a:p>
           <a:p>
             <a:pPr lvl="1"/>
             <a:r>
-              <a:rPr lang="it-IT" smtClean="0"/>
+              <a:rPr lang="it-IT"/>
               <a:t>Secondo livello</a:t>
             </a:r>
           </a:p>
           <a:p>
             <a:pPr lvl="2"/>
             <a:r>
-              <a:rPr lang="it-IT" smtClean="0"/>
+              <a:rPr lang="it-IT"/>
               <a:t>Terzo livello</a:t>
             </a:r>
           </a:p>
           <a:p>
             <a:pPr lvl="3"/>
             <a:r>
-              <a:rPr lang="it-IT" smtClean="0"/>
+              <a:rPr lang="it-IT"/>
               <a:t>Quarto livello</a:t>
             </a:r>
           </a:p>
           <a:p>
             <a:pPr lvl="4"/>
             <a:r>
-              <a:rPr lang="it-IT" smtClean="0"/>
+              <a:rPr lang="it-IT"/>
               <a:t>Quinto livello</a:t>
             </a:r>
-            <a:endParaRPr lang="it-IT"/>
           </a:p>
         </p:txBody>
       </p:sp>
@@ -2689,7 +2774,7 @@
           <a:p>
             <a:pPr lvl="0"/>
             <a:r>
-              <a:rPr lang="it-IT" smtClean="0"/>
+              <a:rPr lang="it-IT"/>
               <a:t>Fare clic per modificare stili del testo dello schema</a:t>
             </a:r>
           </a:p>
@@ -2780,10 +2865,9 @@
           </a:lstStyle>
           <a:p>
             <a:r>
-              <a:rPr lang="it-IT" smtClean="0"/>
+              <a:rPr lang="it-IT"/>
               <a:t>Fare clic per modificare lo stile del titolo</a:t>
             </a:r>
-            <a:endParaRPr lang="it-IT"/>
           </a:p>
         </p:txBody>
       </p:sp>
@@ -2845,7 +2929,7 @@
           </a:lstStyle>
           <a:p>
             <a:pPr lvl="0"/>
-            <a:endParaRPr lang="it-IT" noProof="0" smtClean="0"/>
+            <a:endParaRPr lang="it-IT" noProof="0"/>
           </a:p>
         </p:txBody>
       </p:sp>
@@ -2908,7 +2992,7 @@
           <a:p>
             <a:pPr lvl="0"/>
             <a:r>
-              <a:rPr lang="it-IT" smtClean="0"/>
+              <a:rPr lang="it-IT"/>
               <a:t>Fare clic per modificare stili del testo dello schema</a:t>
             </a:r>
           </a:p>
@@ -3018,7 +3102,7 @@
           <a:p>
             <a:pPr lvl="0"/>
             <a:r>
-              <a:rPr lang="it-IT" smtClean="0"/>
+              <a:rPr lang="it-IT"/>
               <a:t>Fare clic per modificare lo stile del titolo dello schema</a:t>
             </a:r>
           </a:p>
@@ -3060,35 +3144,35 @@
           <a:p>
             <a:pPr lvl="0"/>
             <a:r>
-              <a:rPr lang="it-IT" smtClean="0"/>
+              <a:rPr lang="it-IT"/>
               <a:t>Fare clic per modificare gli stili del testo dello schema</a:t>
             </a:r>
           </a:p>
           <a:p>
             <a:pPr lvl="1"/>
             <a:r>
-              <a:rPr lang="it-IT" smtClean="0"/>
+              <a:rPr lang="it-IT"/>
               <a:t>Secondo livello</a:t>
             </a:r>
           </a:p>
           <a:p>
             <a:pPr lvl="2"/>
             <a:r>
-              <a:rPr lang="it-IT" smtClean="0"/>
+              <a:rPr lang="it-IT"/>
               <a:t>Terzo livello</a:t>
             </a:r>
           </a:p>
           <a:p>
             <a:pPr lvl="3"/>
             <a:r>
-              <a:rPr lang="it-IT" smtClean="0"/>
+              <a:rPr lang="it-IT"/>
               <a:t>Quarto livello</a:t>
             </a:r>
           </a:p>
           <a:p>
             <a:pPr lvl="4"/>
             <a:r>
-              <a:rPr lang="it-IT" smtClean="0"/>
+              <a:rPr lang="it-IT"/>
               <a:t>Quinto livello</a:t>
             </a:r>
           </a:p>
@@ -3258,15 +3342,15 @@
               <a:defRPr/>
             </a:pPr>
             <a:r>
-              <a:rPr lang="it-IT" sz="900" dirty="0" smtClean="0"/>
+              <a:rPr lang="it-IT" sz="900" dirty="0"/>
               <a:t>©</a:t>
             </a:r>
             <a:r>
-              <a:rPr lang="it-IT" sz="900" baseline="0" dirty="0" smtClean="0"/>
+              <a:rPr lang="it-IT" sz="900" baseline="0" dirty="0"/>
               <a:t> </a:t>
             </a:r>
             <a:r>
-              <a:rPr lang="it-IT" sz="900" dirty="0" err="1" smtClean="0"/>
+              <a:rPr lang="it-IT" sz="900" dirty="0" err="1"/>
               <a:t>F.M.Zanzotto</a:t>
             </a:r>
             <a:endParaRPr lang="it-IT" sz="900" dirty="0"/>
@@ -3308,15 +3392,15 @@
               <a:defRPr/>
             </a:pPr>
             <a:r>
-              <a:rPr lang="it-IT" sz="900" dirty="0" smtClean="0"/>
+              <a:rPr lang="it-IT" sz="900" dirty="0"/>
               <a:t>Logica</a:t>
             </a:r>
             <a:r>
-              <a:rPr lang="it-IT" sz="900" baseline="0" dirty="0" smtClean="0"/>
+              <a:rPr lang="it-IT" sz="900" baseline="0" dirty="0"/>
               <a:t> per la Programmazione e la </a:t>
             </a:r>
             <a:r>
-              <a:rPr lang="it-IT" sz="900" baseline="0" smtClean="0"/>
+              <a:rPr lang="it-IT" sz="900" baseline="0"/>
               <a:t>Dimostrazione Automatica</a:t>
             </a:r>
             <a:endParaRPr lang="it-IT" sz="900" dirty="0"/>
@@ -3856,17 +3940,16 @@
           <a:lstStyle/>
           <a:p>
             <a:r>
-              <a:rPr lang="it-IT" dirty="0" smtClean="0"/>
+              <a:rPr lang="it-IT" dirty="0"/>
               <a:t>Percorsi su grafi, Sottoalberi Comuni</a:t>
             </a:r>
             <a:br>
-              <a:rPr lang="it-IT" dirty="0" smtClean="0"/>
+              <a:rPr lang="it-IT" dirty="0"/>
             </a:br>
             <a:r>
-              <a:rPr lang="it-IT" dirty="0" smtClean="0"/>
+              <a:rPr lang="it-IT" dirty="0"/>
               <a:t>e Programmazione Dinamica</a:t>
             </a:r>
-            <a:endParaRPr lang="it-IT" dirty="0"/>
           </a:p>
         </p:txBody>
       </p:sp>
@@ -3889,12 +3972,12 @@
           <a:p>
             <a:pPr algn="ctr"/>
             <a:r>
-              <a:rPr lang="it-IT" dirty="0" smtClean="0"/>
+              <a:rPr lang="it-IT" dirty="0"/>
               <a:t>Fabio Massimo Zanzotto</a:t>
             </a:r>
           </a:p>
           <a:p>
-            <a:endParaRPr lang="it-IT" dirty="0" smtClean="0"/>
+            <a:endParaRPr lang="it-IT" dirty="0"/>
           </a:p>
         </p:txBody>
       </p:sp>
@@ -3908,13 +3991,6 @@
   <p:clrMapOvr>
     <a:masterClrMapping/>
   </p:clrMapOvr>
-  <p:timing>
-    <p:tnLst>
-      <p:par>
-        <p:cTn id="1" dur="indefinite" restart="never" nodeType="tmRoot"/>
-      </p:par>
-    </p:tnLst>
-  </p:timing>
 </p:sld>
 </file>
 
@@ -3951,10 +4027,9 @@
           <a:lstStyle/>
           <a:p>
             <a:r>
-              <a:rPr lang="it-IT" dirty="0" smtClean="0"/>
+              <a:rPr lang="it-IT" dirty="0"/>
               <a:t>Programmazione dinamica</a:t>
             </a:r>
-            <a:endParaRPr lang="it-IT" dirty="0"/>
           </a:p>
         </p:txBody>
       </p:sp>
@@ -3973,11 +4048,11 @@
           <a:bodyPr/>
           <a:lstStyle/>
           <a:p>
-            <a:endParaRPr lang="it-IT" dirty="0" smtClean="0"/>
-          </a:p>
-          <a:p>
-            <a:r>
-              <a:rPr lang="it-IT" dirty="0" smtClean="0"/>
+            <a:endParaRPr lang="it-IT" dirty="0"/>
+          </a:p>
+          <a:p>
+            <a:r>
+              <a:rPr lang="it-IT" dirty="0"/>
               <a:t>Fibonacci</a:t>
             </a:r>
           </a:p>
@@ -3986,10 +4061,9 @@
           </a:p>
           <a:p>
             <a:r>
-              <a:rPr lang="it-IT" dirty="0" smtClean="0"/>
+              <a:rPr lang="it-IT" dirty="0"/>
               <a:t>Similitudine tra Alberi</a:t>
             </a:r>
-            <a:endParaRPr lang="it-IT" dirty="0"/>
           </a:p>
         </p:txBody>
       </p:sp>
@@ -4003,13 +4077,6 @@
   <p:clrMapOvr>
     <a:masterClrMapping/>
   </p:clrMapOvr>
-  <p:timing>
-    <p:tnLst>
-      <p:par>
-        <p:cTn id="1" dur="indefinite" restart="never" nodeType="tmRoot"/>
-      </p:par>
-    </p:tnLst>
-  </p:timing>
 </p:sld>
 </file>
 
@@ -4046,10 +4113,9 @@
           <a:lstStyle/>
           <a:p>
             <a:r>
-              <a:rPr lang="it-IT" dirty="0" smtClean="0"/>
+              <a:rPr lang="it-IT" dirty="0"/>
               <a:t>Programmazione dinamica</a:t>
             </a:r>
-            <a:endParaRPr lang="it-IT" dirty="0"/>
           </a:p>
         </p:txBody>
       </p:sp>
@@ -4069,7 +4135,7 @@
           <a:lstStyle/>
           <a:p>
             <a:r>
-              <a:rPr lang="it-IT" dirty="0" smtClean="0"/>
+              <a:rPr lang="it-IT" dirty="0"/>
               <a:t>Numero di Fibonacci</a:t>
             </a:r>
           </a:p>
@@ -4077,18 +4143,18 @@
             <a:pPr marL="0" indent="0">
               <a:buNone/>
             </a:pPr>
-            <a:endParaRPr lang="it-IT" dirty="0" smtClean="0"/>
-          </a:p>
-          <a:p>
-            <a:pPr marL="0" indent="0">
-              <a:buNone/>
-            </a:pPr>
-            <a:r>
-              <a:rPr lang="it-IT" dirty="0" err="1" smtClean="0"/>
+            <a:endParaRPr lang="it-IT" dirty="0"/>
+          </a:p>
+          <a:p>
+            <a:pPr marL="0" indent="0">
+              <a:buNone/>
+            </a:pPr>
+            <a:r>
+              <a:rPr lang="it-IT" dirty="0" err="1"/>
               <a:t>fib</a:t>
             </a:r>
             <a:r>
-              <a:rPr lang="it-IT" dirty="0" smtClean="0"/>
+              <a:rPr lang="it-IT" dirty="0"/>
               <a:t>(1) = 1</a:t>
             </a:r>
           </a:p>
@@ -4097,11 +4163,11 @@
               <a:buNone/>
             </a:pPr>
             <a:r>
-              <a:rPr lang="it-IT" dirty="0" err="1" smtClean="0"/>
+              <a:rPr lang="it-IT" dirty="0" err="1"/>
               <a:t>fib</a:t>
             </a:r>
             <a:r>
-              <a:rPr lang="it-IT" dirty="0" smtClean="0"/>
+              <a:rPr lang="it-IT" dirty="0"/>
               <a:t>(2) = 1</a:t>
             </a:r>
           </a:p>
@@ -4110,30 +4176,29 @@
               <a:buNone/>
             </a:pPr>
             <a:r>
-              <a:rPr lang="it-IT" dirty="0" err="1" smtClean="0"/>
+              <a:rPr lang="it-IT" dirty="0" err="1"/>
               <a:t>fib</a:t>
             </a:r>
             <a:r>
-              <a:rPr lang="it-IT" dirty="0" smtClean="0"/>
+              <a:rPr lang="it-IT" dirty="0"/>
               <a:t>(N) = </a:t>
             </a:r>
             <a:r>
-              <a:rPr lang="it-IT" dirty="0" err="1" smtClean="0"/>
+              <a:rPr lang="it-IT" dirty="0" err="1"/>
               <a:t>fib</a:t>
             </a:r>
             <a:r>
-              <a:rPr lang="it-IT" dirty="0" smtClean="0"/>
+              <a:rPr lang="it-IT" dirty="0"/>
               <a:t>(N-1)  + </a:t>
             </a:r>
             <a:r>
-              <a:rPr lang="it-IT" dirty="0" err="1" smtClean="0"/>
+              <a:rPr lang="it-IT" dirty="0" err="1"/>
               <a:t>fib</a:t>
             </a:r>
             <a:r>
-              <a:rPr lang="it-IT" dirty="0" smtClean="0"/>
+              <a:rPr lang="it-IT" dirty="0"/>
               <a:t>(N-2). </a:t>
             </a:r>
-            <a:endParaRPr lang="it-IT" dirty="0"/>
           </a:p>
         </p:txBody>
       </p:sp>
@@ -4147,13 +4212,6 @@
   <p:clrMapOvr>
     <a:masterClrMapping/>
   </p:clrMapOvr>
-  <p:timing>
-    <p:tnLst>
-      <p:par>
-        <p:cTn id="1" dur="indefinite" restart="never" nodeType="tmRoot"/>
-      </p:par>
-    </p:tnLst>
-  </p:timing>
 </p:sld>
 </file>
 
@@ -4190,10 +4248,9 @@
           <a:lstStyle/>
           <a:p>
             <a:r>
-              <a:rPr lang="it-IT" dirty="0" smtClean="0"/>
+              <a:rPr lang="it-IT" dirty="0"/>
               <a:t>Fibonacci: prima!</a:t>
             </a:r>
-            <a:endParaRPr lang="it-IT" dirty="0"/>
           </a:p>
         </p:txBody>
       </p:sp>
@@ -4216,7 +4273,7 @@
               <a:buNone/>
             </a:pPr>
             <a:r>
-              <a:rPr lang="it-IT" dirty="0" smtClean="0"/>
+              <a:rPr lang="it-IT" dirty="0"/>
               <a:t>Scrivere il predicato </a:t>
             </a:r>
           </a:p>
@@ -4225,11 +4282,11 @@
               <a:buNone/>
             </a:pPr>
             <a:r>
-              <a:rPr lang="it-IT" dirty="0" err="1" smtClean="0"/>
+              <a:rPr lang="it-IT" dirty="0" err="1"/>
               <a:t>fib</a:t>
             </a:r>
             <a:r>
-              <a:rPr lang="it-IT" dirty="0" smtClean="0"/>
+              <a:rPr lang="it-IT" dirty="0"/>
               <a:t>(X,N)</a:t>
             </a:r>
           </a:p>
@@ -4238,15 +4295,15 @@
               <a:buNone/>
             </a:pPr>
             <a:r>
-              <a:rPr lang="it-IT" dirty="0" smtClean="0"/>
+              <a:rPr lang="it-IT" dirty="0"/>
               <a:t>vero se X è un intero e N è il numero di </a:t>
             </a:r>
             <a:r>
-              <a:rPr lang="it-IT" dirty="0" err="1" smtClean="0"/>
+              <a:rPr lang="it-IT" dirty="0" err="1"/>
               <a:t>fibonacci</a:t>
             </a:r>
             <a:r>
-              <a:rPr lang="it-IT" dirty="0" smtClean="0"/>
+              <a:rPr lang="it-IT" dirty="0"/>
               <a:t> ad esso associato.</a:t>
             </a:r>
           </a:p>
@@ -4260,7 +4317,7 @@
             <a:pPr marL="0" indent="0">
               <a:buNone/>
             </a:pPr>
-            <a:endParaRPr lang="it-IT" dirty="0" smtClean="0"/>
+            <a:endParaRPr lang="it-IT" dirty="0"/>
           </a:p>
         </p:txBody>
       </p:sp>
@@ -4274,13 +4331,6 @@
   <p:clrMapOvr>
     <a:masterClrMapping/>
   </p:clrMapOvr>
-  <p:timing>
-    <p:tnLst>
-      <p:par>
-        <p:cTn id="1" dur="indefinite" restart="never" nodeType="tmRoot"/>
-      </p:par>
-    </p:tnLst>
-  </p:timing>
 </p:sld>
 </file>
 
@@ -4341,7 +4391,7 @@
             <a:pPr marL="0" indent="0">
               <a:buNone/>
             </a:pPr>
-            <a:endParaRPr lang="it-IT" dirty="0" smtClean="0"/>
+            <a:endParaRPr lang="it-IT" dirty="0"/>
           </a:p>
           <a:p>
             <a:pPr marL="0" indent="0">
@@ -4361,11 +4411,11 @@
               <a:buNone/>
             </a:pPr>
             <a:r>
-              <a:rPr lang="it-IT" dirty="0" err="1" smtClean="0"/>
+              <a:rPr lang="it-IT" dirty="0" err="1"/>
               <a:t>fib</a:t>
             </a:r>
             <a:r>
-              <a:rPr lang="it-IT" dirty="0" smtClean="0"/>
+              <a:rPr lang="it-IT" dirty="0"/>
               <a:t>(2,1).</a:t>
             </a:r>
           </a:p>
@@ -4375,14 +4425,10 @@
             </a:pPr>
             <a:r>
               <a:rPr lang="it-IT" dirty="0" err="1"/>
-              <a:t>f</a:t>
-            </a:r>
-            <a:r>
-              <a:rPr lang="it-IT" dirty="0" err="1" smtClean="0"/>
-              <a:t>ib</a:t>
-            </a:r>
-            <a:r>
-              <a:rPr lang="it-IT" dirty="0" smtClean="0"/>
+              <a:t>fib</a:t>
+            </a:r>
+            <a:r>
+              <a:rPr lang="it-IT" dirty="0"/>
               <a:t>(N,F):-</a:t>
             </a:r>
           </a:p>
@@ -4392,11 +4438,7 @@
             </a:pPr>
             <a:r>
               <a:rPr lang="it-IT" dirty="0"/>
-              <a:t>	</a:t>
-            </a:r>
-            <a:r>
-              <a:rPr lang="it-IT" dirty="0" smtClean="0"/>
-              <a:t>N &gt; 2,</a:t>
+              <a:t>	N &gt; 2,</a:t>
             </a:r>
           </a:p>
           <a:p>
@@ -4430,11 +4472,7 @@
             </a:pPr>
             <a:r>
               <a:rPr lang="it-IT" dirty="0"/>
-              <a:t>	</a:t>
-            </a:r>
-            <a:r>
-              <a:rPr lang="it-IT" dirty="0" smtClean="0"/>
-              <a:t>N2 </a:t>
+              <a:t>	N2 </a:t>
             </a:r>
             <a:r>
               <a:rPr lang="it-IT" dirty="0" err="1"/>
@@ -4442,18 +4480,14 @@
             </a:r>
             <a:r>
               <a:rPr lang="it-IT" dirty="0"/>
-              <a:t> N - </a:t>
-            </a:r>
-            <a:r>
-              <a:rPr lang="it-IT" dirty="0" smtClean="0"/>
-              <a:t>2, </a:t>
-            </a:r>
-            <a:r>
-              <a:rPr lang="it-IT" dirty="0" err="1" smtClean="0"/>
+              <a:t> N - 2, </a:t>
+            </a:r>
+            <a:r>
+              <a:rPr lang="it-IT" dirty="0" err="1"/>
               <a:t>fib</a:t>
             </a:r>
             <a:r>
-              <a:rPr lang="it-IT" dirty="0" smtClean="0"/>
+              <a:rPr lang="it-IT" dirty="0"/>
               <a:t>(N2,F2),</a:t>
             </a:r>
           </a:p>
@@ -4463,21 +4497,16 @@
             </a:pPr>
             <a:r>
               <a:rPr lang="it-IT" dirty="0"/>
-              <a:t>	</a:t>
-            </a:r>
-            <a:r>
-              <a:rPr lang="it-IT" dirty="0" smtClean="0"/>
-              <a:t>F </a:t>
-            </a:r>
-            <a:r>
-              <a:rPr lang="it-IT" dirty="0" err="1" smtClean="0"/>
+              <a:t>	F </a:t>
+            </a:r>
+            <a:r>
+              <a:rPr lang="it-IT" dirty="0" err="1"/>
               <a:t>is</a:t>
             </a:r>
             <a:r>
-              <a:rPr lang="it-IT" dirty="0" smtClean="0"/>
+              <a:rPr lang="it-IT" dirty="0"/>
               <a:t> F1 + F2.</a:t>
             </a:r>
-            <a:endParaRPr lang="it-IT" dirty="0"/>
           </a:p>
           <a:p>
             <a:pPr marL="0" indent="0">
@@ -4506,13 +4535,6 @@
   <p:clrMapOvr>
     <a:masterClrMapping/>
   </p:clrMapOvr>
-  <p:timing>
-    <p:tnLst>
-      <p:par>
-        <p:cTn id="1" dur="indefinite" restart="never" nodeType="tmRoot"/>
-      </p:par>
-    </p:tnLst>
-  </p:timing>
 </p:sld>
 </file>
 
@@ -4549,14 +4571,13 @@
           <a:lstStyle/>
           <a:p>
             <a:r>
-              <a:rPr lang="it-IT" dirty="0" smtClean="0"/>
+              <a:rPr lang="it-IT" dirty="0"/>
               <a:t>Fibonacci </a:t>
             </a:r>
             <a:r>
-              <a:rPr lang="it-IT" b="1" i="1" dirty="0" smtClean="0"/>
+              <a:rPr lang="it-IT" b="1" i="1" dirty="0"/>
               <a:t>dinamico</a:t>
             </a:r>
-            <a:endParaRPr lang="it-IT" b="1" i="1" dirty="0"/>
           </a:p>
         </p:txBody>
       </p:sp>
@@ -4579,23 +4600,23 @@
               <a:buNone/>
             </a:pPr>
             <a:r>
-              <a:rPr lang="it-IT" dirty="0" smtClean="0"/>
+              <a:rPr lang="it-IT" dirty="0"/>
               <a:t>:- </a:t>
             </a:r>
             <a:r>
-              <a:rPr lang="it-IT" dirty="0" err="1" smtClean="0"/>
+              <a:rPr lang="it-IT" dirty="0" err="1"/>
               <a:t>dynamic</a:t>
             </a:r>
             <a:r>
-              <a:rPr lang="it-IT" dirty="0" smtClean="0"/>
+              <a:rPr lang="it-IT" dirty="0"/>
               <a:t> </a:t>
             </a:r>
             <a:r>
-              <a:rPr lang="it-IT" dirty="0" err="1" smtClean="0"/>
+              <a:rPr lang="it-IT" dirty="0" err="1"/>
               <a:t>fib</a:t>
             </a:r>
             <a:r>
-              <a:rPr lang="it-IT" dirty="0" smtClean="0"/>
+              <a:rPr lang="it-IT" dirty="0"/>
               <a:t>/2.</a:t>
             </a:r>
           </a:p>
@@ -4604,50 +4625,38 @@
               <a:buNone/>
             </a:pPr>
             <a:r>
-              <a:rPr lang="it-IT" dirty="0" err="1" smtClean="0"/>
+              <a:rPr lang="it-IT" dirty="0" err="1"/>
               <a:t>fib</a:t>
             </a:r>
             <a:r>
-              <a:rPr lang="it-IT" dirty="0" smtClean="0"/>
-              <a:t>(1,1</a:t>
-            </a:r>
-            <a:r>
-              <a:rPr lang="it-IT" dirty="0"/>
-              <a:t>).</a:t>
-            </a:r>
-          </a:p>
-          <a:p>
-            <a:pPr marL="0" indent="0">
-              <a:buNone/>
-            </a:pPr>
-            <a:r>
-              <a:rPr lang="it-IT" dirty="0" err="1" smtClean="0"/>
+              <a:rPr lang="it-IT" dirty="0"/>
+              <a:t>(1,1).</a:t>
+            </a:r>
+          </a:p>
+          <a:p>
+            <a:pPr marL="0" indent="0">
+              <a:buNone/>
+            </a:pPr>
+            <a:r>
+              <a:rPr lang="it-IT" dirty="0" err="1"/>
               <a:t>fib</a:t>
             </a:r>
             <a:r>
-              <a:rPr lang="it-IT" dirty="0" smtClean="0"/>
-              <a:t>(2,1</a:t>
-            </a:r>
-            <a:r>
-              <a:rPr lang="it-IT" dirty="0"/>
-              <a:t>).</a:t>
-            </a:r>
-          </a:p>
-          <a:p>
-            <a:pPr marL="0" indent="0">
-              <a:buNone/>
-            </a:pPr>
-            <a:r>
-              <a:rPr lang="it-IT" dirty="0" err="1" smtClean="0"/>
+              <a:rPr lang="it-IT" dirty="0"/>
+              <a:t>(2,1).</a:t>
+            </a:r>
+          </a:p>
+          <a:p>
+            <a:pPr marL="0" indent="0">
+              <a:buNone/>
+            </a:pPr>
+            <a:r>
+              <a:rPr lang="it-IT" dirty="0" err="1"/>
               <a:t>fib</a:t>
             </a:r>
             <a:r>
-              <a:rPr lang="it-IT" dirty="0" smtClean="0"/>
-              <a:t>(N,F</a:t>
-            </a:r>
-            <a:r>
-              <a:rPr lang="it-IT" dirty="0"/>
-              <a:t>):-</a:t>
+              <a:rPr lang="it-IT" dirty="0"/>
+              <a:t>(N,F):-</a:t>
             </a:r>
           </a:p>
           <a:p>
@@ -4698,11 +4707,7 @@
             </a:r>
             <a:r>
               <a:rPr lang="it-IT" dirty="0"/>
-              <a:t> N - </a:t>
-            </a:r>
-            <a:r>
-              <a:rPr lang="it-IT" dirty="0" smtClean="0"/>
-              <a:t>2, </a:t>
+              <a:t> N - 2, </a:t>
             </a:r>
             <a:r>
               <a:rPr lang="it-IT" dirty="0" err="1"/>
@@ -4727,11 +4732,7 @@
             </a:r>
             <a:r>
               <a:rPr lang="it-IT" dirty="0"/>
-              <a:t> F1 + </a:t>
-            </a:r>
-            <a:r>
-              <a:rPr lang="it-IT" dirty="0" smtClean="0"/>
-              <a:t>F2,</a:t>
+              <a:t> F1 + F2,</a:t>
             </a:r>
           </a:p>
           <a:p>
@@ -4743,7 +4744,7 @@
               <a:t>	</a:t>
             </a:r>
             <a:r>
-              <a:rPr lang="it-IT" dirty="0" err="1" smtClean="0">
+              <a:rPr lang="it-IT" dirty="0" err="1">
                 <a:solidFill>
                   <a:srgbClr val="FF0000"/>
                 </a:solidFill>
@@ -4751,7 +4752,7 @@
               <a:t>asserta</a:t>
             </a:r>
             <a:r>
-              <a:rPr lang="it-IT" dirty="0" smtClean="0">
+              <a:rPr lang="it-IT" dirty="0">
                 <a:solidFill>
                   <a:srgbClr val="FF0000"/>
                 </a:solidFill>
@@ -4759,7 +4760,7 @@
               <a:t>(</a:t>
             </a:r>
             <a:r>
-              <a:rPr lang="it-IT" dirty="0" err="1" smtClean="0">
+              <a:rPr lang="it-IT" dirty="0" err="1">
                 <a:solidFill>
                   <a:srgbClr val="FF0000"/>
                 </a:solidFill>
@@ -4767,18 +4768,13 @@
               <a:t>fib</a:t>
             </a:r>
             <a:r>
-              <a:rPr lang="it-IT" dirty="0" smtClean="0">
+              <a:rPr lang="it-IT" dirty="0">
                 <a:solidFill>
                   <a:srgbClr val="FF0000"/>
                 </a:solidFill>
               </a:rPr>
               <a:t>(N,F)).</a:t>
             </a:r>
-            <a:endParaRPr lang="it-IT" dirty="0">
-              <a:solidFill>
-                <a:srgbClr val="FF0000"/>
-              </a:solidFill>
-            </a:endParaRPr>
           </a:p>
           <a:p>
             <a:pPr marL="0" indent="0">
@@ -4798,13 +4794,6 @@
   <p:clrMapOvr>
     <a:masterClrMapping/>
   </p:clrMapOvr>
-  <p:timing>
-    <p:tnLst>
-      <p:par>
-        <p:cTn id="1" dur="indefinite" restart="never" nodeType="tmRoot"/>
-      </p:par>
-    </p:tnLst>
-  </p:timing>
 </p:sld>
 </file>
 
@@ -4841,10 +4830,9 @@
           <a:lstStyle/>
           <a:p>
             <a:r>
-              <a:rPr lang="it-IT" dirty="0" smtClean="0"/>
+              <a:rPr lang="it-IT" dirty="0"/>
               <a:t>Programmazione Dinamica</a:t>
             </a:r>
-            <a:endParaRPr lang="it-IT" dirty="0"/>
           </a:p>
         </p:txBody>
       </p:sp>
@@ -4863,18 +4851,18 @@
           <a:bodyPr/>
           <a:lstStyle/>
           <a:p>
-            <a:endParaRPr lang="it-IT" dirty="0" smtClean="0"/>
-          </a:p>
-          <a:p>
             <a:endParaRPr lang="it-IT" dirty="0"/>
           </a:p>
           <a:p>
-            <a:r>
-              <a:rPr lang="it-IT" b="1" i="1" dirty="0" smtClean="0"/>
+            <a:endParaRPr lang="it-IT" dirty="0"/>
+          </a:p>
+          <a:p>
+            <a:r>
+              <a:rPr lang="it-IT" b="1" i="1" dirty="0"/>
               <a:t>Similitudine tra alberi </a:t>
             </a:r>
             <a:r>
-              <a:rPr lang="it-IT" dirty="0" smtClean="0"/>
+              <a:rPr lang="it-IT" dirty="0"/>
               <a:t>in funzione del numero di sottoalberi in comune</a:t>
             </a:r>
           </a:p>
@@ -4883,16 +4871,15 @@
               <a:buNone/>
             </a:pPr>
             <a:r>
-              <a:rPr lang="it-IT" dirty="0" smtClean="0"/>
+              <a:rPr lang="it-IT" dirty="0"/>
               <a:t>k(T1,T2,N) </a:t>
             </a:r>
           </a:p>
           <a:p>
             <a:r>
-              <a:rPr lang="it-IT" dirty="0" smtClean="0"/>
+              <a:rPr lang="it-IT" dirty="0"/>
               <a:t>è vera se T1 e T2 sono alberi ed essi hanno in comune N sottoalberi</a:t>
             </a:r>
-            <a:endParaRPr lang="it-IT" dirty="0"/>
           </a:p>
         </p:txBody>
       </p:sp>
@@ -4906,13 +4893,6 @@
   <p:clrMapOvr>
     <a:masterClrMapping/>
   </p:clrMapOvr>
-  <p:timing>
-    <p:tnLst>
-      <p:par>
-        <p:cTn id="1" dur="indefinite" restart="never" nodeType="tmRoot"/>
-      </p:par>
-    </p:tnLst>
-  </p:timing>
 </p:sld>
 </file>
 
@@ -4949,31 +4929,31 @@
           <a:lstStyle/>
           <a:p>
             <a:r>
-              <a:rPr lang="en-US" dirty="0" err="1" smtClean="0"/>
+              <a:rPr lang="en-US" dirty="0" err="1"/>
               <a:t>Prog</a:t>
             </a:r>
             <a:r>
-              <a:rPr lang="en-US" dirty="0" smtClean="0"/>
+              <a:rPr lang="en-US" dirty="0"/>
               <a:t> Din: </a:t>
             </a:r>
             <a:r>
-              <a:rPr lang="en-US" dirty="0" err="1" smtClean="0"/>
+              <a:rPr lang="en-US" dirty="0" err="1"/>
               <a:t>Similitudine</a:t>
             </a:r>
             <a:r>
-              <a:rPr lang="en-US" dirty="0" smtClean="0"/>
+              <a:rPr lang="en-US" dirty="0"/>
               <a:t> </a:t>
             </a:r>
             <a:r>
-              <a:rPr lang="en-US" dirty="0" err="1" smtClean="0"/>
+              <a:rPr lang="en-US" dirty="0" err="1"/>
               <a:t>tra</a:t>
             </a:r>
             <a:r>
-              <a:rPr lang="en-US" dirty="0" smtClean="0"/>
+              <a:rPr lang="en-US" dirty="0"/>
               <a:t> </a:t>
             </a:r>
             <a:r>
-              <a:rPr lang="en-US" dirty="0" err="1" smtClean="0"/>
+              <a:rPr lang="en-US" dirty="0" err="1"/>
               <a:t>alberi</a:t>
             </a:r>
             <a:endParaRPr lang="en-US" dirty="0"/>
@@ -4999,10 +4979,9 @@
               <a:buNone/>
             </a:pPr>
             <a:r>
-              <a:rPr lang="it-IT" dirty="0" smtClean="0"/>
+              <a:rPr lang="it-IT" dirty="0"/>
               <a:t>I sottoalberi</a:t>
             </a:r>
-            <a:endParaRPr lang="it-IT" dirty="0"/>
           </a:p>
         </p:txBody>
       </p:sp>
@@ -7575,7 +7554,7 @@
           <a:graphicData uri="http://schemas.openxmlformats.org/presentationml/2006/ole">
             <mc:AlternateContent xmlns:mc="http://schemas.openxmlformats.org/markup-compatibility/2006">
               <mc:Choice xmlns:v="urn:schemas-microsoft-com:vml" Requires="v">
-                <p:oleObj spid="_x0000_s1048" name="Documento" r:id="rId4" imgW="6973584" imgH="3659580" progId="Word.Document.8">
+                <p:oleObj spid="_x0000_s1050" name="Documento" r:id="rId4" imgW="6973584" imgH="3659580" progId="Word.Document.8">
                   <p:embed/>
                 </p:oleObj>
               </mc:Choice>
@@ -7639,13 +7618,6 @@
   <p:clrMapOvr>
     <a:masterClrMapping/>
   </p:clrMapOvr>
-  <p:timing>
-    <p:tnLst>
-      <p:par>
-        <p:cTn id="1" dur="indefinite" restart="never" nodeType="tmRoot"/>
-      </p:par>
-    </p:tnLst>
-  </p:timing>
 </p:sld>
 </file>
 
@@ -7685,17 +7657,17 @@
               <a:buNone/>
             </a:pPr>
             <a:r>
-              <a:rPr lang="it-IT" dirty="0" smtClean="0"/>
+              <a:rPr lang="it-IT" dirty="0"/>
               <a:t>Data il predicato </a:t>
             </a:r>
             <a:r>
-              <a:rPr lang="it-IT" dirty="0" smtClean="0">
+              <a:rPr lang="it-IT" dirty="0">
                 <a:latin typeface="Smudger LET" pitchFamily="2" charset="0"/>
               </a:rPr>
               <a:t>T</a:t>
             </a:r>
             <a:r>
-              <a:rPr lang="it-IT" dirty="0" smtClean="0"/>
+              <a:rPr lang="it-IT" dirty="0"/>
               <a:t>(t) che fornisce tutti i sottoalberi</a:t>
             </a:r>
           </a:p>
@@ -7703,78 +7675,78 @@
             <a:pPr>
               <a:buNone/>
             </a:pPr>
-            <a:endParaRPr lang="it-IT" dirty="0" smtClean="0"/>
+            <a:endParaRPr lang="it-IT" dirty="0"/>
           </a:p>
           <a:p>
             <a:pPr>
               <a:buNone/>
             </a:pPr>
-            <a:endParaRPr lang="it-IT" dirty="0" smtClean="0"/>
+            <a:endParaRPr lang="it-IT" dirty="0"/>
           </a:p>
           <a:p>
             <a:pPr>
               <a:buNone/>
             </a:pPr>
-            <a:endParaRPr lang="it-IT" dirty="0" smtClean="0"/>
+            <a:endParaRPr lang="it-IT" dirty="0"/>
           </a:p>
           <a:p>
             <a:pPr>
               <a:buNone/>
             </a:pPr>
-            <a:endParaRPr lang="it-IT" dirty="0" smtClean="0"/>
+            <a:endParaRPr lang="it-IT" dirty="0"/>
           </a:p>
           <a:p>
             <a:pPr>
               <a:buNone/>
             </a:pPr>
-            <a:endParaRPr lang="it-IT" dirty="0" smtClean="0"/>
+            <a:endParaRPr lang="it-IT" dirty="0"/>
           </a:p>
           <a:p>
             <a:pPr>
               <a:buNone/>
             </a:pPr>
             <a:r>
-              <a:rPr lang="it-IT" dirty="0" smtClean="0"/>
+              <a:rPr lang="it-IT" dirty="0"/>
               <a:t>The </a:t>
             </a:r>
             <a:r>
-              <a:rPr lang="it-IT" dirty="0" err="1" smtClean="0"/>
+              <a:rPr lang="it-IT" dirty="0" err="1"/>
               <a:t>kernel</a:t>
             </a:r>
             <a:r>
-              <a:rPr lang="it-IT" dirty="0" smtClean="0"/>
+              <a:rPr lang="it-IT" dirty="0"/>
               <a:t> </a:t>
             </a:r>
             <a:r>
-              <a:rPr lang="it-IT" dirty="0" err="1" smtClean="0"/>
+              <a:rPr lang="it-IT" dirty="0" err="1"/>
               <a:t>may</a:t>
             </a:r>
             <a:r>
-              <a:rPr lang="it-IT" dirty="0" smtClean="0"/>
+              <a:rPr lang="it-IT" dirty="0"/>
               <a:t> </a:t>
             </a:r>
             <a:r>
-              <a:rPr lang="it-IT" dirty="0" err="1" smtClean="0"/>
+              <a:rPr lang="it-IT" dirty="0" err="1"/>
               <a:t>be</a:t>
             </a:r>
             <a:r>
-              <a:rPr lang="it-IT" dirty="0" smtClean="0"/>
+              <a:rPr lang="it-IT" dirty="0"/>
               <a:t> </a:t>
             </a:r>
             <a:r>
-              <a:rPr lang="it-IT" dirty="0" err="1" smtClean="0"/>
+              <a:rPr lang="it-IT" dirty="0" err="1"/>
               <a:t>written</a:t>
             </a:r>
             <a:r>
-              <a:rPr lang="it-IT" dirty="0" smtClean="0"/>
+              <a:rPr lang="it-IT" dirty="0"/>
               <a:t> </a:t>
             </a:r>
             <a:r>
-              <a:rPr lang="it-IT" dirty="0" err="1" smtClean="0"/>
+              <a:rPr lang="it-IT" dirty="0" err="1"/>
               <a:t>as</a:t>
             </a:r>
             <a:r>
-              <a:rPr lang="it-IT" dirty="0" smtClean="0"/>
+              <a:rPr lang="it-IT" dirty="0"/>
               <a:t>: </a:t>
             </a:r>
           </a:p>
@@ -7782,40 +7754,40 @@
             <a:pPr algn="ctr">
               <a:buNone/>
             </a:pPr>
-            <a:endParaRPr lang="it-IT" dirty="0" smtClean="0"/>
+            <a:endParaRPr lang="it-IT" dirty="0"/>
           </a:p>
           <a:p>
             <a:pPr algn="ctr">
               <a:buNone/>
             </a:pPr>
             <a:r>
-              <a:rPr lang="it-IT" dirty="0" smtClean="0"/>
+              <a:rPr lang="it-IT" dirty="0"/>
               <a:t>k(T1,T2,N) è vero se N = |</a:t>
             </a:r>
             <a:r>
-              <a:rPr lang="it-IT" dirty="0" smtClean="0">
+              <a:rPr lang="it-IT" dirty="0">
                 <a:latin typeface="Smudger LET" pitchFamily="2" charset="0"/>
               </a:rPr>
               <a:t> T</a:t>
             </a:r>
             <a:r>
-              <a:rPr lang="it-IT" dirty="0" smtClean="0"/>
+              <a:rPr lang="it-IT" dirty="0"/>
               <a:t>(T1)</a:t>
             </a:r>
             <a:r>
-              <a:rPr lang="it-IT" dirty="0" smtClean="0">
+              <a:rPr lang="it-IT" dirty="0">
                 <a:sym typeface="Symbol"/>
               </a:rPr>
               <a:t></a:t>
             </a:r>
             <a:r>
-              <a:rPr lang="it-IT" dirty="0" smtClean="0">
+              <a:rPr lang="it-IT" dirty="0">
                 <a:latin typeface="Smudger LET" pitchFamily="2" charset="0"/>
               </a:rPr>
               <a:t>T</a:t>
             </a:r>
             <a:r>
-              <a:rPr lang="it-IT" dirty="0" smtClean="0"/>
+              <a:rPr lang="it-IT" dirty="0"/>
               <a:t>(T2) |</a:t>
             </a:r>
           </a:p>
@@ -7824,10 +7796,9 @@
               <a:buNone/>
             </a:pPr>
             <a:r>
-              <a:rPr lang="it-IT" dirty="0" smtClean="0"/>
+              <a:rPr lang="it-IT" dirty="0"/>
               <a:t> </a:t>
             </a:r>
-            <a:endParaRPr lang="it-IT" dirty="0"/>
           </a:p>
         </p:txBody>
       </p:sp>
@@ -7920,13 +7891,6 @@
   <p:clrMapOvr>
     <a:masterClrMapping/>
   </p:clrMapOvr>
-  <p:timing>
-    <p:tnLst>
-      <p:par>
-        <p:cTn id="1" dur="indefinite" restart="never" nodeType="tmRoot"/>
-      </p:par>
-    </p:tnLst>
-  </p:timing>
 </p:sld>
 </file>
 
@@ -7963,10 +7927,9 @@
           <a:lstStyle/>
           <a:p>
             <a:r>
-              <a:rPr lang="it-IT" dirty="0" smtClean="0"/>
+              <a:rPr lang="it-IT" dirty="0"/>
               <a:t>Soluzioni</a:t>
             </a:r>
-            <a:endParaRPr lang="it-IT" dirty="0"/>
           </a:p>
         </p:txBody>
       </p:sp>
@@ -7986,14 +7949,14 @@
           <a:lstStyle/>
           <a:p>
             <a:r>
-              <a:rPr lang="it-IT" dirty="0" smtClean="0"/>
+              <a:rPr lang="it-IT" dirty="0"/>
               <a:t>La strada verso la soluzione dinamica:</a:t>
             </a:r>
           </a:p>
           <a:p>
             <a:pPr lvl="1"/>
             <a:r>
-              <a:rPr lang="it-IT" dirty="0" smtClean="0"/>
+              <a:rPr lang="it-IT" dirty="0"/>
               <a:t>Ricerca esaustiva</a:t>
             </a:r>
           </a:p>
@@ -8004,7 +7967,7 @@
           <a:p>
             <a:pPr lvl="1"/>
             <a:r>
-              <a:rPr lang="it-IT" dirty="0" smtClean="0"/>
+              <a:rPr lang="it-IT" dirty="0"/>
               <a:t>Versione ricorsiva</a:t>
             </a:r>
           </a:p>
@@ -8015,10 +7978,9 @@
           <a:p>
             <a:pPr lvl="1"/>
             <a:r>
-              <a:rPr lang="it-IT" dirty="0" smtClean="0"/>
+              <a:rPr lang="it-IT" dirty="0"/>
               <a:t>Versione ricorsiva con programmazione dinamica</a:t>
             </a:r>
-            <a:endParaRPr lang="it-IT" dirty="0"/>
           </a:p>
         </p:txBody>
       </p:sp>
@@ -8032,13 +7994,6 @@
   <p:clrMapOvr>
     <a:masterClrMapping/>
   </p:clrMapOvr>
-  <p:timing>
-    <p:tnLst>
-      <p:par>
-        <p:cTn id="1" dur="indefinite" restart="never" nodeType="tmRoot"/>
-      </p:par>
-    </p:tnLst>
-  </p:timing>
 </p:sld>
 </file>
 
@@ -8075,10 +8030,9 @@
           <a:lstStyle/>
           <a:p>
             <a:r>
-              <a:rPr lang="it-IT" dirty="0" smtClean="0"/>
+              <a:rPr lang="it-IT" dirty="0"/>
               <a:t>Percorso su grafi</a:t>
             </a:r>
-            <a:endParaRPr lang="it-IT" dirty="0"/>
           </a:p>
         </p:txBody>
       </p:sp>
@@ -8101,7 +8055,7 @@
               <a:buNone/>
             </a:pPr>
             <a:r>
-              <a:rPr lang="it-IT" dirty="0" smtClean="0"/>
+              <a:rPr lang="it-IT" dirty="0"/>
               <a:t>Ritorniamo all’indietro:</a:t>
             </a:r>
           </a:p>
@@ -8116,7 +8070,7 @@
               <a:buNone/>
             </a:pPr>
             <a:r>
-              <a:rPr lang="it-IT" dirty="0" smtClean="0"/>
+              <a:rPr lang="it-IT" dirty="0"/>
               <a:t>Data la rappresentazione di un grafo come archi tra nodi </a:t>
             </a:r>
           </a:p>
@@ -8125,7 +8079,7 @@
               <a:buNone/>
             </a:pPr>
             <a:r>
-              <a:rPr lang="it-IT" dirty="0" smtClean="0"/>
+              <a:rPr lang="it-IT" dirty="0"/>
               <a:t>/* e(X,Y) */</a:t>
             </a:r>
           </a:p>
@@ -8134,7 +8088,7 @@
               <a:buNone/>
             </a:pPr>
             <a:r>
-              <a:rPr lang="it-IT" dirty="0" smtClean="0"/>
+              <a:rPr lang="it-IT" dirty="0"/>
               <a:t>Scrivere il predicato:</a:t>
             </a:r>
           </a:p>
@@ -8143,15 +8097,15 @@
               <a:buNone/>
             </a:pPr>
             <a:r>
-              <a:rPr lang="it-IT" dirty="0" smtClean="0"/>
+              <a:rPr lang="it-IT" dirty="0"/>
               <a:t>/* </a:t>
             </a:r>
             <a:r>
-              <a:rPr lang="it-IT" dirty="0" err="1" smtClean="0"/>
+              <a:rPr lang="it-IT" dirty="0" err="1"/>
               <a:t>path</a:t>
             </a:r>
             <a:r>
-              <a:rPr lang="it-IT" dirty="0" smtClean="0"/>
+              <a:rPr lang="it-IT" dirty="0"/>
               <a:t>(X,Y) */</a:t>
             </a:r>
           </a:p>
@@ -8160,7 +8114,7 @@
               <a:buNone/>
             </a:pPr>
             <a:r>
-              <a:rPr lang="it-IT" dirty="0" smtClean="0"/>
+              <a:rPr lang="it-IT" dirty="0"/>
               <a:t>che sia vero se esiste un percorso tra X e Y </a:t>
             </a:r>
           </a:p>
@@ -8182,13 +8136,6 @@
   <p:clrMapOvr>
     <a:masterClrMapping/>
   </p:clrMapOvr>
-  <p:timing>
-    <p:tnLst>
-      <p:par>
-        <p:cTn id="1" dur="indefinite" restart="never" nodeType="tmRoot"/>
-      </p:par>
-    </p:tnLst>
-  </p:timing>
 </p:sld>
 </file>
 
@@ -8225,10 +8172,9 @@
           <a:lstStyle/>
           <a:p>
             <a:r>
-              <a:rPr lang="it-IT" dirty="0" smtClean="0"/>
+              <a:rPr lang="it-IT" dirty="0"/>
               <a:t>Ricerca esaustiva</a:t>
             </a:r>
-            <a:endParaRPr lang="it-IT" dirty="0"/>
           </a:p>
         </p:txBody>
       </p:sp>
@@ -8251,7 +8197,7 @@
               <a:buNone/>
             </a:pPr>
             <a:r>
-              <a:rPr lang="it-IT" dirty="0" smtClean="0"/>
+              <a:rPr lang="it-IT" dirty="0"/>
               <a:t>Scrivere il predicato:</a:t>
             </a:r>
           </a:p>
@@ -8269,16 +8215,8 @@
               <a:buNone/>
             </a:pPr>
             <a:r>
-              <a:rPr lang="it-IT" dirty="0" smtClean="0"/>
-              <a:t>vero </a:t>
-            </a:r>
-            <a:r>
-              <a:rPr lang="it-IT" dirty="0"/>
-              <a:t>se T1 e T2 sono alberi ed essi hanno in comune N </a:t>
-            </a:r>
-            <a:r>
-              <a:rPr lang="it-IT" dirty="0" smtClean="0"/>
-              <a:t>sottoalberi, usando le proprietà descritte.</a:t>
+              <a:rPr lang="it-IT" dirty="0"/>
+              <a:t>vero se T1 e T2 sono alberi ed essi hanno in comune N sottoalberi, usando le proprietà descritte.</a:t>
             </a:r>
           </a:p>
           <a:p>
@@ -8292,7 +8230,7 @@
               <a:buNone/>
             </a:pPr>
             <a:r>
-              <a:rPr lang="it-IT" dirty="0" smtClean="0"/>
+              <a:rPr lang="it-IT" dirty="0"/>
               <a:t>Rappresentiamo albero come:</a:t>
             </a:r>
           </a:p>
@@ -8300,18 +8238,18 @@
             <a:pPr marL="0" indent="0">
               <a:buNone/>
             </a:pPr>
-            <a:endParaRPr lang="it-IT" dirty="0" smtClean="0"/>
-          </a:p>
-          <a:p>
-            <a:pPr marL="0" indent="0">
-              <a:buNone/>
-            </a:pPr>
-            <a:r>
-              <a:rPr lang="it-IT" dirty="0" err="1" smtClean="0"/>
+            <a:endParaRPr lang="it-IT" dirty="0"/>
+          </a:p>
+          <a:p>
+            <a:pPr marL="0" indent="0">
+              <a:buNone/>
+            </a:pPr>
+            <a:r>
+              <a:rPr lang="it-IT" dirty="0" err="1"/>
               <a:t>tree</a:t>
             </a:r>
             <a:r>
-              <a:rPr lang="it-IT" dirty="0" smtClean="0"/>
+              <a:rPr lang="it-IT" dirty="0"/>
               <a:t>(F,LIST_OF_SUBTREES).</a:t>
             </a:r>
           </a:p>
@@ -8325,25 +8263,25 @@
             <a:pPr marL="0" indent="0">
               <a:buNone/>
             </a:pPr>
-            <a:endParaRPr lang="it-IT" dirty="0" smtClean="0"/>
-          </a:p>
-          <a:p>
-            <a:pPr marL="0" indent="0">
-              <a:buNone/>
-            </a:pPr>
-            <a:endParaRPr lang="it-IT" dirty="0" smtClean="0"/>
-          </a:p>
-          <a:p>
-            <a:pPr marL="0" indent="0">
-              <a:buNone/>
-            </a:pPr>
             <a:endParaRPr lang="it-IT" dirty="0"/>
           </a:p>
           <a:p>
             <a:pPr marL="0" indent="0">
               <a:buNone/>
             </a:pPr>
-            <a:endParaRPr lang="it-IT" dirty="0" smtClean="0"/>
+            <a:endParaRPr lang="it-IT" dirty="0"/>
+          </a:p>
+          <a:p>
+            <a:pPr marL="0" indent="0">
+              <a:buNone/>
+            </a:pPr>
+            <a:endParaRPr lang="it-IT" dirty="0"/>
+          </a:p>
+          <a:p>
+            <a:pPr marL="0" indent="0">
+              <a:buNone/>
+            </a:pPr>
+            <a:endParaRPr lang="it-IT" dirty="0"/>
           </a:p>
         </p:txBody>
       </p:sp>
@@ -8357,13 +8295,6 @@
   <p:clrMapOvr>
     <a:masterClrMapping/>
   </p:clrMapOvr>
-  <p:timing>
-    <p:tnLst>
-      <p:par>
-        <p:cTn id="1" dur="indefinite" restart="never" nodeType="tmRoot"/>
-      </p:par>
-    </p:tnLst>
-  </p:timing>
 </p:sld>
 </file>
 
@@ -8421,14 +8352,14 @@
           <a:bodyPr/>
           <a:lstStyle/>
           <a:p>
-            <a:endParaRPr lang="it-IT" dirty="0" smtClean="0"/>
-          </a:p>
-          <a:p>
-            <a:pPr marL="0" indent="0">
-              <a:buNone/>
-            </a:pPr>
-            <a:r>
-              <a:rPr lang="it-IT" dirty="0" smtClean="0"/>
+            <a:endParaRPr lang="it-IT" dirty="0"/>
+          </a:p>
+          <a:p>
+            <a:pPr marL="0" indent="0">
+              <a:buNone/>
+            </a:pPr>
+            <a:r>
+              <a:rPr lang="it-IT" dirty="0"/>
               <a:t>k(T1,T2,N):-</a:t>
             </a:r>
           </a:p>
@@ -8438,11 +8369,33 @@
             </a:pPr>
             <a:r>
               <a:rPr lang="it-IT" dirty="0"/>
+              <a:t>	t(T1,ST1),</a:t>
+            </a:r>
+          </a:p>
+          <a:p>
+            <a:pPr marL="0" indent="0">
+              <a:buNone/>
+            </a:pPr>
+            <a:r>
+              <a:rPr lang="it-IT" dirty="0"/>
+              <a:t>	t(T2,ST2),</a:t>
+            </a:r>
+          </a:p>
+          <a:p>
+            <a:pPr marL="0" indent="0">
+              <a:buNone/>
+            </a:pPr>
+            <a:r>
+              <a:rPr lang="it-IT" dirty="0"/>
               <a:t>	</a:t>
             </a:r>
             <a:r>
-              <a:rPr lang="it-IT" dirty="0" smtClean="0"/>
-              <a:t>t(T1,ST1),</a:t>
+              <a:rPr lang="it-IT" dirty="0" err="1"/>
+              <a:t>intersect</a:t>
+            </a:r>
+            <a:r>
+              <a:rPr lang="it-IT" dirty="0"/>
+              <a:t>(ST1,ST2,LST),</a:t>
             </a:r>
           </a:p>
           <a:p>
@@ -8454,43 +8407,25 @@
               <a:t>	</a:t>
             </a:r>
             <a:r>
-              <a:rPr lang="it-IT" dirty="0" smtClean="0"/>
-              <a:t>t(T2,ST2),</a:t>
-            </a:r>
-          </a:p>
-          <a:p>
-            <a:pPr marL="0" indent="0">
-              <a:buNone/>
-            </a:pPr>
-            <a:r>
-              <a:rPr lang="it-IT" dirty="0"/>
-              <a:t>	</a:t>
-            </a:r>
-            <a:r>
-              <a:rPr lang="it-IT" dirty="0" err="1" smtClean="0"/>
-              <a:t>intersect</a:t>
-            </a:r>
-            <a:r>
-              <a:rPr lang="it-IT" dirty="0" smtClean="0"/>
-              <a:t>(ST1,ST2,LST),</a:t>
-            </a:r>
-          </a:p>
-          <a:p>
-            <a:pPr marL="0" indent="0">
-              <a:buNone/>
-            </a:pPr>
-            <a:r>
-              <a:rPr lang="it-IT" dirty="0"/>
-              <a:t>	</a:t>
-            </a:r>
-            <a:r>
-              <a:rPr lang="it-IT" dirty="0" err="1" smtClean="0"/>
+              <a:rPr lang="it-IT" dirty="0" err="1"/>
               <a:t>length</a:t>
             </a:r>
             <a:r>
-              <a:rPr lang="it-IT" dirty="0" smtClean="0"/>
+              <a:rPr lang="it-IT" dirty="0"/>
               <a:t>(LST,N).</a:t>
             </a:r>
+          </a:p>
+          <a:p>
+            <a:pPr marL="0" indent="0">
+              <a:buNone/>
+            </a:pPr>
+            <a:endParaRPr lang="it-IT" dirty="0"/>
+          </a:p>
+          <a:p>
+            <a:pPr marL="0" indent="0">
+              <a:buNone/>
+            </a:pPr>
+            <a:endParaRPr lang="it-IT" dirty="0"/>
           </a:p>
         </p:txBody>
       </p:sp>
@@ -8504,13 +8439,6 @@
   <p:clrMapOvr>
     <a:masterClrMapping/>
   </p:clrMapOvr>
-  <p:timing>
-    <p:tnLst>
-      <p:par>
-        <p:cTn id="1" dur="indefinite" restart="never" nodeType="tmRoot"/>
-      </p:par>
-    </p:tnLst>
-  </p:timing>
 </p:sld>
 </file>
 
@@ -8572,7 +8500,7 @@
               <a:buNone/>
             </a:pPr>
             <a:r>
-              <a:rPr lang="it-IT" dirty="0" smtClean="0"/>
+              <a:rPr lang="it-IT" dirty="0"/>
               <a:t>t(T,STL):-</a:t>
             </a:r>
           </a:p>
@@ -8585,19 +8513,19 @@
               <a:t>	</a:t>
             </a:r>
             <a:r>
-              <a:rPr lang="it-IT" dirty="0" err="1" smtClean="0"/>
+              <a:rPr lang="it-IT" dirty="0" err="1"/>
               <a:t>bagof</a:t>
             </a:r>
             <a:r>
-              <a:rPr lang="it-IT" dirty="0" smtClean="0"/>
+              <a:rPr lang="it-IT" dirty="0"/>
               <a:t>(</a:t>
             </a:r>
             <a:r>
-              <a:rPr lang="it-IT" dirty="0" err="1" smtClean="0"/>
+              <a:rPr lang="it-IT" dirty="0" err="1"/>
               <a:t>ST,st</a:t>
             </a:r>
             <a:r>
-              <a:rPr lang="it-IT" dirty="0" smtClean="0"/>
+              <a:rPr lang="it-IT" dirty="0"/>
               <a:t>(T,ST),STL).</a:t>
             </a:r>
           </a:p>
@@ -8606,20 +8534,12 @@
               <a:buNone/>
             </a:pPr>
             <a:r>
-              <a:rPr lang="it-IT" sz="2400" dirty="0" err="1" smtClean="0"/>
+              <a:rPr lang="it-IT" sz="2400" dirty="0" err="1"/>
               <a:t>st_r</a:t>
             </a:r>
             <a:r>
-              <a:rPr lang="it-IT" sz="2400" dirty="0" smtClean="0"/>
+              <a:rPr lang="it-IT" sz="2400" dirty="0"/>
               <a:t>(</a:t>
-            </a:r>
-            <a:r>
-              <a:rPr lang="it-IT" sz="2400" dirty="0" err="1" smtClean="0"/>
-              <a:t>tree</a:t>
-            </a:r>
-            <a:r>
-              <a:rPr lang="it-IT" sz="2400" dirty="0" smtClean="0"/>
-              <a:t>(A,_), </a:t>
             </a:r>
             <a:r>
               <a:rPr lang="it-IT" sz="2400" dirty="0" err="1"/>
@@ -8627,39 +8547,43 @@
             </a:r>
             <a:r>
               <a:rPr lang="it-IT" sz="2400" dirty="0"/>
-              <a:t>(A</a:t>
-            </a:r>
-            <a:r>
-              <a:rPr lang="it-IT" sz="2400" dirty="0" smtClean="0"/>
-              <a:t>,[])).</a:t>
-            </a:r>
-          </a:p>
-          <a:p>
-            <a:pPr marL="0" indent="0">
-              <a:buNone/>
-            </a:pPr>
-            <a:r>
-              <a:rPr lang="it-IT" sz="2400" dirty="0" err="1" smtClean="0"/>
+              <a:t>(A,_), </a:t>
+            </a:r>
+            <a:r>
+              <a:rPr lang="it-IT" sz="2400" dirty="0" err="1"/>
+              <a:t>tree</a:t>
+            </a:r>
+            <a:r>
+              <a:rPr lang="it-IT" sz="2400" dirty="0"/>
+              <a:t>(A,[])).</a:t>
+            </a:r>
+          </a:p>
+          <a:p>
+            <a:pPr marL="0" indent="0">
+              <a:buNone/>
+            </a:pPr>
+            <a:r>
+              <a:rPr lang="it-IT" sz="2400" dirty="0" err="1"/>
               <a:t>st_r</a:t>
             </a:r>
             <a:r>
-              <a:rPr lang="it-IT" sz="2400" dirty="0" smtClean="0"/>
+              <a:rPr lang="it-IT" sz="2400" dirty="0"/>
               <a:t>(</a:t>
             </a:r>
             <a:r>
-              <a:rPr lang="it-IT" sz="2400" dirty="0" err="1" smtClean="0"/>
+              <a:rPr lang="it-IT" sz="2400" dirty="0" err="1"/>
               <a:t>tree</a:t>
             </a:r>
             <a:r>
-              <a:rPr lang="it-IT" sz="2400" dirty="0" smtClean="0"/>
+              <a:rPr lang="it-IT" sz="2400" dirty="0"/>
               <a:t>(A,R),</a:t>
             </a:r>
             <a:r>
-              <a:rPr lang="it-IT" sz="2400" dirty="0" err="1" smtClean="0"/>
+              <a:rPr lang="it-IT" sz="2400" dirty="0" err="1"/>
               <a:t>tree</a:t>
             </a:r>
             <a:r>
-              <a:rPr lang="it-IT" sz="2400" dirty="0" smtClean="0"/>
+              <a:rPr lang="it-IT" sz="2400" dirty="0"/>
               <a:t>(A,R1)):-</a:t>
             </a:r>
           </a:p>
@@ -8672,11 +8596,11 @@
               <a:t>	</a:t>
             </a:r>
             <a:r>
-              <a:rPr lang="it-IT" sz="2400" dirty="0" err="1" smtClean="0"/>
+              <a:rPr lang="it-IT" sz="2400" dirty="0" err="1"/>
               <a:t>st_l</a:t>
             </a:r>
             <a:r>
-              <a:rPr lang="it-IT" sz="2400" dirty="0" smtClean="0"/>
+              <a:rPr lang="it-IT" sz="2400" dirty="0"/>
               <a:t>(R,R1).</a:t>
             </a:r>
           </a:p>
@@ -8685,11 +8609,11 @@
               <a:buNone/>
             </a:pPr>
             <a:r>
-              <a:rPr lang="it-IT" sz="2400" dirty="0" err="1" smtClean="0"/>
+              <a:rPr lang="it-IT" sz="2400" dirty="0" err="1"/>
               <a:t>st_l</a:t>
             </a:r>
             <a:r>
-              <a:rPr lang="it-IT" sz="2400" dirty="0" smtClean="0"/>
+              <a:rPr lang="it-IT" sz="2400" dirty="0"/>
               <a:t>([],[]).</a:t>
             </a:r>
           </a:p>
@@ -8698,19 +8622,19 @@
               <a:buNone/>
             </a:pPr>
             <a:r>
-              <a:rPr lang="it-IT" sz="2400" dirty="0" err="1" smtClean="0"/>
+              <a:rPr lang="it-IT" sz="2400" dirty="0" err="1"/>
               <a:t>st_l</a:t>
             </a:r>
             <a:r>
-              <a:rPr lang="it-IT" sz="2400" dirty="0" smtClean="0"/>
+              <a:rPr lang="it-IT" sz="2400" dirty="0"/>
               <a:t>([X|R],[X1|R1]):- st(X,X1), </a:t>
             </a:r>
             <a:r>
-              <a:rPr lang="it-IT" sz="2400" dirty="0" err="1" smtClean="0"/>
+              <a:rPr lang="it-IT" sz="2400" dirty="0" err="1"/>
               <a:t>st_l</a:t>
             </a:r>
             <a:r>
-              <a:rPr lang="it-IT" sz="2400" dirty="0" smtClean="0"/>
+              <a:rPr lang="it-IT" sz="2400" dirty="0"/>
               <a:t>(R,R1).</a:t>
             </a:r>
           </a:p>
@@ -8719,18 +8643,17 @@
               <a:buNone/>
             </a:pPr>
             <a:r>
-              <a:rPr lang="it-IT" sz="2400" dirty="0" smtClean="0"/>
+              <a:rPr lang="it-IT" sz="2400" dirty="0"/>
               <a:t>st(T, T1):- </a:t>
             </a:r>
             <a:r>
-              <a:rPr lang="it-IT" sz="2400" dirty="0" err="1" smtClean="0"/>
+              <a:rPr lang="it-IT" sz="2400" dirty="0" err="1"/>
               <a:t>st_r</a:t>
             </a:r>
             <a:r>
-              <a:rPr lang="it-IT" sz="2400" dirty="0" smtClean="0"/>
+              <a:rPr lang="it-IT" sz="2400" dirty="0"/>
               <a:t>(T,T1).</a:t>
             </a:r>
-            <a:endParaRPr lang="it-IT" sz="2400" dirty="0"/>
           </a:p>
           <a:p>
             <a:pPr marL="0" indent="0">
@@ -8758,31 +8681,19 @@
               <a:t>	</a:t>
             </a:r>
             <a:r>
-              <a:rPr lang="it-IT" sz="2400" dirty="0" err="1" smtClean="0"/>
+              <a:rPr lang="it-IT" sz="2400" dirty="0" err="1"/>
               <a:t>member</a:t>
             </a:r>
             <a:r>
-              <a:rPr lang="it-IT" sz="2400" dirty="0" smtClean="0"/>
-              <a:t>(T,R</a:t>
-            </a:r>
-            <a:r>
-              <a:rPr lang="it-IT" sz="2400"/>
-              <a:t>), </a:t>
-            </a:r>
-            <a:r>
-              <a:rPr lang="it-IT" sz="2400" smtClean="0"/>
-              <a:t>st(T,T1</a:t>
-            </a:r>
-            <a:r>
               <a:rPr lang="it-IT" sz="2400" dirty="0"/>
-              <a:t>).</a:t>
-            </a:r>
-          </a:p>
-          <a:p>
-            <a:pPr marL="0" indent="0">
-              <a:buNone/>
-            </a:pPr>
-            <a:endParaRPr lang="it-IT" sz="2400" dirty="0" smtClean="0"/>
+              <a:t>(T,R), st(T,T1).</a:t>
+            </a:r>
+          </a:p>
+          <a:p>
+            <a:pPr marL="0" indent="0">
+              <a:buNone/>
+            </a:pPr>
+            <a:endParaRPr lang="it-IT" sz="2400" dirty="0"/>
           </a:p>
         </p:txBody>
       </p:sp>
@@ -8796,13 +8707,6 @@
   <p:clrMapOvr>
     <a:masterClrMapping/>
   </p:clrMapOvr>
-  <p:timing>
-    <p:tnLst>
-      <p:par>
-        <p:cTn id="1" dur="indefinite" restart="never" nodeType="tmRoot"/>
-      </p:par>
-    </p:tnLst>
-  </p:timing>
 </p:sld>
 </file>
 
@@ -8839,10 +8743,9 @@
           <a:lstStyle/>
           <a:p>
             <a:r>
-              <a:rPr lang="it-IT" dirty="0" smtClean="0"/>
+              <a:rPr lang="it-IT" dirty="0"/>
               <a:t>Ricerca esaustiva</a:t>
             </a:r>
-            <a:endParaRPr lang="it-IT" dirty="0"/>
           </a:p>
         </p:txBody>
       </p:sp>
@@ -8865,17 +8768,17 @@
               <a:buNone/>
             </a:pPr>
             <a:r>
-              <a:rPr lang="it-IT" b="1" i="1" dirty="0" smtClean="0"/>
+              <a:rPr lang="it-IT" b="1" i="1" dirty="0"/>
               <a:t>Esercizio</a:t>
             </a:r>
-            <a:endParaRPr lang="it-IT" dirty="0" smtClean="0"/>
-          </a:p>
-          <a:p>
-            <a:pPr marL="0" indent="0">
-              <a:buNone/>
-            </a:pPr>
-            <a:r>
-              <a:rPr lang="it-IT" dirty="0" smtClean="0"/>
+            <a:endParaRPr lang="it-IT" dirty="0"/>
+          </a:p>
+          <a:p>
+            <a:pPr marL="0" indent="0">
+              <a:buNone/>
+            </a:pPr>
+            <a:r>
+              <a:rPr lang="it-IT" dirty="0"/>
               <a:t>Realizzare </a:t>
             </a:r>
           </a:p>
@@ -8884,11 +8787,11 @@
               <a:buNone/>
             </a:pPr>
             <a:r>
-              <a:rPr lang="it-IT" dirty="0" err="1" smtClean="0"/>
+              <a:rPr lang="it-IT" dirty="0" err="1"/>
               <a:t>intersect</a:t>
             </a:r>
             <a:r>
-              <a:rPr lang="it-IT" dirty="0" smtClean="0"/>
+              <a:rPr lang="it-IT" dirty="0"/>
               <a:t>(A,B,A_I_B)</a:t>
             </a:r>
           </a:p>
@@ -8897,16 +8800,15 @@
               <a:buNone/>
             </a:pPr>
             <a:r>
-              <a:rPr lang="it-IT" dirty="0" smtClean="0"/>
+              <a:rPr lang="it-IT" dirty="0"/>
               <a:t>vero se A e B sono liste con ripetizioni e A_I_B è una lista che contiene gli elementi di A e B eventualmente ripetuti</a:t>
             </a:r>
+          </a:p>
+          <a:p>
+            <a:pPr marL="0" indent="0">
+              <a:buNone/>
+            </a:pPr>
             <a:endParaRPr lang="it-IT" dirty="0"/>
-          </a:p>
-          <a:p>
-            <a:pPr marL="0" indent="0">
-              <a:buNone/>
-            </a:pPr>
-            <a:endParaRPr lang="it-IT" dirty="0" smtClean="0"/>
           </a:p>
         </p:txBody>
       </p:sp>
@@ -8920,13 +8822,6 @@
   <p:clrMapOvr>
     <a:masterClrMapping/>
   </p:clrMapOvr>
-  <p:timing>
-    <p:tnLst>
-      <p:par>
-        <p:cTn id="1" dur="indefinite" restart="never" nodeType="tmRoot"/>
-      </p:par>
-    </p:tnLst>
-  </p:timing>
 </p:sld>
 </file>
 
@@ -8949,6 +8844,185 @@
       </p:grpSpPr>
       <p:sp>
         <p:nvSpPr>
+          <p:cNvPr id="2" name="Titolo 1">
+            <a:extLst>
+              <a:ext uri="{FF2B5EF4-FFF2-40B4-BE49-F238E27FC236}">
+                <a16:creationId xmlns:a16="http://schemas.microsoft.com/office/drawing/2014/main" id="{39CB571F-5920-4A2F-9FE0-401BDA8D5105}"/>
+              </a:ext>
+            </a:extLst>
+          </p:cNvPr>
+          <p:cNvSpPr>
+            <a:spLocks noGrp="1"/>
+          </p:cNvSpPr>
+          <p:nvPr>
+            <p:ph type="title"/>
+          </p:nvPr>
+        </p:nvSpPr>
+        <p:spPr/>
+        <p:txBody>
+          <a:bodyPr/>
+          <a:lstStyle/>
+          <a:p>
+            <a:r>
+              <a:rPr lang="it-IT" dirty="0" err="1"/>
+              <a:t>Eercizio</a:t>
+            </a:r>
+            <a:endParaRPr lang="it-IT" dirty="0"/>
+          </a:p>
+        </p:txBody>
+      </p:sp>
+      <p:sp>
+        <p:nvSpPr>
+          <p:cNvPr id="3" name="Segnaposto contenuto 2">
+            <a:extLst>
+              <a:ext uri="{FF2B5EF4-FFF2-40B4-BE49-F238E27FC236}">
+                <a16:creationId xmlns:a16="http://schemas.microsoft.com/office/drawing/2014/main" id="{AB5C74CA-70F4-4A0C-B916-2B574A5514B9}"/>
+              </a:ext>
+            </a:extLst>
+          </p:cNvPr>
+          <p:cNvSpPr>
+            <a:spLocks noGrp="1"/>
+          </p:cNvSpPr>
+          <p:nvPr>
+            <p:ph idx="1"/>
+          </p:nvPr>
+        </p:nvSpPr>
+        <p:spPr/>
+        <p:txBody>
+          <a:bodyPr/>
+          <a:lstStyle/>
+          <a:p>
+            <a:pPr marL="0" indent="0">
+              <a:buNone/>
+            </a:pPr>
+            <a:r>
+              <a:rPr lang="it-IT" dirty="0" err="1"/>
+              <a:t>intersect</a:t>
+            </a:r>
+            <a:r>
+              <a:rPr lang="it-IT" dirty="0"/>
+              <a:t>([], _, []).</a:t>
+            </a:r>
+          </a:p>
+          <a:p>
+            <a:pPr marL="0" indent="0">
+              <a:buNone/>
+            </a:pPr>
+            <a:r>
+              <a:rPr lang="it-IT" dirty="0" err="1"/>
+              <a:t>intersect</a:t>
+            </a:r>
+            <a:r>
+              <a:rPr lang="it-IT" dirty="0"/>
+              <a:t>([X|R], L2, [</a:t>
+            </a:r>
+            <a:r>
+              <a:rPr lang="it-IT" dirty="0" err="1"/>
+              <a:t>X|Res</a:t>
+            </a:r>
+            <a:r>
+              <a:rPr lang="it-IT" dirty="0"/>
+              <a:t>]) :-</a:t>
+            </a:r>
+          </a:p>
+          <a:p>
+            <a:pPr marL="0" indent="0">
+              <a:buNone/>
+            </a:pPr>
+            <a:r>
+              <a:rPr lang="it-IT" dirty="0"/>
+              <a:t>    </a:t>
+            </a:r>
+            <a:r>
+              <a:rPr lang="it-IT" dirty="0" err="1"/>
+              <a:t>select</a:t>
+            </a:r>
+            <a:r>
+              <a:rPr lang="it-IT" dirty="0"/>
+              <a:t>(X, L2, L2Rest), !, </a:t>
+            </a:r>
+          </a:p>
+          <a:p>
+            <a:pPr marL="0" indent="0">
+              <a:buNone/>
+            </a:pPr>
+            <a:r>
+              <a:rPr lang="it-IT" dirty="0"/>
+              <a:t>    </a:t>
+            </a:r>
+            <a:r>
+              <a:rPr lang="it-IT" dirty="0" err="1"/>
+              <a:t>intersect</a:t>
+            </a:r>
+            <a:r>
+              <a:rPr lang="it-IT" dirty="0"/>
+              <a:t>(R, L2Rest, Res).</a:t>
+            </a:r>
+          </a:p>
+          <a:p>
+            <a:pPr marL="0" indent="0">
+              <a:buNone/>
+            </a:pPr>
+            <a:r>
+              <a:rPr lang="it-IT" dirty="0" err="1"/>
+              <a:t>intersect</a:t>
+            </a:r>
+            <a:r>
+              <a:rPr lang="it-IT" dirty="0"/>
+              <a:t>([_|R], L2, Res) :-</a:t>
+            </a:r>
+          </a:p>
+          <a:p>
+            <a:pPr marL="0" indent="0">
+              <a:buNone/>
+            </a:pPr>
+            <a:r>
+              <a:rPr lang="it-IT" dirty="0"/>
+              <a:t>    </a:t>
+            </a:r>
+            <a:r>
+              <a:rPr lang="it-IT" dirty="0" err="1"/>
+              <a:t>intersect</a:t>
+            </a:r>
+            <a:r>
+              <a:rPr lang="it-IT" dirty="0"/>
+              <a:t>(R, L2, Res).</a:t>
+            </a:r>
+          </a:p>
+        </p:txBody>
+      </p:sp>
+    </p:spTree>
+    <p:extLst>
+      <p:ext uri="{BB962C8B-B14F-4D97-AF65-F5344CB8AC3E}">
+        <p14:creationId xmlns:p14="http://schemas.microsoft.com/office/powerpoint/2010/main" val="2979263415"/>
+      </p:ext>
+    </p:extLst>
+  </p:cSld>
+  <p:clrMapOvr>
+    <a:masterClrMapping/>
+  </p:clrMapOvr>
+</p:sld>
+</file>
+
+<file path=ppt/slides/slide25.xml><?xml version="1.0" encoding="utf-8"?>
+<p:sld xmlns:a="http://schemas.openxmlformats.org/drawingml/2006/main" xmlns:r="http://schemas.openxmlformats.org/officeDocument/2006/relationships" xmlns:p="http://schemas.openxmlformats.org/presentationml/2006/main">
+  <p:cSld>
+    <p:spTree>
+      <p:nvGrpSpPr>
+        <p:cNvPr id="1" name=""/>
+        <p:cNvGrpSpPr/>
+        <p:nvPr/>
+      </p:nvGrpSpPr>
+      <p:grpSpPr>
+        <a:xfrm>
+          <a:off x="0" y="0"/>
+          <a:ext cx="0" cy="0"/>
+          <a:chOff x="0" y="0"/>
+          <a:chExt cx="0" cy="0"/>
+        </a:xfrm>
+      </p:grpSpPr>
+      <p:sp>
+        <p:nvSpPr>
           <p:cNvPr id="2" name="Segnaposto contenuto 1"/>
           <p:cNvSpPr>
             <a:spLocks noGrp="1"/>
@@ -8966,7 +9040,7 @@
               <a:buNone/>
             </a:pPr>
             <a:r>
-              <a:rPr lang="it-IT" dirty="0" smtClean="0"/>
+              <a:rPr lang="it-IT" dirty="0"/>
               <a:t>Un passo all’indietro</a:t>
             </a:r>
           </a:p>
@@ -8975,15 +9049,15 @@
               <a:buNone/>
             </a:pPr>
             <a:r>
-              <a:rPr lang="it-IT" dirty="0" smtClean="0"/>
+              <a:rPr lang="it-IT" dirty="0"/>
               <a:t>Dato un albero </a:t>
             </a:r>
             <a:r>
-              <a:rPr lang="it-IT" b="1" i="1" dirty="0" smtClean="0"/>
+              <a:rPr lang="it-IT" b="1" i="1" dirty="0"/>
               <a:t>t</a:t>
             </a:r>
             <a:r>
-              <a:rPr lang="it-IT" dirty="0" smtClean="0"/>
+              <a:rPr lang="it-IT" dirty="0"/>
               <a:t>, quanti sottoalberi ha?</a:t>
             </a:r>
           </a:p>
@@ -8992,7 +9066,7 @@
               <a:buNone/>
             </a:pPr>
             <a:r>
-              <a:rPr lang="it-IT" sz="2000" i="1" dirty="0" smtClean="0"/>
+              <a:rPr lang="it-IT" sz="2000" i="1" dirty="0"/>
               <a:t>Focalizziamoci sui sottoalberi che partono dalla radice</a:t>
             </a:r>
             <a:endParaRPr lang="it-IT" i="1" dirty="0"/>
@@ -9056,10 +9130,9 @@
           <a:p>
             <a:pPr algn="ctr"/>
             <a:r>
-              <a:rPr lang="it-IT" dirty="0" smtClean="0"/>
+              <a:rPr lang="it-IT" dirty="0"/>
               <a:t>R</a:t>
             </a:r>
-            <a:endParaRPr lang="it-IT" dirty="0"/>
           </a:p>
         </p:txBody>
       </p:sp>
@@ -9098,24 +9171,23 @@
           <a:p>
             <a:pPr algn="ctr"/>
             <a:r>
-              <a:rPr lang="it-IT" dirty="0" smtClean="0">
+              <a:rPr lang="it-IT" dirty="0">
                 <a:latin typeface="Symbol" pitchFamily="18" charset="2"/>
               </a:rPr>
               <a:t>D</a:t>
             </a:r>
             <a:r>
-              <a:rPr lang="it-IT" dirty="0" smtClean="0"/>
+              <a:rPr lang="it-IT" dirty="0"/>
               <a:t>(ch</a:t>
             </a:r>
             <a:r>
-              <a:rPr lang="it-IT" baseline="-25000" dirty="0" smtClean="0"/>
+              <a:rPr lang="it-IT" baseline="-25000" dirty="0"/>
               <a:t>1</a:t>
             </a:r>
             <a:r>
-              <a:rPr lang="it-IT" dirty="0" smtClean="0"/>
+              <a:rPr lang="it-IT" dirty="0"/>
               <a:t>)</a:t>
             </a:r>
-            <a:endParaRPr lang="it-IT" dirty="0"/>
           </a:p>
         </p:txBody>
       </p:sp>
@@ -9154,24 +9226,23 @@
           <a:p>
             <a:pPr algn="ctr"/>
             <a:r>
-              <a:rPr lang="it-IT" dirty="0" smtClean="0">
+              <a:rPr lang="it-IT" dirty="0">
                 <a:latin typeface="Symbol" pitchFamily="18" charset="2"/>
               </a:rPr>
               <a:t>D</a:t>
             </a:r>
             <a:r>
-              <a:rPr lang="it-IT" dirty="0" smtClean="0"/>
+              <a:rPr lang="it-IT" dirty="0"/>
               <a:t>(ch</a:t>
             </a:r>
             <a:r>
-              <a:rPr lang="it-IT" baseline="-25000" dirty="0" smtClean="0"/>
+              <a:rPr lang="it-IT" baseline="-25000" dirty="0"/>
               <a:t>2</a:t>
             </a:r>
             <a:r>
-              <a:rPr lang="it-IT" dirty="0" smtClean="0"/>
+              <a:rPr lang="it-IT" dirty="0"/>
               <a:t>)</a:t>
             </a:r>
-            <a:endParaRPr lang="it-IT" dirty="0"/>
           </a:p>
         </p:txBody>
       </p:sp>
@@ -9210,28 +9281,27 @@
           <a:p>
             <a:pPr algn="ctr"/>
             <a:r>
-              <a:rPr lang="it-IT" dirty="0" smtClean="0">
+              <a:rPr lang="it-IT" dirty="0">
                 <a:latin typeface="Symbol" pitchFamily="18" charset="2"/>
               </a:rPr>
               <a:t>D</a:t>
             </a:r>
             <a:r>
-              <a:rPr lang="it-IT" dirty="0" smtClean="0"/>
+              <a:rPr lang="it-IT" dirty="0"/>
               <a:t>(</a:t>
             </a:r>
             <a:r>
-              <a:rPr lang="it-IT" dirty="0" err="1" smtClean="0"/>
+              <a:rPr lang="it-IT" dirty="0" err="1"/>
               <a:t>ch</a:t>
             </a:r>
             <a:r>
-              <a:rPr lang="it-IT" baseline="-25000" dirty="0" err="1" smtClean="0"/>
+              <a:rPr lang="it-IT" baseline="-25000" dirty="0" err="1"/>
               <a:t>n</a:t>
             </a:r>
             <a:r>
-              <a:rPr lang="it-IT" dirty="0" smtClean="0"/>
+              <a:rPr lang="it-IT" dirty="0"/>
               <a:t>)</a:t>
             </a:r>
-            <a:endParaRPr lang="it-IT" dirty="0"/>
           </a:p>
         </p:txBody>
       </p:sp>
@@ -9270,14 +9340,11 @@
           <a:p>
             <a:pPr algn="ctr"/>
             <a:r>
-              <a:rPr lang="it-IT" dirty="0" smtClean="0">
+              <a:rPr lang="it-IT" dirty="0">
                 <a:latin typeface="+mj-lt"/>
               </a:rPr>
               <a:t>…</a:t>
             </a:r>
-            <a:endParaRPr lang="it-IT" dirty="0">
-              <a:latin typeface="+mj-lt"/>
-            </a:endParaRPr>
           </a:p>
         </p:txBody>
       </p:sp>
@@ -9402,70 +9469,69 @@
           <a:lstStyle/>
           <a:p>
             <a:r>
-              <a:rPr lang="it-IT" dirty="0" smtClean="0">
+              <a:rPr lang="it-IT" dirty="0">
                 <a:latin typeface="Symbol" pitchFamily="18" charset="2"/>
               </a:rPr>
               <a:t>D</a:t>
             </a:r>
             <a:r>
-              <a:rPr lang="it-IT" dirty="0" smtClean="0"/>
+              <a:rPr lang="it-IT" dirty="0"/>
               <a:t>(R)=</a:t>
             </a:r>
             <a:r>
-              <a:rPr lang="it-IT" dirty="0" smtClean="0">
+              <a:rPr lang="it-IT" dirty="0">
                 <a:sym typeface="Symbol"/>
               </a:rPr>
               <a:t></a:t>
             </a:r>
             <a:r>
-              <a:rPr lang="it-IT" baseline="-25000" dirty="0" smtClean="0"/>
+              <a:rPr lang="it-IT" baseline="-25000" dirty="0"/>
               <a:t>i </a:t>
             </a:r>
             <a:r>
-              <a:rPr lang="it-IT" dirty="0" smtClean="0">
+              <a:rPr lang="it-IT" dirty="0">
                 <a:sym typeface="Symbol"/>
               </a:rPr>
               <a:t>(</a:t>
             </a:r>
             <a:r>
-              <a:rPr lang="it-IT" dirty="0" smtClean="0"/>
+              <a:rPr lang="it-IT" dirty="0"/>
               <a:t>1+</a:t>
             </a:r>
             <a:r>
-              <a:rPr lang="it-IT" dirty="0" smtClean="0">
+              <a:rPr lang="it-IT" dirty="0">
                 <a:latin typeface="Symbol" pitchFamily="18" charset="2"/>
               </a:rPr>
               <a:t> D</a:t>
             </a:r>
             <a:r>
-              <a:rPr lang="it-IT" dirty="0" smtClean="0"/>
+              <a:rPr lang="it-IT" dirty="0"/>
               <a:t>(ch</a:t>
             </a:r>
             <a:r>
-              <a:rPr lang="it-IT" baseline="-25000" dirty="0" smtClean="0"/>
+              <a:rPr lang="it-IT" baseline="-25000" dirty="0"/>
               <a:t>i</a:t>
             </a:r>
             <a:r>
-              <a:rPr lang="it-IT" dirty="0" smtClean="0"/>
+              <a:rPr lang="it-IT" dirty="0"/>
               <a:t>)) 		se R non è terminale</a:t>
             </a:r>
           </a:p>
           <a:p>
             <a:r>
-              <a:rPr lang="it-IT" smtClean="0">
+              <a:rPr lang="it-IT">
                 <a:latin typeface="Symbol" pitchFamily="18" charset="2"/>
               </a:rPr>
               <a:t>D</a:t>
             </a:r>
             <a:r>
-              <a:rPr lang="it-IT" smtClean="0"/>
+              <a:rPr lang="it-IT"/>
               <a:t>(R)=0</a:t>
             </a:r>
             <a:r>
-              <a:rPr lang="it-IT" dirty="0" smtClean="0"/>
+              <a:rPr lang="it-IT" dirty="0"/>
               <a:t>			se R è terminale</a:t>
             </a:r>
-            <a:endParaRPr lang="it-IT" dirty="0"/>
           </a:p>
         </p:txBody>
       </p:sp>
@@ -9479,17 +9545,10 @@
   <p:clrMapOvr>
     <a:masterClrMapping/>
   </p:clrMapOvr>
-  <p:timing>
-    <p:tnLst>
-      <p:par>
-        <p:cTn id="1" dur="indefinite" restart="never" nodeType="tmRoot"/>
-      </p:par>
-    </p:tnLst>
-  </p:timing>
 </p:sld>
 </file>
 
-<file path=ppt/slides/slide25.xml><?xml version="1.0" encoding="utf-8"?>
+<file path=ppt/slides/slide26.xml><?xml version="1.0" encoding="utf-8"?>
 <p:sld xmlns:a="http://schemas.openxmlformats.org/drawingml/2006/main" xmlns:r="http://schemas.openxmlformats.org/officeDocument/2006/relationships" xmlns:p="http://schemas.openxmlformats.org/presentationml/2006/main">
   <p:cSld>
     <p:spTree>
@@ -9617,7 +9676,7 @@
           <a:graphicData uri="http://schemas.openxmlformats.org/presentationml/2006/ole">
             <mc:AlternateContent xmlns:mc="http://schemas.openxmlformats.org/markup-compatibility/2006">
               <mc:Choice xmlns:v="urn:schemas-microsoft-com:vml" Requires="v">
-                <p:oleObj spid="_x0000_s2096" name="Equazione" r:id="rId4" imgW="3022560" imgH="927000" progId="Equation.3">
+                <p:oleObj spid="_x0000_s2100" name="Equazione" r:id="rId4" imgW="3022560" imgH="927000" progId="Equation.3">
                   <p:embed/>
                 </p:oleObj>
               </mc:Choice>
@@ -9687,7 +9746,7 @@
           <a:graphicData uri="http://schemas.openxmlformats.org/presentationml/2006/ole">
             <mc:AlternateContent xmlns:mc="http://schemas.openxmlformats.org/markup-compatibility/2006">
               <mc:Choice xmlns:v="urn:schemas-microsoft-com:vml" Requires="v">
-                <p:oleObj spid="_x0000_s2097" name="Equazione" r:id="rId6" imgW="1841400" imgH="368280" progId="Equation.3">
+                <p:oleObj spid="_x0000_s2101" name="Equazione" r:id="rId6" imgW="1841400" imgH="368280" progId="Equation.3">
                   <p:embed/>
                 </p:oleObj>
               </mc:Choice>
@@ -9745,121 +9804,6 @@
   <p:clrMapOvr>
     <a:masterClrMapping/>
   </p:clrMapOvr>
-  <p:timing>
-    <p:tnLst>
-      <p:par>
-        <p:cTn id="1" dur="indefinite" restart="never" nodeType="tmRoot"/>
-      </p:par>
-    </p:tnLst>
-  </p:timing>
-</p:sld>
-</file>
-
-<file path=ppt/slides/slide26.xml><?xml version="1.0" encoding="utf-8"?>
-<p:sld xmlns:a="http://schemas.openxmlformats.org/drawingml/2006/main" xmlns:r="http://schemas.openxmlformats.org/officeDocument/2006/relationships" xmlns:p="http://schemas.openxmlformats.org/presentationml/2006/main">
-  <p:cSld>
-    <p:spTree>
-      <p:nvGrpSpPr>
-        <p:cNvPr id="1" name=""/>
-        <p:cNvGrpSpPr/>
-        <p:nvPr/>
-      </p:nvGrpSpPr>
-      <p:grpSpPr>
-        <a:xfrm>
-          <a:off x="0" y="0"/>
-          <a:ext cx="0" cy="0"/>
-          <a:chOff x="0" y="0"/>
-          <a:chExt cx="0" cy="0"/>
-        </a:xfrm>
-      </p:grpSpPr>
-      <p:sp>
-        <p:nvSpPr>
-          <p:cNvPr id="2" name="Titolo 1"/>
-          <p:cNvSpPr>
-            <a:spLocks noGrp="1"/>
-          </p:cNvSpPr>
-          <p:nvPr>
-            <p:ph type="title"/>
-          </p:nvPr>
-        </p:nvSpPr>
-        <p:spPr/>
-        <p:txBody>
-          <a:bodyPr/>
-          <a:lstStyle/>
-          <a:p>
-            <a:r>
-              <a:rPr lang="it-IT" dirty="0" smtClean="0"/>
-              <a:t>Versione ricorsiva</a:t>
-            </a:r>
-            <a:endParaRPr lang="it-IT" dirty="0"/>
-          </a:p>
-        </p:txBody>
-      </p:sp>
-      <p:sp>
-        <p:nvSpPr>
-          <p:cNvPr id="3" name="Segnaposto contenuto 2"/>
-          <p:cNvSpPr>
-            <a:spLocks noGrp="1"/>
-          </p:cNvSpPr>
-          <p:nvPr>
-            <p:ph idx="1"/>
-          </p:nvPr>
-        </p:nvSpPr>
-        <p:spPr/>
-        <p:txBody>
-          <a:bodyPr/>
-          <a:lstStyle/>
-          <a:p>
-            <a:pPr marL="0" indent="0">
-              <a:buNone/>
-            </a:pPr>
-            <a:r>
-              <a:rPr lang="it-IT" dirty="0"/>
-              <a:t>Scrivere il predicato:</a:t>
-            </a:r>
-          </a:p>
-          <a:p>
-            <a:pPr marL="0" indent="0" algn="ctr">
-              <a:buNone/>
-            </a:pPr>
-            <a:r>
-              <a:rPr lang="it-IT" dirty="0"/>
-              <a:t>k(T1,T2,N) </a:t>
-            </a:r>
-          </a:p>
-          <a:p>
-            <a:pPr marL="0" indent="0">
-              <a:buNone/>
-            </a:pPr>
-            <a:r>
-              <a:rPr lang="it-IT" dirty="0"/>
-              <a:t>vero se T1 e T2 sono alberi ed essi hanno in comune N sottoalberi, usando </a:t>
-            </a:r>
-            <a:r>
-              <a:rPr lang="it-IT" dirty="0" smtClean="0"/>
-              <a:t>la definizione ricorsiva.</a:t>
-            </a:r>
-            <a:endParaRPr lang="it-IT" dirty="0"/>
-          </a:p>
-        </p:txBody>
-      </p:sp>
-    </p:spTree>
-    <p:extLst>
-      <p:ext uri="{BB962C8B-B14F-4D97-AF65-F5344CB8AC3E}">
-        <p14:creationId xmlns:p14="http://schemas.microsoft.com/office/powerpoint/2010/main" val="3713512940"/>
-      </p:ext>
-    </p:extLst>
-  </p:cSld>
-  <p:clrMapOvr>
-    <a:masterClrMapping/>
-  </p:clrMapOvr>
-  <p:timing>
-    <p:tnLst>
-      <p:par>
-        <p:cTn id="1" dur="indefinite" restart="never" nodeType="tmRoot"/>
-      </p:par>
-    </p:tnLst>
-  </p:timing>
 </p:sld>
 </file>
 
@@ -9896,10 +9840,9 @@
           <a:lstStyle/>
           <a:p>
             <a:r>
-              <a:rPr lang="it-IT" dirty="0" smtClean="0"/>
+              <a:rPr lang="it-IT" dirty="0"/>
               <a:t>Versione ricorsiva</a:t>
             </a:r>
-            <a:endParaRPr lang="it-IT" dirty="0"/>
           </a:p>
         </p:txBody>
       </p:sp>
@@ -9922,218 +9865,40 @@
               <a:buNone/>
             </a:pPr>
             <a:r>
-              <a:rPr lang="it-IT" sz="2400" dirty="0" smtClean="0"/>
-              <a:t>delta(</a:t>
-            </a:r>
-            <a:r>
-              <a:rPr lang="it-IT" sz="2400" dirty="0" err="1" smtClean="0"/>
-              <a:t>tree</a:t>
-            </a:r>
-            <a:r>
-              <a:rPr lang="it-IT" sz="2400" dirty="0" smtClean="0"/>
-              <a:t>(X,[]),</a:t>
-            </a:r>
-            <a:r>
-              <a:rPr lang="it-IT" sz="2400" dirty="0" err="1" smtClean="0"/>
-              <a:t>tree</a:t>
-            </a:r>
-            <a:r>
-              <a:rPr lang="it-IT" sz="2400" dirty="0" smtClean="0"/>
-              <a:t>(X,[]),1):- !.</a:t>
-            </a:r>
-          </a:p>
-          <a:p>
-            <a:pPr marL="0" indent="0">
-              <a:buNone/>
-            </a:pPr>
-            <a:r>
-              <a:rPr lang="it-IT" sz="2400" dirty="0" smtClean="0"/>
-              <a:t>delta(</a:t>
-            </a:r>
-            <a:r>
-              <a:rPr lang="it-IT" sz="2400" dirty="0" err="1" smtClean="0"/>
-              <a:t>tree</a:t>
-            </a:r>
-            <a:r>
-              <a:rPr lang="it-IT" sz="2400" dirty="0" smtClean="0"/>
-              <a:t>(X,RX),</a:t>
-            </a:r>
-            <a:r>
-              <a:rPr lang="it-IT" sz="2400" dirty="0" err="1" smtClean="0"/>
-              <a:t>tree</a:t>
-            </a:r>
-            <a:r>
-              <a:rPr lang="it-IT" sz="2400" dirty="0" smtClean="0"/>
-              <a:t>(X,RX1),N):-</a:t>
-            </a:r>
-          </a:p>
-          <a:p>
-            <a:pPr marL="0" indent="0">
-              <a:buNone/>
-            </a:pPr>
-            <a:r>
-              <a:rPr lang="it-IT" sz="2400" dirty="0" smtClean="0"/>
-              <a:t>	</a:t>
-            </a:r>
-            <a:r>
-              <a:rPr lang="it-IT" sz="2400" dirty="0" err="1" smtClean="0"/>
-              <a:t>sons</a:t>
-            </a:r>
-            <a:r>
-              <a:rPr lang="it-IT" sz="2400" dirty="0" smtClean="0"/>
-              <a:t>(RX,SX), </a:t>
-            </a:r>
-            <a:r>
-              <a:rPr lang="it-IT" sz="2400" dirty="0" err="1" smtClean="0"/>
-              <a:t>sons</a:t>
-            </a:r>
-            <a:r>
-              <a:rPr lang="it-IT" sz="2400" dirty="0" smtClean="0"/>
-              <a:t>(RX1,SX)</a:t>
-            </a:r>
-          </a:p>
-          <a:p>
-            <a:pPr marL="0" indent="0">
-              <a:buNone/>
-            </a:pPr>
-            <a:r>
-              <a:rPr lang="it-IT" sz="2400" dirty="0" smtClean="0"/>
-              <a:t>	</a:t>
-            </a:r>
-            <a:r>
-              <a:rPr lang="it-IT" sz="2400" dirty="0" err="1" smtClean="0"/>
-              <a:t>subdelta</a:t>
-            </a:r>
-            <a:r>
-              <a:rPr lang="it-IT" sz="2400" dirty="0" smtClean="0"/>
-              <a:t>(RX,RX1,N), !.</a:t>
-            </a:r>
-          </a:p>
-          <a:p>
-            <a:pPr marL="0" indent="0">
-              <a:buNone/>
-            </a:pPr>
-            <a:r>
-              <a:rPr lang="it-IT" sz="2400" dirty="0" smtClean="0"/>
-              <a:t>delta(_,_,0):- !.</a:t>
-            </a:r>
-            <a:endParaRPr lang="it-IT" sz="2400" dirty="0"/>
-          </a:p>
-          <a:p>
-            <a:pPr marL="0" indent="0">
-              <a:buNone/>
-            </a:pPr>
-            <a:endParaRPr lang="it-IT" sz="2400" dirty="0" smtClean="0"/>
-          </a:p>
-          <a:p>
-            <a:pPr marL="0" indent="0">
-              <a:buNone/>
-            </a:pPr>
-            <a:r>
-              <a:rPr lang="it-IT" sz="2400" dirty="0" err="1" smtClean="0"/>
-              <a:t>subdelta</a:t>
-            </a:r>
-            <a:r>
-              <a:rPr lang="it-IT" sz="2400" dirty="0" smtClean="0"/>
-              <a:t>([],[],1).</a:t>
-            </a:r>
-          </a:p>
-          <a:p>
-            <a:pPr marL="0" indent="0">
-              <a:buNone/>
-            </a:pPr>
-            <a:r>
-              <a:rPr lang="it-IT" sz="2400" dirty="0" err="1" smtClean="0"/>
-              <a:t>subdelta</a:t>
-            </a:r>
-            <a:r>
-              <a:rPr lang="it-IT" sz="2400" dirty="0" smtClean="0"/>
-              <a:t>([T1|R1],[T2|R2], N):-</a:t>
-            </a:r>
-          </a:p>
-          <a:p>
-            <a:pPr marL="0" indent="0">
-              <a:buNone/>
-            </a:pPr>
-            <a:r>
-              <a:rPr lang="it-IT" sz="2400" dirty="0" smtClean="0"/>
-              <a:t>	delta(T1,T2,N1),</a:t>
-            </a:r>
-          </a:p>
-          <a:p>
-            <a:pPr marL="0" indent="0">
-              <a:buNone/>
-            </a:pPr>
-            <a:r>
-              <a:rPr lang="it-IT" sz="2400" dirty="0" smtClean="0"/>
-              <a:t>	</a:t>
-            </a:r>
-            <a:r>
-              <a:rPr lang="it-IT" sz="2400" dirty="0" err="1" smtClean="0"/>
-              <a:t>subdelta</a:t>
-            </a:r>
-            <a:r>
-              <a:rPr lang="it-IT" sz="2400" dirty="0" smtClean="0"/>
-              <a:t>(R1,R2, NR),</a:t>
-            </a:r>
-          </a:p>
-          <a:p>
-            <a:pPr marL="0" indent="0">
-              <a:buNone/>
-            </a:pPr>
-            <a:r>
-              <a:rPr lang="it-IT" sz="2400" dirty="0" smtClean="0"/>
-              <a:t>	N </a:t>
-            </a:r>
-            <a:r>
-              <a:rPr lang="it-IT" sz="2400" dirty="0" err="1" smtClean="0"/>
-              <a:t>is</a:t>
-            </a:r>
-            <a:r>
-              <a:rPr lang="it-IT" sz="2400" dirty="0" smtClean="0"/>
-              <a:t> (1 + N1)*NR.</a:t>
-            </a:r>
-          </a:p>
-          <a:p>
-            <a:pPr marL="0" indent="0">
-              <a:buNone/>
-            </a:pPr>
-            <a:r>
-              <a:rPr lang="it-IT" dirty="0" smtClean="0"/>
-              <a:t>	</a:t>
-            </a:r>
-          </a:p>
-          <a:p>
-            <a:pPr marL="0" indent="0">
-              <a:buNone/>
-            </a:pPr>
-            <a:endParaRPr lang="it-IT" dirty="0"/>
-          </a:p>
-          <a:p>
-            <a:pPr marL="0" indent="0">
-              <a:buNone/>
-            </a:pPr>
-            <a:endParaRPr lang="it-IT" dirty="0"/>
+              <a:rPr lang="it-IT" dirty="0"/>
+              <a:t>Scrivere il predicato:</a:t>
+            </a:r>
+          </a:p>
+          <a:p>
+            <a:pPr marL="0" indent="0" algn="ctr">
+              <a:buNone/>
+            </a:pPr>
+            <a:r>
+              <a:rPr lang="it-IT" dirty="0"/>
+              <a:t>k(T1,T2,N) </a:t>
+            </a:r>
+          </a:p>
+          <a:p>
+            <a:pPr marL="0" indent="0">
+              <a:buNone/>
+            </a:pPr>
+            <a:r>
+              <a:rPr lang="it-IT" dirty="0"/>
+              <a:t>vero se T1 e T2 sono alberi ed essi hanno in comune N sottoalberi, usando la definizione ricorsiva.</a:t>
+            </a:r>
           </a:p>
         </p:txBody>
       </p:sp>
     </p:spTree>
     <p:extLst>
       <p:ext uri="{BB962C8B-B14F-4D97-AF65-F5344CB8AC3E}">
-        <p14:creationId xmlns:p14="http://schemas.microsoft.com/office/powerpoint/2010/main" val="2841503901"/>
+        <p14:creationId xmlns:p14="http://schemas.microsoft.com/office/powerpoint/2010/main" val="3713512940"/>
       </p:ext>
     </p:extLst>
   </p:cSld>
   <p:clrMapOvr>
     <a:masterClrMapping/>
   </p:clrMapOvr>
-  <p:timing>
-    <p:tnLst>
-      <p:par>
-        <p:cTn id="1" dur="indefinite" restart="never" nodeType="tmRoot"/>
-      </p:par>
-    </p:tnLst>
-  </p:timing>
 </p:sld>
 </file>
 
@@ -10170,10 +9935,9 @@
           <a:lstStyle/>
           <a:p>
             <a:r>
-              <a:rPr lang="it-IT" dirty="0" smtClean="0"/>
+              <a:rPr lang="it-IT" dirty="0"/>
               <a:t>Versione ricorsiva</a:t>
             </a:r>
-            <a:endParaRPr lang="it-IT" dirty="0"/>
           </a:p>
         </p:txBody>
       </p:sp>
@@ -10195,175 +9959,192 @@
             <a:pPr marL="0" indent="0">
               <a:buNone/>
             </a:pPr>
-            <a:endParaRPr lang="it-IT" dirty="0" smtClean="0"/>
-          </a:p>
-          <a:p>
-            <a:pPr marL="0" indent="0">
-              <a:buNone/>
-            </a:pPr>
-            <a:r>
-              <a:rPr lang="it-IT" dirty="0" smtClean="0"/>
-              <a:t>k(T1,T2,N):-</a:t>
-            </a:r>
-          </a:p>
-          <a:p>
-            <a:pPr marL="0" indent="0">
-              <a:buNone/>
-            </a:pPr>
-            <a:r>
-              <a:rPr lang="it-IT" dirty="0"/>
+            <a:r>
+              <a:rPr lang="it-IT" sz="2400" dirty="0"/>
+              <a:t>delta(</a:t>
+            </a:r>
+            <a:r>
+              <a:rPr lang="it-IT" sz="2400" dirty="0" err="1"/>
+              <a:t>tree</a:t>
+            </a:r>
+            <a:r>
+              <a:rPr lang="it-IT" sz="2400" dirty="0"/>
+              <a:t>(X,[]),</a:t>
+            </a:r>
+            <a:r>
+              <a:rPr lang="it-IT" sz="2400" dirty="0" err="1"/>
+              <a:t>tree</a:t>
+            </a:r>
+            <a:r>
+              <a:rPr lang="it-IT" sz="2400" dirty="0"/>
+              <a:t>(X,[]),1):- !.</a:t>
+            </a:r>
+          </a:p>
+          <a:p>
+            <a:pPr marL="0" indent="0">
+              <a:buNone/>
+            </a:pPr>
+            <a:r>
+              <a:rPr lang="it-IT" sz="2400" dirty="0"/>
+              <a:t>delta(</a:t>
+            </a:r>
+            <a:r>
+              <a:rPr lang="it-IT" sz="2400" dirty="0" err="1"/>
+              <a:t>tree</a:t>
+            </a:r>
+            <a:r>
+              <a:rPr lang="it-IT" sz="2400" dirty="0"/>
+              <a:t>(X,RX),</a:t>
+            </a:r>
+            <a:r>
+              <a:rPr lang="it-IT" sz="2400" dirty="0" err="1"/>
+              <a:t>tree</a:t>
+            </a:r>
+            <a:r>
+              <a:rPr lang="it-IT" sz="2400" dirty="0"/>
+              <a:t>(X,RX1),N):-</a:t>
+            </a:r>
+          </a:p>
+          <a:p>
+            <a:pPr marL="0" indent="0">
+              <a:buNone/>
+            </a:pPr>
+            <a:r>
+              <a:rPr lang="it-IT" sz="2400" dirty="0"/>
               <a:t>	</a:t>
             </a:r>
             <a:r>
-              <a:rPr lang="it-IT" dirty="0" err="1"/>
-              <a:t>bagof</a:t>
-            </a:r>
-            <a:r>
-              <a:rPr lang="it-IT" dirty="0"/>
-              <a:t>(ST1,complete_st(T1,ST1),STL1),</a:t>
-            </a:r>
-          </a:p>
-          <a:p>
-            <a:pPr marL="0" indent="0">
-              <a:buNone/>
-            </a:pPr>
-            <a:r>
-              <a:rPr lang="it-IT" dirty="0"/>
+              <a:rPr lang="it-IT" sz="2400" dirty="0" err="1"/>
+              <a:t>sons</a:t>
+            </a:r>
+            <a:r>
+              <a:rPr lang="it-IT" sz="2400" dirty="0"/>
+              <a:t>(RX,SX), </a:t>
+            </a:r>
+            <a:r>
+              <a:rPr lang="it-IT" sz="2400" dirty="0" err="1"/>
+              <a:t>sons</a:t>
+            </a:r>
+            <a:r>
+              <a:rPr lang="it-IT" sz="2400" dirty="0"/>
+              <a:t>(RX1,SX)</a:t>
+            </a:r>
+          </a:p>
+          <a:p>
+            <a:pPr marL="0" indent="0">
+              <a:buNone/>
+            </a:pPr>
+            <a:r>
+              <a:rPr lang="it-IT" sz="2400" dirty="0"/>
               <a:t>	</a:t>
             </a:r>
             <a:r>
-              <a:rPr lang="it-IT" dirty="0" err="1" smtClean="0"/>
-              <a:t>bagof</a:t>
-            </a:r>
-            <a:r>
-              <a:rPr lang="it-IT" dirty="0" smtClean="0"/>
-              <a:t>(ST2,complete_st(T2,ST2),STL2),</a:t>
-            </a:r>
-          </a:p>
-          <a:p>
-            <a:pPr marL="0" indent="0">
-              <a:buNone/>
-            </a:pPr>
-            <a:r>
-              <a:rPr lang="it-IT" dirty="0"/>
+              <a:rPr lang="it-IT" sz="2400" dirty="0" err="1"/>
+              <a:t>subdelta</a:t>
+            </a:r>
+            <a:r>
+              <a:rPr lang="it-IT" sz="2400" dirty="0"/>
+              <a:t>(RX,RX1,N), !.</a:t>
+            </a:r>
+          </a:p>
+          <a:p>
+            <a:pPr marL="0" indent="0">
+              <a:buNone/>
+            </a:pPr>
+            <a:r>
+              <a:rPr lang="it-IT" sz="2400" dirty="0"/>
+              <a:t>delta(_,_,0):- !.</a:t>
+            </a:r>
+          </a:p>
+          <a:p>
+            <a:pPr marL="0" indent="0">
+              <a:buNone/>
+            </a:pPr>
+            <a:endParaRPr lang="it-IT" sz="2400" dirty="0"/>
+          </a:p>
+          <a:p>
+            <a:pPr marL="0" indent="0">
+              <a:buNone/>
+            </a:pPr>
+            <a:r>
+              <a:rPr lang="it-IT" sz="2400" dirty="0" err="1"/>
+              <a:t>subdelta</a:t>
+            </a:r>
+            <a:r>
+              <a:rPr lang="it-IT" sz="2400" dirty="0"/>
+              <a:t>([],[],1).</a:t>
+            </a:r>
+          </a:p>
+          <a:p>
+            <a:pPr marL="0" indent="0">
+              <a:buNone/>
+            </a:pPr>
+            <a:r>
+              <a:rPr lang="it-IT" sz="2400" dirty="0" err="1"/>
+              <a:t>subdelta</a:t>
+            </a:r>
+            <a:r>
+              <a:rPr lang="it-IT" sz="2400" dirty="0"/>
+              <a:t>([T1|R1],[T2|R2], N):-</a:t>
+            </a:r>
+          </a:p>
+          <a:p>
+            <a:pPr marL="0" indent="0">
+              <a:buNone/>
+            </a:pPr>
+            <a:r>
+              <a:rPr lang="it-IT" sz="2400" dirty="0"/>
+              <a:t>	delta(T1,T2,N1),</a:t>
+            </a:r>
+          </a:p>
+          <a:p>
+            <a:pPr marL="0" indent="0">
+              <a:buNone/>
+            </a:pPr>
+            <a:r>
+              <a:rPr lang="it-IT" sz="2400" dirty="0"/>
               <a:t>	</a:t>
             </a:r>
             <a:r>
-              <a:rPr lang="it-IT" dirty="0" err="1" smtClean="0"/>
-              <a:t>sum_deltas</a:t>
-            </a:r>
-            <a:r>
-              <a:rPr lang="it-IT" dirty="0" smtClean="0"/>
-              <a:t>(STL1,</a:t>
-            </a:r>
-            <a:r>
-              <a:rPr lang="it-IT" dirty="0"/>
-              <a:t> </a:t>
-            </a:r>
-            <a:r>
-              <a:rPr lang="it-IT" dirty="0" smtClean="0"/>
-              <a:t>STL2,N).</a:t>
-            </a:r>
+              <a:rPr lang="it-IT" sz="2400" dirty="0" err="1"/>
+              <a:t>subdelta</a:t>
+            </a:r>
+            <a:r>
+              <a:rPr lang="it-IT" sz="2400" dirty="0"/>
+              <a:t>(R1,R2, NR),</a:t>
+            </a:r>
+          </a:p>
+          <a:p>
+            <a:pPr marL="0" indent="0">
+              <a:buNone/>
+            </a:pPr>
+            <a:r>
+              <a:rPr lang="it-IT" sz="2400" dirty="0"/>
+              <a:t>	N </a:t>
+            </a:r>
+            <a:r>
+              <a:rPr lang="it-IT" sz="2400" dirty="0" err="1"/>
+              <a:t>is</a:t>
+            </a:r>
+            <a:r>
+              <a:rPr lang="it-IT" sz="2400" dirty="0"/>
+              <a:t> (1 + N1)*NR.</a:t>
+            </a:r>
+          </a:p>
+          <a:p>
+            <a:pPr marL="0" indent="0">
+              <a:buNone/>
+            </a:pPr>
+            <a:r>
+              <a:rPr lang="it-IT" dirty="0"/>
+              <a:t>	</a:t>
+            </a:r>
+          </a:p>
+          <a:p>
+            <a:pPr marL="0" indent="0">
+              <a:buNone/>
+            </a:pPr>
             <a:endParaRPr lang="it-IT" dirty="0"/>
-          </a:p>
-          <a:p>
-            <a:pPr marL="0" indent="0">
-              <a:buNone/>
-            </a:pPr>
-            <a:endParaRPr lang="it-IT" dirty="0" smtClean="0"/>
-          </a:p>
-          <a:p>
-            <a:pPr marL="0" indent="0">
-              <a:buNone/>
-            </a:pPr>
-            <a:r>
-              <a:rPr lang="it-IT" dirty="0" err="1" smtClean="0"/>
-              <a:t>complete_st</a:t>
-            </a:r>
-            <a:r>
-              <a:rPr lang="it-IT" dirty="0" smtClean="0"/>
-              <a:t>(T,T).</a:t>
-            </a:r>
-          </a:p>
-          <a:p>
-            <a:pPr marL="0" indent="0">
-              <a:buNone/>
-            </a:pPr>
-            <a:r>
-              <a:rPr lang="it-IT" dirty="0" err="1" smtClean="0"/>
-              <a:t>complete_st</a:t>
-            </a:r>
-            <a:r>
-              <a:rPr lang="it-IT" dirty="0" smtClean="0"/>
-              <a:t>(</a:t>
-            </a:r>
-            <a:r>
-              <a:rPr lang="it-IT" dirty="0" err="1" smtClean="0"/>
-              <a:t>tree</a:t>
-            </a:r>
-            <a:r>
-              <a:rPr lang="it-IT" dirty="0" smtClean="0"/>
-              <a:t>(_,S),T):- </a:t>
-            </a:r>
-          </a:p>
-          <a:p>
-            <a:pPr marL="0" indent="0">
-              <a:buNone/>
-            </a:pPr>
-            <a:r>
-              <a:rPr lang="it-IT"/>
-              <a:t>	</a:t>
-            </a:r>
-            <a:r>
-              <a:rPr lang="it-IT" smtClean="0"/>
-              <a:t>member</a:t>
-            </a:r>
-            <a:r>
-              <a:rPr lang="it-IT" dirty="0" smtClean="0"/>
-              <a:t>(T1,S), </a:t>
-            </a:r>
-            <a:r>
-              <a:rPr lang="it-IT" dirty="0" err="1" smtClean="0"/>
-              <a:t>complete_st</a:t>
-            </a:r>
-            <a:r>
-              <a:rPr lang="it-IT" dirty="0" smtClean="0"/>
-              <a:t>(T1,T).</a:t>
-            </a:r>
-          </a:p>
-          <a:p>
-            <a:pPr marL="0" indent="0">
-              <a:buNone/>
-            </a:pPr>
-            <a:endParaRPr lang="it-IT" dirty="0" smtClean="0"/>
-          </a:p>
-          <a:p>
-            <a:pPr marL="0" indent="0">
-              <a:buNone/>
-            </a:pPr>
-            <a:endParaRPr lang="it-IT" dirty="0" smtClean="0"/>
-          </a:p>
-          <a:p>
-            <a:pPr marL="0" indent="0">
-              <a:buNone/>
-            </a:pPr>
-            <a:r>
-              <a:rPr lang="it-IT" dirty="0"/>
-              <a:t>	</a:t>
-            </a:r>
-            <a:endParaRPr lang="it-IT" dirty="0" smtClean="0"/>
-          </a:p>
-          <a:p>
-            <a:pPr marL="0" indent="0">
-              <a:buNone/>
-            </a:pPr>
-            <a:endParaRPr lang="it-IT" dirty="0"/>
-          </a:p>
-          <a:p>
-            <a:pPr marL="0" indent="0">
-              <a:buNone/>
-            </a:pPr>
-            <a:endParaRPr lang="it-IT" dirty="0" smtClean="0"/>
           </a:p>
           <a:p>
             <a:pPr marL="0" indent="0">
@@ -10376,20 +10157,13 @@
     </p:spTree>
     <p:extLst>
       <p:ext uri="{BB962C8B-B14F-4D97-AF65-F5344CB8AC3E}">
-        <p14:creationId xmlns:p14="http://schemas.microsoft.com/office/powerpoint/2010/main" val="2568180694"/>
+        <p14:creationId xmlns:p14="http://schemas.microsoft.com/office/powerpoint/2010/main" val="2841503901"/>
       </p:ext>
     </p:extLst>
   </p:cSld>
   <p:clrMapOvr>
     <a:masterClrMapping/>
   </p:clrMapOvr>
-  <p:timing>
-    <p:tnLst>
-      <p:par>
-        <p:cTn id="1" dur="indefinite" restart="never" nodeType="tmRoot"/>
-      </p:par>
-    </p:tnLst>
-  </p:timing>
 </p:sld>
 </file>
 
@@ -10450,161 +10224,165 @@
             <a:pPr marL="0" indent="0">
               <a:buNone/>
             </a:pPr>
-            <a:r>
-              <a:rPr lang="it-IT" sz="2400" dirty="0" err="1"/>
+            <a:endParaRPr lang="it-IT" dirty="0"/>
+          </a:p>
+          <a:p>
+            <a:pPr marL="0" indent="0">
+              <a:buNone/>
+            </a:pPr>
+            <a:r>
+              <a:rPr lang="it-IT" dirty="0"/>
+              <a:t>k(T1,T2,N):-</a:t>
+            </a:r>
+          </a:p>
+          <a:p>
+            <a:pPr marL="0" indent="0">
+              <a:buNone/>
+            </a:pPr>
+            <a:r>
+              <a:rPr lang="it-IT" dirty="0"/>
+              <a:t>	</a:t>
+            </a:r>
+            <a:r>
+              <a:rPr lang="it-IT" dirty="0" err="1"/>
+              <a:t>bagof</a:t>
+            </a:r>
+            <a:r>
+              <a:rPr lang="it-IT" dirty="0"/>
+              <a:t>(ST1,complete_st(T1,ST1),STL1),</a:t>
+            </a:r>
+          </a:p>
+          <a:p>
+            <a:pPr marL="0" indent="0">
+              <a:buNone/>
+            </a:pPr>
+            <a:r>
+              <a:rPr lang="it-IT" dirty="0"/>
+              <a:t>	</a:t>
+            </a:r>
+            <a:r>
+              <a:rPr lang="it-IT" dirty="0" err="1"/>
+              <a:t>bagof</a:t>
+            </a:r>
+            <a:r>
+              <a:rPr lang="it-IT" dirty="0"/>
+              <a:t>(ST2,complete_st(T2,ST2),STL2),</a:t>
+            </a:r>
+          </a:p>
+          <a:p>
+            <a:pPr marL="0" indent="0">
+              <a:buNone/>
+            </a:pPr>
+            <a:r>
+              <a:rPr lang="it-IT" dirty="0"/>
+              <a:t>	</a:t>
+            </a:r>
+            <a:r>
+              <a:rPr lang="it-IT" dirty="0" err="1"/>
               <a:t>sum_deltas</a:t>
             </a:r>
             <a:r>
-              <a:rPr lang="it-IT" sz="2400" dirty="0" smtClean="0"/>
-              <a:t>([], _,0).</a:t>
-            </a:r>
-          </a:p>
-          <a:p>
-            <a:pPr marL="0" indent="0">
-              <a:buNone/>
-            </a:pPr>
-            <a:r>
-              <a:rPr lang="it-IT" sz="2400" dirty="0" err="1"/>
-              <a:t>sum_deltas</a:t>
-            </a:r>
-            <a:r>
-              <a:rPr lang="it-IT" sz="2400" dirty="0" smtClean="0"/>
-              <a:t>([ST|STL1], </a:t>
-            </a:r>
-            <a:r>
-              <a:rPr lang="it-IT" sz="2400" dirty="0"/>
-              <a:t>STL2,N</a:t>
-            </a:r>
-            <a:r>
-              <a:rPr lang="it-IT" sz="2400" dirty="0" smtClean="0"/>
-              <a:t>):-</a:t>
-            </a:r>
-          </a:p>
-          <a:p>
-            <a:pPr marL="0" indent="0">
-              <a:buNone/>
-            </a:pPr>
-            <a:r>
-              <a:rPr lang="it-IT" sz="2400" dirty="0"/>
+              <a:rPr lang="it-IT" dirty="0"/>
+              <a:t>(STL1, STL2,N).</a:t>
+            </a:r>
+          </a:p>
+          <a:p>
+            <a:pPr marL="0" indent="0">
+              <a:buNone/>
+            </a:pPr>
+            <a:endParaRPr lang="it-IT" dirty="0"/>
+          </a:p>
+          <a:p>
+            <a:pPr marL="0" indent="0">
+              <a:buNone/>
+            </a:pPr>
+            <a:r>
+              <a:rPr lang="it-IT" dirty="0" err="1"/>
+              <a:t>complete_st</a:t>
+            </a:r>
+            <a:r>
+              <a:rPr lang="it-IT" dirty="0"/>
+              <a:t>(T,T).</a:t>
+            </a:r>
+          </a:p>
+          <a:p>
+            <a:pPr marL="0" indent="0">
+              <a:buNone/>
+            </a:pPr>
+            <a:r>
+              <a:rPr lang="it-IT" dirty="0" err="1"/>
+              <a:t>complete_st</a:t>
+            </a:r>
+            <a:r>
+              <a:rPr lang="it-IT" dirty="0"/>
+              <a:t>(</a:t>
+            </a:r>
+            <a:r>
+              <a:rPr lang="it-IT" dirty="0" err="1"/>
+              <a:t>tree</a:t>
+            </a:r>
+            <a:r>
+              <a:rPr lang="it-IT" dirty="0"/>
+              <a:t>(_,S),T):- </a:t>
+            </a:r>
+          </a:p>
+          <a:p>
+            <a:pPr marL="0" indent="0">
+              <a:buNone/>
+            </a:pPr>
+            <a:r>
+              <a:rPr lang="it-IT" dirty="0"/>
               <a:t>	</a:t>
             </a:r>
             <a:r>
-              <a:rPr lang="it-IT" sz="2400" dirty="0" smtClean="0"/>
-              <a:t>sum_deltas1(ST,STL2,N1),</a:t>
-            </a:r>
-          </a:p>
-          <a:p>
-            <a:pPr marL="0" indent="0">
-              <a:buNone/>
-            </a:pPr>
-            <a:r>
-              <a:rPr lang="it-IT" sz="2400" dirty="0"/>
+              <a:rPr lang="it-IT" dirty="0" err="1"/>
+              <a:t>member</a:t>
+            </a:r>
+            <a:r>
+              <a:rPr lang="it-IT" dirty="0"/>
+              <a:t>(T1,S), </a:t>
+            </a:r>
+            <a:r>
+              <a:rPr lang="it-IT" dirty="0" err="1"/>
+              <a:t>complete_st</a:t>
+            </a:r>
+            <a:r>
+              <a:rPr lang="it-IT" dirty="0"/>
+              <a:t>(T1,T).</a:t>
+            </a:r>
+          </a:p>
+          <a:p>
+            <a:pPr marL="0" indent="0">
+              <a:buNone/>
+            </a:pPr>
+            <a:endParaRPr lang="it-IT" dirty="0"/>
+          </a:p>
+          <a:p>
+            <a:pPr marL="0" indent="0">
+              <a:buNone/>
+            </a:pPr>
+            <a:endParaRPr lang="it-IT" dirty="0"/>
+          </a:p>
+          <a:p>
+            <a:pPr marL="0" indent="0">
+              <a:buNone/>
+            </a:pPr>
+            <a:r>
+              <a:rPr lang="it-IT" dirty="0"/>
               <a:t>	</a:t>
             </a:r>
-            <a:r>
-              <a:rPr lang="it-IT" sz="2400" dirty="0" err="1" smtClean="0"/>
-              <a:t>sum_deltas</a:t>
-            </a:r>
-            <a:r>
-              <a:rPr lang="it-IT" sz="2400" dirty="0" smtClean="0"/>
-              <a:t>(STL1, STL2,N2),</a:t>
-            </a:r>
-          </a:p>
-          <a:p>
-            <a:pPr marL="0" indent="0">
-              <a:buNone/>
-            </a:pPr>
-            <a:r>
-              <a:rPr lang="it-IT" sz="2400" dirty="0" smtClean="0"/>
-              <a:t>	N </a:t>
-            </a:r>
-            <a:r>
-              <a:rPr lang="it-IT" sz="2400" dirty="0" err="1" smtClean="0"/>
-              <a:t>is</a:t>
-            </a:r>
-            <a:r>
-              <a:rPr lang="it-IT" sz="2400" dirty="0" smtClean="0"/>
-              <a:t> N1 + N2.</a:t>
-            </a:r>
-          </a:p>
-          <a:p>
-            <a:pPr marL="0" indent="0">
-              <a:buNone/>
-            </a:pPr>
-            <a:r>
-              <a:rPr lang="it-IT" sz="2400" dirty="0" smtClean="0"/>
-              <a:t>sum_deltas1(_,[],0).</a:t>
-            </a:r>
-          </a:p>
-          <a:p>
-            <a:pPr marL="0" indent="0">
-              <a:buNone/>
-            </a:pPr>
-            <a:r>
-              <a:rPr lang="it-IT" sz="2400" dirty="0" smtClean="0"/>
-              <a:t>sum_deltas1(ST,[ST2|STL2],N):-</a:t>
-            </a:r>
-          </a:p>
-          <a:p>
-            <a:pPr marL="0" indent="0">
-              <a:buNone/>
-            </a:pPr>
-            <a:r>
-              <a:rPr lang="it-IT" sz="2400" dirty="0"/>
-              <a:t>	!, </a:t>
-            </a:r>
-            <a:r>
-              <a:rPr lang="it-IT" sz="2400" dirty="0" smtClean="0"/>
-              <a:t>delta(ST,ST2,N1),</a:t>
-            </a:r>
-          </a:p>
-          <a:p>
-            <a:pPr marL="0" indent="0">
-              <a:buNone/>
-            </a:pPr>
-            <a:r>
-              <a:rPr lang="it-IT" sz="2400" dirty="0" smtClean="0"/>
-              <a:t>	sum_deltas1(ST, STL2,N2),</a:t>
-            </a:r>
-          </a:p>
-          <a:p>
-            <a:pPr marL="0" indent="0">
-              <a:buNone/>
-            </a:pPr>
-            <a:r>
-              <a:rPr lang="it-IT" sz="2400" dirty="0"/>
-              <a:t>	</a:t>
-            </a:r>
-            <a:r>
-              <a:rPr lang="it-IT" sz="2400" dirty="0" smtClean="0"/>
-              <a:t>N </a:t>
-            </a:r>
-            <a:r>
-              <a:rPr lang="it-IT" sz="2400" dirty="0" err="1" smtClean="0"/>
-              <a:t>is</a:t>
-            </a:r>
-            <a:r>
-              <a:rPr lang="it-IT" sz="2400" dirty="0" smtClean="0"/>
-              <a:t> N1 + N2.</a:t>
-            </a:r>
-          </a:p>
-          <a:p>
-            <a:pPr marL="0" indent="0">
-              <a:buNone/>
-            </a:pPr>
-            <a:endParaRPr lang="it-IT" dirty="0" smtClean="0"/>
-          </a:p>
-          <a:p>
-            <a:pPr marL="0" indent="0">
-              <a:buNone/>
-            </a:pPr>
-            <a:endParaRPr lang="it-IT" dirty="0" smtClean="0"/>
-          </a:p>
-          <a:p>
-            <a:pPr marL="0" indent="0">
-              <a:buNone/>
-            </a:pPr>
-            <a:endParaRPr lang="it-IT" dirty="0" smtClean="0"/>
+          </a:p>
+          <a:p>
+            <a:pPr marL="0" indent="0">
+              <a:buNone/>
+            </a:pPr>
+            <a:endParaRPr lang="it-IT" dirty="0"/>
+          </a:p>
+          <a:p>
+            <a:pPr marL="0" indent="0">
+              <a:buNone/>
+            </a:pPr>
+            <a:endParaRPr lang="it-IT" dirty="0"/>
           </a:p>
           <a:p>
             <a:pPr marL="0" indent="0">
@@ -10617,20 +10395,13 @@
     </p:spTree>
     <p:extLst>
       <p:ext uri="{BB962C8B-B14F-4D97-AF65-F5344CB8AC3E}">
-        <p14:creationId xmlns:p14="http://schemas.microsoft.com/office/powerpoint/2010/main" val="2662298913"/>
+        <p14:creationId xmlns:p14="http://schemas.microsoft.com/office/powerpoint/2010/main" val="2568180694"/>
       </p:ext>
     </p:extLst>
   </p:cSld>
   <p:clrMapOvr>
     <a:masterClrMapping/>
   </p:clrMapOvr>
-  <p:timing>
-    <p:tnLst>
-      <p:par>
-        <p:cTn id="1" dur="indefinite" restart="never" nodeType="tmRoot"/>
-      </p:par>
-    </p:tnLst>
-  </p:timing>
 </p:sld>
 </file>
 
@@ -10667,10 +10438,9 @@
           <a:lstStyle/>
           <a:p>
             <a:r>
-              <a:rPr lang="it-IT" dirty="0" smtClean="0"/>
+              <a:rPr lang="it-IT" dirty="0"/>
               <a:t>Percorso su grafi</a:t>
             </a:r>
-            <a:endParaRPr lang="it-IT" dirty="0"/>
           </a:p>
         </p:txBody>
       </p:sp>
@@ -10693,7 +10463,7 @@
               <a:buNone/>
             </a:pPr>
             <a:r>
-              <a:rPr lang="it-IT" dirty="0" smtClean="0"/>
+              <a:rPr lang="it-IT" dirty="0"/>
               <a:t>Esempio:</a:t>
             </a:r>
           </a:p>
@@ -10707,24 +10477,24 @@
             <a:pPr marL="0" indent="0">
               <a:buNone/>
             </a:pPr>
-            <a:endParaRPr lang="it-IT" sz="2400" dirty="0" smtClean="0"/>
-          </a:p>
-          <a:p>
-            <a:pPr marL="0" indent="0">
-              <a:buNone/>
-            </a:pPr>
             <a:endParaRPr lang="it-IT" sz="2400" dirty="0"/>
           </a:p>
           <a:p>
             <a:pPr marL="0" indent="0">
               <a:buNone/>
             </a:pPr>
-            <a:r>
-              <a:rPr lang="it-IT" sz="2400" dirty="0" smtClean="0"/>
+            <a:endParaRPr lang="it-IT" sz="2400" dirty="0"/>
+          </a:p>
+          <a:p>
+            <a:pPr marL="0" indent="0">
+              <a:buNone/>
+            </a:pPr>
+            <a:r>
+              <a:rPr lang="it-IT" sz="2400" dirty="0"/>
               <a:t>e(</a:t>
             </a:r>
             <a:r>
-              <a:rPr lang="it-IT" sz="2400" dirty="0" err="1" smtClean="0"/>
+              <a:rPr lang="it-IT" sz="2400" dirty="0" err="1"/>
               <a:t>a,b</a:t>
             </a:r>
             <a:r>
@@ -10737,102 +10507,97 @@
               <a:buNone/>
             </a:pPr>
             <a:r>
-              <a:rPr lang="it-IT" sz="2400" dirty="0" smtClean="0"/>
+              <a:rPr lang="it-IT" sz="2400" dirty="0"/>
               <a:t>e(</a:t>
             </a:r>
             <a:r>
-              <a:rPr lang="it-IT" sz="2400" dirty="0" err="1" smtClean="0"/>
+              <a:rPr lang="it-IT" sz="2400" dirty="0" err="1"/>
               <a:t>b,c</a:t>
             </a:r>
             <a:r>
-              <a:rPr lang="it-IT" sz="2400" dirty="0" smtClean="0"/>
+              <a:rPr lang="it-IT" sz="2400" dirty="0"/>
               <a:t>).</a:t>
             </a:r>
-            <a:endParaRPr lang="it-IT" sz="2400" dirty="0"/>
-          </a:p>
-          <a:p>
-            <a:pPr marL="0" indent="0">
-              <a:buNone/>
-            </a:pPr>
-            <a:r>
-              <a:rPr lang="it-IT" sz="2400" dirty="0" smtClean="0"/>
+          </a:p>
+          <a:p>
+            <a:pPr marL="0" indent="0">
+              <a:buNone/>
+            </a:pPr>
+            <a:r>
+              <a:rPr lang="it-IT" sz="2400" dirty="0"/>
               <a:t>e(</a:t>
             </a:r>
             <a:r>
-              <a:rPr lang="it-IT" sz="2400" dirty="0" err="1" smtClean="0"/>
+              <a:rPr lang="it-IT" sz="2400" dirty="0" err="1"/>
               <a:t>c,d</a:t>
             </a:r>
             <a:r>
-              <a:rPr lang="it-IT" sz="2400" dirty="0" smtClean="0"/>
+              <a:rPr lang="it-IT" sz="2400" dirty="0"/>
               <a:t>).</a:t>
             </a:r>
-            <a:endParaRPr lang="it-IT" sz="2400" dirty="0"/>
-          </a:p>
-          <a:p>
-            <a:pPr marL="0" indent="0">
-              <a:buNone/>
-            </a:pPr>
-            <a:r>
-              <a:rPr lang="it-IT" sz="2400" dirty="0" smtClean="0"/>
+          </a:p>
+          <a:p>
+            <a:pPr marL="0" indent="0">
+              <a:buNone/>
+            </a:pPr>
+            <a:r>
+              <a:rPr lang="it-IT" sz="2400" dirty="0"/>
               <a:t>e(</a:t>
             </a:r>
             <a:r>
-              <a:rPr lang="it-IT" sz="2400" dirty="0" err="1" smtClean="0"/>
+              <a:rPr lang="it-IT" sz="2400" dirty="0" err="1"/>
               <a:t>d,e</a:t>
             </a:r>
             <a:r>
-              <a:rPr lang="it-IT" sz="2400" dirty="0" smtClean="0"/>
+              <a:rPr lang="it-IT" sz="2400" dirty="0"/>
               <a:t>).</a:t>
             </a:r>
-            <a:endParaRPr lang="it-IT" sz="2400" dirty="0"/>
-          </a:p>
-          <a:p>
-            <a:pPr marL="0" indent="0">
-              <a:buNone/>
-            </a:pPr>
-            <a:r>
-              <a:rPr lang="it-IT" sz="2400" dirty="0" smtClean="0"/>
+          </a:p>
+          <a:p>
+            <a:pPr marL="0" indent="0">
+              <a:buNone/>
+            </a:pPr>
+            <a:r>
+              <a:rPr lang="it-IT" sz="2400" dirty="0"/>
               <a:t>e(</a:t>
             </a:r>
             <a:r>
-              <a:rPr lang="it-IT" sz="2400" dirty="0" err="1" smtClean="0"/>
+              <a:rPr lang="it-IT" sz="2400" dirty="0" err="1"/>
               <a:t>f,e</a:t>
             </a:r>
             <a:r>
-              <a:rPr lang="it-IT" sz="2400" dirty="0" smtClean="0"/>
+              <a:rPr lang="it-IT" sz="2400" dirty="0"/>
               <a:t>).</a:t>
             </a:r>
-            <a:endParaRPr lang="it-IT" sz="2400" dirty="0"/>
-          </a:p>
-          <a:p>
-            <a:pPr marL="0" indent="0">
-              <a:buNone/>
-            </a:pPr>
-            <a:r>
-              <a:rPr lang="it-IT" sz="2400" dirty="0" smtClean="0"/>
+          </a:p>
+          <a:p>
+            <a:pPr marL="0" indent="0">
+              <a:buNone/>
+            </a:pPr>
+            <a:r>
+              <a:rPr lang="it-IT" sz="2400" dirty="0"/>
               <a:t>e(</a:t>
             </a:r>
             <a:r>
-              <a:rPr lang="it-IT" sz="2400" dirty="0" err="1" smtClean="0"/>
+              <a:rPr lang="it-IT" sz="2400" dirty="0" err="1"/>
               <a:t>a,e</a:t>
             </a:r>
             <a:r>
-              <a:rPr lang="it-IT" sz="2400" dirty="0" smtClean="0"/>
+              <a:rPr lang="it-IT" sz="2400" dirty="0"/>
               <a:t>).</a:t>
             </a:r>
-            <a:endParaRPr lang="it-IT" sz="2400" dirty="0"/>
-          </a:p>
-          <a:p>
-            <a:pPr marL="0" indent="0">
-              <a:buNone/>
-            </a:pPr>
-            <a:endParaRPr lang="it-IT" dirty="0" smtClean="0"/>
-          </a:p>
-          <a:p>
-            <a:pPr marL="0" indent="0">
-              <a:buNone/>
-            </a:pPr>
-            <a:endParaRPr lang="it-IT" dirty="0" smtClean="0"/>
+          </a:p>
+          <a:p>
+            <a:pPr marL="0" indent="0">
+              <a:buNone/>
+            </a:pPr>
+            <a:endParaRPr lang="it-IT" dirty="0"/>
+          </a:p>
+          <a:p>
+            <a:pPr marL="0" indent="0">
+              <a:buNone/>
+            </a:pPr>
+            <a:endParaRPr lang="it-IT" dirty="0"/>
           </a:p>
           <a:p>
             <a:pPr marL="0" indent="0">
@@ -10865,10 +10630,9 @@
           <a:lstStyle/>
           <a:p>
             <a:r>
-              <a:rPr lang="it-IT" sz="2200" dirty="0" smtClean="0"/>
+              <a:rPr lang="it-IT" sz="2200" dirty="0"/>
               <a:t>a</a:t>
             </a:r>
-            <a:endParaRPr lang="it-IT" sz="2200" dirty="0"/>
           </a:p>
         </p:txBody>
       </p:sp>
@@ -11111,10 +10875,9 @@
           <a:lstStyle/>
           <a:p>
             <a:r>
-              <a:rPr lang="it-IT" sz="2200" dirty="0" smtClean="0"/>
+              <a:rPr lang="it-IT" sz="2200" dirty="0"/>
               <a:t>b</a:t>
             </a:r>
-            <a:endParaRPr lang="it-IT" sz="2200" dirty="0"/>
           </a:p>
         </p:txBody>
       </p:sp>
@@ -11141,10 +10904,9 @@
           <a:lstStyle/>
           <a:p>
             <a:r>
-              <a:rPr lang="it-IT" sz="2200" dirty="0" smtClean="0"/>
+              <a:rPr lang="it-IT" sz="2200" dirty="0"/>
               <a:t>c</a:t>
             </a:r>
-            <a:endParaRPr lang="it-IT" sz="2200" dirty="0"/>
           </a:p>
         </p:txBody>
       </p:sp>
@@ -11171,10 +10933,9 @@
           <a:lstStyle/>
           <a:p>
             <a:r>
-              <a:rPr lang="it-IT" sz="2200" dirty="0" smtClean="0"/>
+              <a:rPr lang="it-IT" sz="2200" dirty="0"/>
               <a:t>d</a:t>
             </a:r>
-            <a:endParaRPr lang="it-IT" sz="2200" dirty="0"/>
           </a:p>
         </p:txBody>
       </p:sp>
@@ -11201,10 +10962,9 @@
           <a:lstStyle/>
           <a:p>
             <a:r>
-              <a:rPr lang="it-IT" sz="2200" dirty="0" smtClean="0"/>
+              <a:rPr lang="it-IT" sz="2200" dirty="0"/>
               <a:t>e</a:t>
             </a:r>
-            <a:endParaRPr lang="it-IT" sz="2200" dirty="0"/>
           </a:p>
         </p:txBody>
       </p:sp>
@@ -11231,10 +10991,9 @@
           <a:lstStyle/>
           <a:p>
             <a:r>
-              <a:rPr lang="it-IT" sz="2200" dirty="0" smtClean="0"/>
+              <a:rPr lang="it-IT" sz="2200" dirty="0"/>
               <a:t>f</a:t>
             </a:r>
-            <a:endParaRPr lang="it-IT" sz="2200" dirty="0"/>
           </a:p>
         </p:txBody>
       </p:sp>
@@ -11261,38 +11020,37 @@
           <a:lstStyle/>
           <a:p>
             <a:r>
-              <a:rPr lang="it-IT" b="1" i="1" dirty="0" smtClean="0"/>
+              <a:rPr lang="it-IT" b="1" i="1" dirty="0"/>
               <a:t>Soluzione 1</a:t>
             </a:r>
           </a:p>
           <a:p>
             <a:r>
-              <a:rPr lang="it-IT" dirty="0" err="1" smtClean="0"/>
+              <a:rPr lang="it-IT" dirty="0" err="1"/>
               <a:t>path</a:t>
             </a:r>
             <a:r>
-              <a:rPr lang="it-IT" dirty="0" smtClean="0"/>
+              <a:rPr lang="it-IT" dirty="0"/>
               <a:t>(X,Y):- e(X,Y).</a:t>
             </a:r>
           </a:p>
           <a:p>
             <a:r>
-              <a:rPr lang="it-IT" dirty="0" err="1" smtClean="0"/>
+              <a:rPr lang="it-IT" dirty="0" err="1"/>
               <a:t>path</a:t>
             </a:r>
             <a:r>
-              <a:rPr lang="it-IT" dirty="0" smtClean="0"/>
+              <a:rPr lang="it-IT" dirty="0"/>
               <a:t>(X,Y):- e(X,Z), </a:t>
             </a:r>
             <a:r>
-              <a:rPr lang="it-IT" dirty="0" err="1" smtClean="0"/>
+              <a:rPr lang="it-IT" dirty="0" err="1"/>
               <a:t>path</a:t>
             </a:r>
             <a:r>
-              <a:rPr lang="it-IT" dirty="0" smtClean="0"/>
+              <a:rPr lang="it-IT" dirty="0"/>
               <a:t>(Z,Y).</a:t>
             </a:r>
-            <a:endParaRPr lang="it-IT" dirty="0"/>
           </a:p>
         </p:txBody>
       </p:sp>
@@ -11319,38 +11077,37 @@
           <a:lstStyle/>
           <a:p>
             <a:r>
-              <a:rPr lang="it-IT" b="1" i="1" dirty="0" smtClean="0"/>
+              <a:rPr lang="it-IT" b="1" i="1" dirty="0"/>
               <a:t>Soluzione 2</a:t>
             </a:r>
           </a:p>
           <a:p>
             <a:r>
-              <a:rPr lang="it-IT" dirty="0" err="1" smtClean="0"/>
+              <a:rPr lang="it-IT" dirty="0" err="1"/>
               <a:t>path</a:t>
             </a:r>
             <a:r>
-              <a:rPr lang="it-IT" dirty="0" smtClean="0"/>
+              <a:rPr lang="it-IT" dirty="0"/>
               <a:t>(X,Y):- e(X,Y).</a:t>
             </a:r>
           </a:p>
           <a:p>
             <a:r>
-              <a:rPr lang="it-IT" dirty="0" err="1" smtClean="0"/>
+              <a:rPr lang="it-IT" dirty="0" err="1"/>
               <a:t>path</a:t>
             </a:r>
             <a:r>
-              <a:rPr lang="it-IT" dirty="0" smtClean="0"/>
+              <a:rPr lang="it-IT" dirty="0"/>
               <a:t>(X,Y):- </a:t>
             </a:r>
             <a:r>
-              <a:rPr lang="it-IT" dirty="0" err="1" smtClean="0"/>
+              <a:rPr lang="it-IT" dirty="0" err="1"/>
               <a:t>path</a:t>
             </a:r>
             <a:r>
-              <a:rPr lang="it-IT" dirty="0" smtClean="0"/>
+              <a:rPr lang="it-IT" dirty="0"/>
               <a:t>(X,Z), e(Z,Y).</a:t>
             </a:r>
-            <a:endParaRPr lang="it-IT" dirty="0"/>
           </a:p>
         </p:txBody>
       </p:sp>
@@ -11364,13 +11121,6 @@
   <p:clrMapOvr>
     <a:masterClrMapping/>
   </p:clrMapOvr>
-  <p:timing>
-    <p:tnLst>
-      <p:par>
-        <p:cTn id="1" dur="indefinite" restart="never" nodeType="tmRoot"/>
-      </p:par>
-    </p:tnLst>
-  </p:timing>
 </p:sld>
 </file>
 
@@ -11407,17 +11157,9 @@
           <a:lstStyle/>
           <a:p>
             <a:r>
-              <a:rPr lang="it-IT" dirty="0" smtClean="0"/>
-              <a:t>Versione ricorsiva </a:t>
-            </a:r>
-            <a:br>
-              <a:rPr lang="it-IT" dirty="0" smtClean="0"/>
-            </a:br>
-            <a:r>
-              <a:rPr lang="it-IT" dirty="0" smtClean="0"/>
-              <a:t>con programmazione dinamica</a:t>
-            </a:r>
-            <a:endParaRPr lang="it-IT" dirty="0"/>
+              <a:rPr lang="it-IT" dirty="0"/>
+              <a:t>Versione ricorsiva</a:t>
+            </a:r>
           </a:p>
         </p:txBody>
       </p:sp>
@@ -11440,47 +11182,145 @@
               <a:buNone/>
             </a:pPr>
             <a:r>
-              <a:rPr lang="it-IT" dirty="0"/>
-              <a:t>Scrivere il predicato:</a:t>
-            </a:r>
-          </a:p>
-          <a:p>
-            <a:pPr marL="0" indent="0" algn="ctr">
-              <a:buNone/>
-            </a:pPr>
-            <a:r>
-              <a:rPr lang="it-IT" dirty="0"/>
-              <a:t>k(T1,T2,N) </a:t>
-            </a:r>
-          </a:p>
-          <a:p>
-            <a:pPr marL="0" indent="0">
-              <a:buNone/>
-            </a:pPr>
-            <a:r>
-              <a:rPr lang="it-IT" dirty="0"/>
-              <a:t>vero se T1 e T2 sono alberi ed essi hanno in comune N sottoalberi, usando la definizione </a:t>
-            </a:r>
-            <a:r>
-              <a:rPr lang="it-IT" dirty="0" smtClean="0"/>
-              <a:t>ricorsiva</a:t>
-            </a:r>
-            <a:r>
-              <a:rPr lang="it-IT" dirty="0"/>
-              <a:t> </a:t>
-            </a:r>
-            <a:r>
-              <a:rPr lang="it-IT" dirty="0" smtClean="0"/>
-              <a:t>e memorizzando i risultati parziali di delta in </a:t>
-            </a:r>
-            <a:r>
-              <a:rPr lang="it-IT" dirty="0" err="1" smtClean="0"/>
-              <a:t>delta_m</a:t>
-            </a:r>
-            <a:r>
-              <a:rPr lang="it-IT" dirty="0" smtClean="0"/>
-              <a:t>.</a:t>
-            </a:r>
+              <a:rPr lang="it-IT" sz="2400" dirty="0" err="1"/>
+              <a:t>sum_deltas</a:t>
+            </a:r>
+            <a:r>
+              <a:rPr lang="it-IT" sz="2400" dirty="0"/>
+              <a:t>([], _,0).</a:t>
+            </a:r>
+          </a:p>
+          <a:p>
+            <a:pPr marL="0" indent="0">
+              <a:buNone/>
+            </a:pPr>
+            <a:r>
+              <a:rPr lang="it-IT" sz="2400" dirty="0" err="1"/>
+              <a:t>sum_deltas</a:t>
+            </a:r>
+            <a:r>
+              <a:rPr lang="it-IT" sz="2400" dirty="0"/>
+              <a:t>([ST|STL1], STL2,N):-</a:t>
+            </a:r>
+          </a:p>
+          <a:p>
+            <a:pPr marL="0" indent="0">
+              <a:buNone/>
+            </a:pPr>
+            <a:r>
+              <a:rPr lang="it-IT" sz="2400" dirty="0"/>
+              <a:t>	sum_deltas1(ST,STL2,N1),</a:t>
+            </a:r>
+          </a:p>
+          <a:p>
+            <a:pPr marL="0" indent="0">
+              <a:buNone/>
+            </a:pPr>
+            <a:r>
+              <a:rPr lang="it-IT" sz="2400" dirty="0"/>
+              <a:t>	</a:t>
+            </a:r>
+            <a:r>
+              <a:rPr lang="it-IT" sz="2400" dirty="0" err="1"/>
+              <a:t>sum_deltas</a:t>
+            </a:r>
+            <a:r>
+              <a:rPr lang="it-IT" sz="2400" dirty="0"/>
+              <a:t>(STL1, STL2,N2),</a:t>
+            </a:r>
+          </a:p>
+          <a:p>
+            <a:pPr marL="0" indent="0">
+              <a:buNone/>
+            </a:pPr>
+            <a:r>
+              <a:rPr lang="it-IT" sz="2400" dirty="0"/>
+              <a:t>	N </a:t>
+            </a:r>
+            <a:r>
+              <a:rPr lang="it-IT" sz="2400" dirty="0" err="1"/>
+              <a:t>is</a:t>
+            </a:r>
+            <a:r>
+              <a:rPr lang="it-IT" sz="2400" dirty="0"/>
+              <a:t> N1 + N2.</a:t>
+            </a:r>
+          </a:p>
+          <a:p>
+            <a:pPr marL="0" indent="0">
+              <a:buNone/>
+            </a:pPr>
+            <a:r>
+              <a:rPr lang="it-IT" sz="2400" dirty="0"/>
+              <a:t>sum_deltas1(_,[],0).</a:t>
+            </a:r>
+          </a:p>
+          <a:p>
+            <a:pPr marL="0" indent="0">
+              <a:buNone/>
+            </a:pPr>
+            <a:r>
+              <a:rPr lang="it-IT" sz="2400" dirty="0"/>
+              <a:t>sum_deltas1(ST,[ST2|STL2],N):-</a:t>
+            </a:r>
+          </a:p>
+          <a:p>
+            <a:pPr marL="0" indent="0">
+              <a:buNone/>
+            </a:pPr>
+            <a:r>
+              <a:rPr lang="it-IT" sz="2400" dirty="0"/>
+              <a:t>	!, delta(ST,ST2,N1),</a:t>
+            </a:r>
+          </a:p>
+          <a:p>
+            <a:pPr marL="0" indent="0">
+              <a:buNone/>
+            </a:pPr>
+            <a:r>
+              <a:rPr lang="it-IT" sz="2400" dirty="0"/>
+              <a:t>	sum_deltas1(ST, STL2,N2),</a:t>
+            </a:r>
+          </a:p>
+          <a:p>
+            <a:pPr marL="0" indent="0">
+              <a:buNone/>
+            </a:pPr>
+            <a:r>
+              <a:rPr lang="it-IT" sz="2400" dirty="0"/>
+              <a:t>	N </a:t>
+            </a:r>
+            <a:r>
+              <a:rPr lang="it-IT" sz="2400" dirty="0" err="1"/>
+              <a:t>is</a:t>
+            </a:r>
+            <a:r>
+              <a:rPr lang="it-IT" sz="2400" dirty="0"/>
+              <a:t> N1 + N2.</a:t>
+            </a:r>
+          </a:p>
+          <a:p>
+            <a:pPr marL="0" indent="0">
+              <a:buNone/>
+            </a:pPr>
+            <a:endParaRPr lang="it-IT" dirty="0"/>
+          </a:p>
+          <a:p>
+            <a:pPr marL="0" indent="0">
+              <a:buNone/>
+            </a:pPr>
+            <a:endParaRPr lang="it-IT" dirty="0"/>
+          </a:p>
+          <a:p>
+            <a:pPr marL="0" indent="0">
+              <a:buNone/>
+            </a:pPr>
+            <a:endParaRPr lang="it-IT" dirty="0"/>
+          </a:p>
+          <a:p>
+            <a:pPr marL="0" indent="0">
+              <a:buNone/>
+            </a:pPr>
             <a:endParaRPr lang="it-IT" dirty="0"/>
           </a:p>
         </p:txBody>
@@ -11488,20 +11328,13 @@
     </p:spTree>
     <p:extLst>
       <p:ext uri="{BB962C8B-B14F-4D97-AF65-F5344CB8AC3E}">
-        <p14:creationId xmlns:p14="http://schemas.microsoft.com/office/powerpoint/2010/main" val="2957034750"/>
+        <p14:creationId xmlns:p14="http://schemas.microsoft.com/office/powerpoint/2010/main" val="2662298913"/>
       </p:ext>
     </p:extLst>
   </p:cSld>
   <p:clrMapOvr>
     <a:masterClrMapping/>
   </p:clrMapOvr>
-  <p:timing>
-    <p:tnLst>
-      <p:par>
-        <p:cTn id="1" dur="indefinite" restart="never" nodeType="tmRoot"/>
-      </p:par>
-    </p:tnLst>
-  </p:timing>
 </p:sld>
 </file>
 
@@ -11569,123 +11402,49 @@
             <a:pPr marL="0" indent="0">
               <a:buNone/>
             </a:pPr>
-            <a:endParaRPr lang="it-IT" dirty="0" smtClean="0">
-              <a:solidFill>
-                <a:srgbClr val="FF0000"/>
-              </a:solidFill>
-            </a:endParaRPr>
-          </a:p>
-          <a:p>
-            <a:pPr marL="0" indent="0">
-              <a:buNone/>
-            </a:pPr>
-            <a:endParaRPr lang="it-IT" dirty="0">
-              <a:solidFill>
-                <a:srgbClr val="FF0000"/>
-              </a:solidFill>
-            </a:endParaRPr>
-          </a:p>
-          <a:p>
-            <a:pPr marL="0" indent="0">
-              <a:buNone/>
-            </a:pPr>
-            <a:r>
-              <a:rPr lang="it-IT" dirty="0" smtClean="0">
-                <a:solidFill>
-                  <a:srgbClr val="FF0000"/>
-                </a:solidFill>
-              </a:rPr>
-              <a:t>:- </a:t>
-            </a:r>
-            <a:r>
-              <a:rPr lang="it-IT" dirty="0" err="1" smtClean="0">
-                <a:solidFill>
-                  <a:srgbClr val="FF0000"/>
-                </a:solidFill>
-              </a:rPr>
-              <a:t>dynamic</a:t>
-            </a:r>
-            <a:r>
-              <a:rPr lang="it-IT" dirty="0" smtClean="0">
-                <a:solidFill>
-                  <a:srgbClr val="FF0000"/>
-                </a:solidFill>
-              </a:rPr>
-              <a:t> </a:t>
-            </a:r>
-            <a:r>
-              <a:rPr lang="it-IT" dirty="0" err="1" smtClean="0">
-                <a:solidFill>
-                  <a:srgbClr val="FF0000"/>
-                </a:solidFill>
-              </a:rPr>
+            <a:r>
+              <a:rPr lang="it-IT" dirty="0"/>
+              <a:t>Scrivere il predicato:</a:t>
+            </a:r>
+          </a:p>
+          <a:p>
+            <a:pPr marL="0" indent="0" algn="ctr">
+              <a:buNone/>
+            </a:pPr>
+            <a:r>
+              <a:rPr lang="it-IT" dirty="0"/>
+              <a:t>k(T1,T2,N) </a:t>
+            </a:r>
+          </a:p>
+          <a:p>
+            <a:pPr marL="0" indent="0">
+              <a:buNone/>
+            </a:pPr>
+            <a:r>
+              <a:rPr lang="it-IT" dirty="0"/>
+              <a:t>vero se T1 e T2 sono alberi ed essi hanno in comune N sottoalberi, usando la definizione ricorsiva e memorizzando i risultati parziali di delta in </a:t>
+            </a:r>
+            <a:r>
+              <a:rPr lang="it-IT" dirty="0" err="1"/>
               <a:t>delta_m</a:t>
             </a:r>
             <a:r>
-              <a:rPr lang="it-IT" dirty="0" smtClean="0">
-                <a:solidFill>
-                  <a:srgbClr val="FF0000"/>
-                </a:solidFill>
-              </a:rPr>
-              <a:t>/3.</a:t>
-            </a:r>
-          </a:p>
-          <a:p>
-            <a:pPr marL="0" indent="0">
-              <a:buNone/>
-            </a:pPr>
-            <a:endParaRPr lang="it-IT" dirty="0">
-              <a:solidFill>
-                <a:srgbClr val="FF0000"/>
-              </a:solidFill>
-            </a:endParaRPr>
-          </a:p>
-          <a:p>
-            <a:pPr marL="0" indent="0">
-              <a:buNone/>
-            </a:pPr>
-            <a:r>
-              <a:rPr lang="it-IT" dirty="0" err="1" smtClean="0">
-                <a:solidFill>
-                  <a:srgbClr val="FF0000"/>
-                </a:solidFill>
-              </a:rPr>
-              <a:t>delta_m</a:t>
-            </a:r>
-            <a:r>
-              <a:rPr lang="it-IT" dirty="0" smtClean="0">
-                <a:solidFill>
-                  <a:srgbClr val="FF0000"/>
-                </a:solidFill>
-              </a:rPr>
-              <a:t>(x,x,0).</a:t>
-            </a:r>
-          </a:p>
-          <a:p>
-            <a:pPr marL="0" indent="0">
-              <a:buNone/>
-            </a:pPr>
-            <a:endParaRPr lang="it-IT" dirty="0"/>
+              <a:rPr lang="it-IT" dirty="0"/>
+              <a:t>.</a:t>
+            </a:r>
           </a:p>
         </p:txBody>
       </p:sp>
     </p:spTree>
     <p:extLst>
       <p:ext uri="{BB962C8B-B14F-4D97-AF65-F5344CB8AC3E}">
-        <p14:creationId xmlns:p14="http://schemas.microsoft.com/office/powerpoint/2010/main" val="1929272857"/>
+        <p14:creationId xmlns:p14="http://schemas.microsoft.com/office/powerpoint/2010/main" val="2957034750"/>
       </p:ext>
     </p:extLst>
   </p:cSld>
   <p:clrMapOvr>
     <a:masterClrMapping/>
   </p:clrMapOvr>
-  <p:timing>
-    <p:tnLst>
-      <p:par>
-        <p:cTn id="1" dur="indefinite" restart="never" nodeType="tmRoot"/>
-      </p:par>
-    </p:tnLst>
-  </p:timing>
 </p:sld>
 </file>
 
@@ -11753,7 +11512,7 @@
             <a:pPr marL="0" indent="0">
               <a:buNone/>
             </a:pPr>
-            <a:endParaRPr lang="it-IT" sz="2400" dirty="0" smtClean="0">
+            <a:endParaRPr lang="it-IT" dirty="0">
               <a:solidFill>
                 <a:srgbClr val="FF0000"/>
               </a:solidFill>
@@ -11763,16 +11522,42 @@
             <a:pPr marL="0" indent="0">
               <a:buNone/>
             </a:pPr>
-            <a:r>
-              <a:rPr lang="it-IT" sz="2400" dirty="0" smtClean="0">
+            <a:endParaRPr lang="it-IT" dirty="0">
+              <a:solidFill>
+                <a:srgbClr val="FF0000"/>
+              </a:solidFill>
+            </a:endParaRPr>
+          </a:p>
+          <a:p>
+            <a:pPr marL="0" indent="0">
+              <a:buNone/>
+            </a:pPr>
+            <a:r>
+              <a:rPr lang="it-IT" dirty="0">
                 <a:solidFill>
                   <a:srgbClr val="FF0000"/>
                 </a:solidFill>
               </a:rPr>
-              <a:t>delta(T1,T2,N):- </a:t>
-            </a:r>
-            <a:r>
-              <a:rPr lang="it-IT" sz="2400" dirty="0" err="1" smtClean="0">
+              <a:t>:- </a:t>
+            </a:r>
+            <a:r>
+              <a:rPr lang="it-IT" dirty="0" err="1">
+                <a:solidFill>
+                  <a:srgbClr val="FF0000"/>
+                </a:solidFill>
+              </a:rPr>
+              <a:t>dynamic</a:t>
+            </a:r>
+            <a:r>
+              <a:rPr lang="it-IT" dirty="0">
+                <a:solidFill>
+                  <a:srgbClr val="FF0000"/>
+                </a:solidFill>
+              </a:rPr>
+              <a:t> </a:t>
+            </a:r>
+            <a:r>
+              <a:rPr lang="it-IT" dirty="0" err="1">
                 <a:solidFill>
                   <a:srgbClr val="FF0000"/>
                 </a:solidFill>
@@ -11780,123 +11565,30 @@
               <a:t>delta_m</a:t>
             </a:r>
             <a:r>
-              <a:rPr lang="it-IT" sz="2400" dirty="0" smtClean="0">
+              <a:rPr lang="it-IT" dirty="0">
                 <a:solidFill>
                   <a:srgbClr val="FF0000"/>
                 </a:solidFill>
               </a:rPr>
-              <a:t>(T1,T2,N).</a:t>
-            </a:r>
-          </a:p>
-          <a:p>
-            <a:pPr marL="0" indent="0">
-              <a:buNone/>
-            </a:pPr>
-            <a:r>
-              <a:rPr lang="it-IT" sz="2400" dirty="0" smtClean="0"/>
-              <a:t>delta(</a:t>
-            </a:r>
-            <a:r>
-              <a:rPr lang="it-IT" sz="2400" dirty="0" err="1" smtClean="0"/>
-              <a:t>tree</a:t>
-            </a:r>
-            <a:r>
-              <a:rPr lang="it-IT" sz="2400" dirty="0" smtClean="0"/>
-              <a:t>(X,[]),</a:t>
-            </a:r>
-            <a:r>
-              <a:rPr lang="it-IT" sz="2400" dirty="0" err="1" smtClean="0"/>
-              <a:t>tree</a:t>
-            </a:r>
-            <a:r>
-              <a:rPr lang="it-IT" sz="2400" dirty="0" smtClean="0"/>
-              <a:t>(X,[]),1):- !.</a:t>
-            </a:r>
-          </a:p>
-          <a:p>
-            <a:pPr marL="0" indent="0">
-              <a:buNone/>
-            </a:pPr>
-            <a:r>
-              <a:rPr lang="it-IT" sz="2400" dirty="0" smtClean="0"/>
-              <a:t>delta(</a:t>
-            </a:r>
-            <a:r>
-              <a:rPr lang="it-IT" sz="2400" dirty="0" err="1" smtClean="0"/>
-              <a:t>tree</a:t>
-            </a:r>
-            <a:r>
-              <a:rPr lang="it-IT" sz="2400" dirty="0" smtClean="0"/>
-              <a:t>(X,RX),</a:t>
-            </a:r>
-            <a:r>
-              <a:rPr lang="it-IT" sz="2400" dirty="0" err="1" smtClean="0"/>
-              <a:t>tree</a:t>
-            </a:r>
-            <a:r>
-              <a:rPr lang="it-IT" sz="2400" dirty="0" smtClean="0"/>
-              <a:t>(X,RX1),N):-</a:t>
-            </a:r>
-          </a:p>
-          <a:p>
-            <a:pPr marL="0" indent="0">
-              <a:buNone/>
-            </a:pPr>
-            <a:r>
-              <a:rPr lang="it-IT" sz="2400" dirty="0" smtClean="0"/>
-              <a:t>	</a:t>
-            </a:r>
-            <a:r>
-              <a:rPr lang="it-IT" sz="2400" dirty="0" err="1" smtClean="0"/>
-              <a:t>sons</a:t>
-            </a:r>
-            <a:r>
-              <a:rPr lang="it-IT" sz="2400" dirty="0" smtClean="0"/>
-              <a:t>(RX,SX), </a:t>
-            </a:r>
-            <a:r>
-              <a:rPr lang="it-IT" sz="2400" dirty="0" err="1" smtClean="0"/>
-              <a:t>sons</a:t>
-            </a:r>
-            <a:r>
-              <a:rPr lang="it-IT" sz="2400" dirty="0" smtClean="0"/>
-              <a:t>(RX1,SX)</a:t>
-            </a:r>
-          </a:p>
-          <a:p>
-            <a:pPr marL="0" indent="0">
-              <a:buNone/>
-            </a:pPr>
-            <a:r>
-              <a:rPr lang="it-IT" sz="2400" dirty="0" smtClean="0"/>
-              <a:t>	</a:t>
-            </a:r>
-            <a:r>
-              <a:rPr lang="it-IT" sz="2400" dirty="0" err="1" smtClean="0"/>
-              <a:t>subdelta</a:t>
-            </a:r>
-            <a:r>
-              <a:rPr lang="it-IT" sz="2400" dirty="0" smtClean="0"/>
-              <a:t>(RX,RX1,N), !, 	</a:t>
-            </a:r>
-            <a:r>
-              <a:rPr lang="it-IT" sz="2400" dirty="0" err="1" smtClean="0">
-                <a:solidFill>
-                  <a:srgbClr val="FF0000"/>
-                </a:solidFill>
-              </a:rPr>
-              <a:t>assert</a:t>
-            </a:r>
-            <a:r>
-              <a:rPr lang="it-IT" sz="2400" dirty="0" smtClean="0">
-                <a:solidFill>
-                  <a:srgbClr val="FF0000"/>
-                </a:solidFill>
-              </a:rPr>
-              <a:t>(</a:t>
-            </a:r>
-            <a:r>
-              <a:rPr lang="it-IT" sz="2400" dirty="0" err="1" smtClean="0">
+              <a:t>/3.</a:t>
+            </a:r>
+          </a:p>
+          <a:p>
+            <a:pPr marL="0" indent="0">
+              <a:buNone/>
+            </a:pPr>
+            <a:endParaRPr lang="it-IT" dirty="0">
+              <a:solidFill>
+                <a:srgbClr val="FF0000"/>
+              </a:solidFill>
+            </a:endParaRPr>
+          </a:p>
+          <a:p>
+            <a:pPr marL="0" indent="0">
+              <a:buNone/>
+            </a:pPr>
+            <a:r>
+              <a:rPr lang="it-IT" dirty="0" err="1">
                 <a:solidFill>
                   <a:srgbClr val="FF0000"/>
                 </a:solidFill>
@@ -11904,86 +11596,13 @@
               <a:t>delta_m</a:t>
             </a:r>
             <a:r>
-              <a:rPr lang="it-IT" sz="2400" dirty="0" smtClean="0">
+              <a:rPr lang="it-IT" dirty="0">
                 <a:solidFill>
                   <a:srgbClr val="FF0000"/>
                 </a:solidFill>
               </a:rPr>
-              <a:t>(</a:t>
-            </a:r>
-            <a:r>
-              <a:rPr lang="it-IT" sz="2400" dirty="0" err="1" smtClean="0">
-                <a:solidFill>
-                  <a:srgbClr val="FF0000"/>
-                </a:solidFill>
-              </a:rPr>
-              <a:t>tree</a:t>
-            </a:r>
-            <a:r>
-              <a:rPr lang="it-IT" sz="2400" dirty="0" smtClean="0">
-                <a:solidFill>
-                  <a:srgbClr val="FF0000"/>
-                </a:solidFill>
-              </a:rPr>
-              <a:t>(X,RX</a:t>
-            </a:r>
-            <a:r>
-              <a:rPr lang="it-IT" sz="2400" dirty="0">
-                <a:solidFill>
-                  <a:srgbClr val="FF0000"/>
-                </a:solidFill>
-              </a:rPr>
-              <a:t>),</a:t>
-            </a:r>
-            <a:r>
-              <a:rPr lang="it-IT" sz="2400" dirty="0" err="1">
-                <a:solidFill>
-                  <a:srgbClr val="FF0000"/>
-                </a:solidFill>
-              </a:rPr>
-              <a:t>tree</a:t>
-            </a:r>
-            <a:r>
-              <a:rPr lang="it-IT" sz="2400" dirty="0">
-                <a:solidFill>
-                  <a:srgbClr val="FF0000"/>
-                </a:solidFill>
-              </a:rPr>
-              <a:t>(X,RX1</a:t>
-            </a:r>
-            <a:r>
-              <a:rPr lang="it-IT" sz="2400" dirty="0" smtClean="0">
-                <a:solidFill>
-                  <a:srgbClr val="FF0000"/>
-                </a:solidFill>
-              </a:rPr>
-              <a:t>),N).</a:t>
-            </a:r>
-          </a:p>
-          <a:p>
-            <a:pPr marL="0" indent="0">
-              <a:buNone/>
-            </a:pPr>
-            <a:r>
-              <a:rPr lang="it-IT" sz="2400" dirty="0" smtClean="0"/>
-              <a:t>delta(_,_,0):- !.</a:t>
-            </a:r>
-            <a:endParaRPr lang="it-IT" sz="2400" dirty="0"/>
-          </a:p>
-          <a:p>
-            <a:pPr marL="0" indent="0">
-              <a:buNone/>
-            </a:pPr>
-            <a:r>
-              <a:rPr lang="it-IT" dirty="0" smtClean="0"/>
-              <a:t>	</a:t>
-            </a:r>
-          </a:p>
-          <a:p>
-            <a:pPr marL="0" indent="0">
-              <a:buNone/>
-            </a:pPr>
-            <a:endParaRPr lang="it-IT" dirty="0"/>
+              <a:t>(x,x,0).</a:t>
+            </a:r>
           </a:p>
           <a:p>
             <a:pPr marL="0" indent="0">
@@ -11996,20 +11615,13 @@
     </p:spTree>
     <p:extLst>
       <p:ext uri="{BB962C8B-B14F-4D97-AF65-F5344CB8AC3E}">
-        <p14:creationId xmlns:p14="http://schemas.microsoft.com/office/powerpoint/2010/main" val="852055127"/>
+        <p14:creationId xmlns:p14="http://schemas.microsoft.com/office/powerpoint/2010/main" val="1929272857"/>
       </p:ext>
     </p:extLst>
   </p:cSld>
   <p:clrMapOvr>
     <a:masterClrMapping/>
   </p:clrMapOvr>
-  <p:timing>
-    <p:tnLst>
-      <p:par>
-        <p:cTn id="1" dur="indefinite" restart="never" nodeType="tmRoot"/>
-      </p:par>
-    </p:tnLst>
-  </p:timing>
 </p:sld>
 </file>
 
@@ -12077,98 +11689,142 @@
             <a:pPr marL="0" indent="0">
               <a:buNone/>
             </a:pPr>
-            <a:endParaRPr lang="it-IT" dirty="0" smtClean="0"/>
-          </a:p>
-          <a:p>
-            <a:pPr marL="0" indent="0">
-              <a:buNone/>
-            </a:pPr>
-            <a:r>
-              <a:rPr lang="it-IT" dirty="0" smtClean="0"/>
-              <a:t>k(T1,T2,N):-</a:t>
-            </a:r>
-          </a:p>
-          <a:p>
-            <a:pPr marL="0" indent="0">
-              <a:buNone/>
-            </a:pPr>
-            <a:r>
-              <a:rPr lang="it-IT" dirty="0"/>
-              <a:t>	</a:t>
-            </a:r>
-            <a:r>
-              <a:rPr lang="it-IT" dirty="0" err="1"/>
-              <a:t>bagof</a:t>
-            </a:r>
-            <a:r>
-              <a:rPr lang="it-IT" dirty="0"/>
-              <a:t>(ST1,complete_st(T1,ST1),STL1),</a:t>
-            </a:r>
-          </a:p>
-          <a:p>
-            <a:pPr marL="0" indent="0">
-              <a:buNone/>
-            </a:pPr>
-            <a:r>
-              <a:rPr lang="it-IT" dirty="0"/>
-              <a:t>	</a:t>
-            </a:r>
-            <a:r>
-              <a:rPr lang="it-IT" dirty="0" err="1" smtClean="0"/>
-              <a:t>bagof</a:t>
-            </a:r>
-            <a:r>
-              <a:rPr lang="it-IT" dirty="0" smtClean="0"/>
-              <a:t>(ST2,complete_st(T2,ST2),STL2),</a:t>
-            </a:r>
-          </a:p>
-          <a:p>
-            <a:pPr marL="0" indent="0">
-              <a:buNone/>
-            </a:pPr>
-            <a:r>
-              <a:rPr lang="it-IT" dirty="0"/>
-              <a:t>	</a:t>
-            </a:r>
-            <a:r>
-              <a:rPr lang="it-IT" dirty="0" err="1" smtClean="0"/>
-              <a:t>sum_deltas</a:t>
-            </a:r>
-            <a:r>
-              <a:rPr lang="it-IT" dirty="0" smtClean="0"/>
-              <a:t>(STL1,</a:t>
-            </a:r>
-            <a:r>
-              <a:rPr lang="it-IT" dirty="0"/>
-              <a:t> </a:t>
-            </a:r>
-            <a:r>
-              <a:rPr lang="it-IT" dirty="0" smtClean="0"/>
-              <a:t>STL2,N),</a:t>
-            </a:r>
-          </a:p>
-          <a:p>
-            <a:pPr marL="0" indent="0">
-              <a:buNone/>
-            </a:pPr>
-            <a:r>
-              <a:rPr lang="it-IT" dirty="0">
+            <a:endParaRPr lang="it-IT" sz="2400" dirty="0">
+              <a:solidFill>
+                <a:srgbClr val="FF0000"/>
+              </a:solidFill>
+            </a:endParaRPr>
+          </a:p>
+          <a:p>
+            <a:pPr marL="0" indent="0">
+              <a:buNone/>
+            </a:pPr>
+            <a:r>
+              <a:rPr lang="it-IT" sz="2400" dirty="0">
                 <a:solidFill>
                   <a:srgbClr val="FF0000"/>
                 </a:solidFill>
               </a:rPr>
-              <a:t>	</a:t>
-            </a:r>
-            <a:r>
-              <a:rPr lang="it-IT" dirty="0" err="1" smtClean="0">
+              <a:t>delta(T1,T2,N):- </a:t>
+            </a:r>
+            <a:r>
+              <a:rPr lang="it-IT" sz="2400" dirty="0" err="1">
                 <a:solidFill>
                   <a:srgbClr val="FF0000"/>
                 </a:solidFill>
               </a:rPr>
-              <a:t>retractall</a:t>
-            </a:r>
-            <a:r>
-              <a:rPr lang="it-IT" dirty="0" smtClean="0">
+              <a:t>delta_m</a:t>
+            </a:r>
+            <a:r>
+              <a:rPr lang="it-IT" sz="2400" dirty="0">
+                <a:solidFill>
+                  <a:srgbClr val="FF0000"/>
+                </a:solidFill>
+              </a:rPr>
+              <a:t>(T1,T2,N).</a:t>
+            </a:r>
+          </a:p>
+          <a:p>
+            <a:pPr marL="0" indent="0">
+              <a:buNone/>
+            </a:pPr>
+            <a:r>
+              <a:rPr lang="it-IT" sz="2400" dirty="0"/>
+              <a:t>delta(</a:t>
+            </a:r>
+            <a:r>
+              <a:rPr lang="it-IT" sz="2400" dirty="0" err="1"/>
+              <a:t>tree</a:t>
+            </a:r>
+            <a:r>
+              <a:rPr lang="it-IT" sz="2400" dirty="0"/>
+              <a:t>(X,[]),</a:t>
+            </a:r>
+            <a:r>
+              <a:rPr lang="it-IT" sz="2400" dirty="0" err="1"/>
+              <a:t>tree</a:t>
+            </a:r>
+            <a:r>
+              <a:rPr lang="it-IT" sz="2400" dirty="0"/>
+              <a:t>(X,[]),1):- !.</a:t>
+            </a:r>
+          </a:p>
+          <a:p>
+            <a:pPr marL="0" indent="0">
+              <a:buNone/>
+            </a:pPr>
+            <a:r>
+              <a:rPr lang="it-IT" sz="2400" dirty="0"/>
+              <a:t>delta(</a:t>
+            </a:r>
+            <a:r>
+              <a:rPr lang="it-IT" sz="2400" dirty="0" err="1"/>
+              <a:t>tree</a:t>
+            </a:r>
+            <a:r>
+              <a:rPr lang="it-IT" sz="2400" dirty="0"/>
+              <a:t>(X,RX),</a:t>
+            </a:r>
+            <a:r>
+              <a:rPr lang="it-IT" sz="2400" dirty="0" err="1"/>
+              <a:t>tree</a:t>
+            </a:r>
+            <a:r>
+              <a:rPr lang="it-IT" sz="2400" dirty="0"/>
+              <a:t>(X,RX1),N):-</a:t>
+            </a:r>
+          </a:p>
+          <a:p>
+            <a:pPr marL="0" indent="0">
+              <a:buNone/>
+            </a:pPr>
+            <a:r>
+              <a:rPr lang="it-IT" sz="2400" dirty="0"/>
+              <a:t>	</a:t>
+            </a:r>
+            <a:r>
+              <a:rPr lang="it-IT" sz="2400" dirty="0" err="1"/>
+              <a:t>sons</a:t>
+            </a:r>
+            <a:r>
+              <a:rPr lang="it-IT" sz="2400" dirty="0"/>
+              <a:t>(RX,SX), </a:t>
+            </a:r>
+            <a:r>
+              <a:rPr lang="it-IT" sz="2400" dirty="0" err="1"/>
+              <a:t>sons</a:t>
+            </a:r>
+            <a:r>
+              <a:rPr lang="it-IT" sz="2400" dirty="0"/>
+              <a:t>(RX1,SX)</a:t>
+            </a:r>
+          </a:p>
+          <a:p>
+            <a:pPr marL="0" indent="0">
+              <a:buNone/>
+            </a:pPr>
+            <a:r>
+              <a:rPr lang="it-IT" sz="2400" dirty="0"/>
+              <a:t>	</a:t>
+            </a:r>
+            <a:r>
+              <a:rPr lang="it-IT" sz="2400" dirty="0" err="1"/>
+              <a:t>subdelta</a:t>
+            </a:r>
+            <a:r>
+              <a:rPr lang="it-IT" sz="2400" dirty="0"/>
+              <a:t>(RX,RX1,N), !, 	</a:t>
+            </a:r>
+            <a:r>
+              <a:rPr lang="it-IT" sz="2400" dirty="0" err="1">
+                <a:solidFill>
+                  <a:srgbClr val="FF0000"/>
+                </a:solidFill>
+              </a:rPr>
+              <a:t>assert</a:t>
+            </a:r>
+            <a:r>
+              <a:rPr lang="it-IT" sz="2400" dirty="0">
                 <a:solidFill>
                   <a:srgbClr val="FF0000"/>
                 </a:solidFill>
@@ -12176,7 +11832,7 @@
               <a:t>(</a:t>
             </a:r>
             <a:r>
-              <a:rPr lang="it-IT" dirty="0" err="1" smtClean="0">
+              <a:rPr lang="it-IT" sz="2400" dirty="0" err="1">
                 <a:solidFill>
                   <a:srgbClr val="FF0000"/>
                 </a:solidFill>
@@ -12184,36 +11840,7 @@
               <a:t>delta_m</a:t>
             </a:r>
             <a:r>
-              <a:rPr lang="it-IT" dirty="0" smtClean="0">
-                <a:solidFill>
-                  <a:srgbClr val="FF0000"/>
-                </a:solidFill>
-              </a:rPr>
-              <a:t>(_,_,_)),</a:t>
-            </a:r>
-          </a:p>
-          <a:p>
-            <a:pPr marL="0" indent="0">
-              <a:buNone/>
-            </a:pPr>
-            <a:r>
-              <a:rPr lang="it-IT" dirty="0">
-                <a:solidFill>
-                  <a:srgbClr val="FF0000"/>
-                </a:solidFill>
-              </a:rPr>
-              <a:t>	</a:t>
-            </a:r>
-            <a:r>
-              <a:rPr lang="it-IT" dirty="0" err="1" smtClean="0">
-                <a:solidFill>
-                  <a:srgbClr val="FF0000"/>
-                </a:solidFill>
-              </a:rPr>
-              <a:t>assert</a:t>
-            </a:r>
-            <a:r>
-              <a:rPr lang="it-IT" dirty="0" smtClean="0">
+              <a:rPr lang="it-IT" sz="2400" dirty="0">
                 <a:solidFill>
                   <a:srgbClr val="FF0000"/>
                 </a:solidFill>
@@ -12221,38 +11848,46 @@
               <a:t>(</a:t>
             </a:r>
             <a:r>
-              <a:rPr lang="it-IT" dirty="0" err="1" smtClean="0">
+              <a:rPr lang="it-IT" sz="2400" dirty="0" err="1">
                 <a:solidFill>
                   <a:srgbClr val="FF0000"/>
                 </a:solidFill>
               </a:rPr>
-              <a:t>delta_m</a:t>
-            </a:r>
-            <a:r>
-              <a:rPr lang="it-IT" dirty="0" smtClean="0">
+              <a:t>tree</a:t>
+            </a:r>
+            <a:r>
+              <a:rPr lang="it-IT" sz="2400" dirty="0">
                 <a:solidFill>
                   <a:srgbClr val="FF0000"/>
                 </a:solidFill>
               </a:rPr>
-              <a:t>(x,x,0)).</a:t>
-            </a:r>
-            <a:endParaRPr lang="it-IT" dirty="0">
-              <a:solidFill>
-                <a:srgbClr val="FF0000"/>
-              </a:solidFill>
-            </a:endParaRPr>
-          </a:p>
-          <a:p>
-            <a:pPr marL="0" indent="0">
-              <a:buNone/>
-            </a:pPr>
-            <a:endParaRPr lang="it-IT" dirty="0" smtClean="0"/>
-          </a:p>
-          <a:p>
-            <a:pPr marL="0" indent="0">
-              <a:buNone/>
-            </a:pPr>
-            <a:endParaRPr lang="it-IT" dirty="0" smtClean="0"/>
+              <a:t>(X,RX),</a:t>
+            </a:r>
+            <a:r>
+              <a:rPr lang="it-IT" sz="2400" dirty="0" err="1">
+                <a:solidFill>
+                  <a:srgbClr val="FF0000"/>
+                </a:solidFill>
+              </a:rPr>
+              <a:t>tree</a:t>
+            </a:r>
+            <a:r>
+              <a:rPr lang="it-IT" sz="2400" dirty="0">
+                <a:solidFill>
+                  <a:srgbClr val="FF0000"/>
+                </a:solidFill>
+              </a:rPr>
+              <a:t>(X,RX1),N).</a:t>
+            </a:r>
+          </a:p>
+          <a:p>
+            <a:pPr marL="0" indent="0">
+              <a:buNone/>
+            </a:pPr>
+            <a:r>
+              <a:rPr lang="it-IT" sz="2400" dirty="0"/>
+              <a:t>delta(_,_,0):- !.</a:t>
+            </a:r>
           </a:p>
           <a:p>
             <a:pPr marL="0" indent="0">
@@ -12262,19 +11897,12 @@
               <a:rPr lang="it-IT" dirty="0"/>
               <a:t>	</a:t>
             </a:r>
-            <a:endParaRPr lang="it-IT" dirty="0" smtClean="0"/>
           </a:p>
           <a:p>
             <a:pPr marL="0" indent="0">
               <a:buNone/>
             </a:pPr>
             <a:endParaRPr lang="it-IT" dirty="0"/>
-          </a:p>
-          <a:p>
-            <a:pPr marL="0" indent="0">
-              <a:buNone/>
-            </a:pPr>
-            <a:endParaRPr lang="it-IT" dirty="0" smtClean="0"/>
           </a:p>
           <a:p>
             <a:pPr marL="0" indent="0">
@@ -12287,20 +11915,13 @@
     </p:spTree>
     <p:extLst>
       <p:ext uri="{BB962C8B-B14F-4D97-AF65-F5344CB8AC3E}">
-        <p14:creationId xmlns:p14="http://schemas.microsoft.com/office/powerpoint/2010/main" val="3732214054"/>
+        <p14:creationId xmlns:p14="http://schemas.microsoft.com/office/powerpoint/2010/main" val="852055127"/>
       </p:ext>
     </p:extLst>
   </p:cSld>
   <p:clrMapOvr>
     <a:masterClrMapping/>
   </p:clrMapOvr>
-  <p:timing>
-    <p:tnLst>
-      <p:par>
-        <p:cTn id="1" dur="indefinite" restart="never" nodeType="tmRoot"/>
-      </p:par>
-    </p:tnLst>
-  </p:timing>
 </p:sld>
 </file>
 
@@ -12337,10 +11958,16 @@
           <a:lstStyle/>
           <a:p>
             <a:r>
-              <a:rPr lang="it-IT" dirty="0" smtClean="0"/>
-              <a:t>Esercizi</a:t>
-            </a:r>
-            <a:endParaRPr lang="it-IT" dirty="0"/>
+              <a:rPr lang="it-IT" dirty="0"/>
+              <a:t>Versione ricorsiva </a:t>
+            </a:r>
+            <a:br>
+              <a:rPr lang="it-IT" dirty="0"/>
+            </a:br>
+            <a:r>
+              <a:rPr lang="it-IT" dirty="0"/>
+              <a:t>con programmazione dinamica</a:t>
+            </a:r>
           </a:p>
         </p:txBody>
       </p:sp>
@@ -12359,11 +11986,273 @@
           <a:bodyPr/>
           <a:lstStyle/>
           <a:p>
-            <a:r>
-              <a:rPr lang="it-IT" dirty="0" smtClean="0"/>
+            <a:pPr marL="0" indent="0">
+              <a:buNone/>
+            </a:pPr>
+            <a:endParaRPr lang="it-IT" dirty="0"/>
+          </a:p>
+          <a:p>
+            <a:pPr marL="0" indent="0">
+              <a:buNone/>
+            </a:pPr>
+            <a:r>
+              <a:rPr lang="it-IT" dirty="0"/>
+              <a:t>k(T1,T2,N):-</a:t>
+            </a:r>
+          </a:p>
+          <a:p>
+            <a:pPr marL="0" indent="0">
+              <a:buNone/>
+            </a:pPr>
+            <a:r>
+              <a:rPr lang="it-IT" dirty="0"/>
+              <a:t>	</a:t>
+            </a:r>
+            <a:r>
+              <a:rPr lang="it-IT" dirty="0" err="1"/>
+              <a:t>bagof</a:t>
+            </a:r>
+            <a:r>
+              <a:rPr lang="it-IT" dirty="0"/>
+              <a:t>(ST1,complete_st(T1,ST1),STL1),</a:t>
+            </a:r>
+          </a:p>
+          <a:p>
+            <a:pPr marL="0" indent="0">
+              <a:buNone/>
+            </a:pPr>
+            <a:r>
+              <a:rPr lang="it-IT" dirty="0"/>
+              <a:t>	</a:t>
+            </a:r>
+            <a:r>
+              <a:rPr lang="it-IT" dirty="0" err="1"/>
+              <a:t>bagof</a:t>
+            </a:r>
+            <a:r>
+              <a:rPr lang="it-IT" dirty="0"/>
+              <a:t>(ST2,complete_st(T2,ST2),STL2),</a:t>
+            </a:r>
+          </a:p>
+          <a:p>
+            <a:pPr marL="0" indent="0">
+              <a:buNone/>
+            </a:pPr>
+            <a:r>
+              <a:rPr lang="it-IT" dirty="0"/>
+              <a:t>	</a:t>
+            </a:r>
+            <a:r>
+              <a:rPr lang="it-IT" dirty="0" err="1"/>
+              <a:t>sum_deltas</a:t>
+            </a:r>
+            <a:r>
+              <a:rPr lang="it-IT" dirty="0"/>
+              <a:t>(STL1, STL2,N),</a:t>
+            </a:r>
+          </a:p>
+          <a:p>
+            <a:pPr marL="0" indent="0">
+              <a:buNone/>
+            </a:pPr>
+            <a:r>
+              <a:rPr lang="it-IT" dirty="0">
+                <a:solidFill>
+                  <a:srgbClr val="FF0000"/>
+                </a:solidFill>
+              </a:rPr>
+              <a:t>	</a:t>
+            </a:r>
+            <a:r>
+              <a:rPr lang="it-IT" dirty="0" err="1">
+                <a:solidFill>
+                  <a:srgbClr val="FF0000"/>
+                </a:solidFill>
+              </a:rPr>
+              <a:t>retractall</a:t>
+            </a:r>
+            <a:r>
+              <a:rPr lang="it-IT" dirty="0">
+                <a:solidFill>
+                  <a:srgbClr val="FF0000"/>
+                </a:solidFill>
+              </a:rPr>
+              <a:t>(</a:t>
+            </a:r>
+            <a:r>
+              <a:rPr lang="it-IT" dirty="0" err="1">
+                <a:solidFill>
+                  <a:srgbClr val="FF0000"/>
+                </a:solidFill>
+              </a:rPr>
+              <a:t>delta_m</a:t>
+            </a:r>
+            <a:r>
+              <a:rPr lang="it-IT" dirty="0">
+                <a:solidFill>
+                  <a:srgbClr val="FF0000"/>
+                </a:solidFill>
+              </a:rPr>
+              <a:t>(_,_,_)),</a:t>
+            </a:r>
+          </a:p>
+          <a:p>
+            <a:pPr marL="0" indent="0">
+              <a:buNone/>
+            </a:pPr>
+            <a:r>
+              <a:rPr lang="it-IT" dirty="0">
+                <a:solidFill>
+                  <a:srgbClr val="FF0000"/>
+                </a:solidFill>
+              </a:rPr>
+              <a:t>	</a:t>
+            </a:r>
+            <a:r>
+              <a:rPr lang="it-IT" dirty="0" err="1">
+                <a:solidFill>
+                  <a:srgbClr val="FF0000"/>
+                </a:solidFill>
+              </a:rPr>
+              <a:t>assert</a:t>
+            </a:r>
+            <a:r>
+              <a:rPr lang="it-IT" dirty="0">
+                <a:solidFill>
+                  <a:srgbClr val="FF0000"/>
+                </a:solidFill>
+              </a:rPr>
+              <a:t>(</a:t>
+            </a:r>
+            <a:r>
+              <a:rPr lang="it-IT" dirty="0" err="1">
+                <a:solidFill>
+                  <a:srgbClr val="FF0000"/>
+                </a:solidFill>
+              </a:rPr>
+              <a:t>delta_m</a:t>
+            </a:r>
+            <a:r>
+              <a:rPr lang="it-IT" dirty="0">
+                <a:solidFill>
+                  <a:srgbClr val="FF0000"/>
+                </a:solidFill>
+              </a:rPr>
+              <a:t>(x,x,0)).</a:t>
+            </a:r>
+          </a:p>
+          <a:p>
+            <a:pPr marL="0" indent="0">
+              <a:buNone/>
+            </a:pPr>
+            <a:endParaRPr lang="it-IT" dirty="0"/>
+          </a:p>
+          <a:p>
+            <a:pPr marL="0" indent="0">
+              <a:buNone/>
+            </a:pPr>
+            <a:endParaRPr lang="it-IT" dirty="0"/>
+          </a:p>
+          <a:p>
+            <a:pPr marL="0" indent="0">
+              <a:buNone/>
+            </a:pPr>
+            <a:r>
+              <a:rPr lang="it-IT" dirty="0"/>
+              <a:t>	</a:t>
+            </a:r>
+          </a:p>
+          <a:p>
+            <a:pPr marL="0" indent="0">
+              <a:buNone/>
+            </a:pPr>
+            <a:endParaRPr lang="it-IT" dirty="0"/>
+          </a:p>
+          <a:p>
+            <a:pPr marL="0" indent="0">
+              <a:buNone/>
+            </a:pPr>
+            <a:endParaRPr lang="it-IT" dirty="0"/>
+          </a:p>
+          <a:p>
+            <a:pPr marL="0" indent="0">
+              <a:buNone/>
+            </a:pPr>
+            <a:endParaRPr lang="it-IT" dirty="0"/>
+          </a:p>
+        </p:txBody>
+      </p:sp>
+    </p:spTree>
+    <p:extLst>
+      <p:ext uri="{BB962C8B-B14F-4D97-AF65-F5344CB8AC3E}">
+        <p14:creationId xmlns:p14="http://schemas.microsoft.com/office/powerpoint/2010/main" val="3732214054"/>
+      </p:ext>
+    </p:extLst>
+  </p:cSld>
+  <p:clrMapOvr>
+    <a:masterClrMapping/>
+  </p:clrMapOvr>
+</p:sld>
+</file>
+
+<file path=ppt/slides/slide35.xml><?xml version="1.0" encoding="utf-8"?>
+<p:sld xmlns:a="http://schemas.openxmlformats.org/drawingml/2006/main" xmlns:r="http://schemas.openxmlformats.org/officeDocument/2006/relationships" xmlns:p="http://schemas.openxmlformats.org/presentationml/2006/main">
+  <p:cSld>
+    <p:spTree>
+      <p:nvGrpSpPr>
+        <p:cNvPr id="1" name=""/>
+        <p:cNvGrpSpPr/>
+        <p:nvPr/>
+      </p:nvGrpSpPr>
+      <p:grpSpPr>
+        <a:xfrm>
+          <a:off x="0" y="0"/>
+          <a:ext cx="0" cy="0"/>
+          <a:chOff x="0" y="0"/>
+          <a:chExt cx="0" cy="0"/>
+        </a:xfrm>
+      </p:grpSpPr>
+      <p:sp>
+        <p:nvSpPr>
+          <p:cNvPr id="2" name="Titolo 1"/>
+          <p:cNvSpPr>
+            <a:spLocks noGrp="1"/>
+          </p:cNvSpPr>
+          <p:nvPr>
+            <p:ph type="title"/>
+          </p:nvPr>
+        </p:nvSpPr>
+        <p:spPr/>
+        <p:txBody>
+          <a:bodyPr/>
+          <a:lstStyle/>
+          <a:p>
+            <a:r>
+              <a:rPr lang="it-IT" dirty="0"/>
+              <a:t>Esercizi</a:t>
+            </a:r>
+          </a:p>
+        </p:txBody>
+      </p:sp>
+      <p:sp>
+        <p:nvSpPr>
+          <p:cNvPr id="3" name="Segnaposto contenuto 2"/>
+          <p:cNvSpPr>
+            <a:spLocks noGrp="1"/>
+          </p:cNvSpPr>
+          <p:nvPr>
+            <p:ph idx="1"/>
+          </p:nvPr>
+        </p:nvSpPr>
+        <p:spPr/>
+        <p:txBody>
+          <a:bodyPr/>
+          <a:lstStyle/>
+          <a:p>
+            <a:r>
+              <a:rPr lang="it-IT" dirty="0"/>
               <a:t>Implementare ciò che manca :-)</a:t>
             </a:r>
-            <a:endParaRPr lang="it-IT" dirty="0"/>
           </a:p>
         </p:txBody>
       </p:sp>
@@ -12377,13 +12266,6 @@
   <p:clrMapOvr>
     <a:masterClrMapping/>
   </p:clrMapOvr>
-  <p:timing>
-    <p:tnLst>
-      <p:par>
-        <p:cTn id="1" dur="indefinite" restart="never" nodeType="tmRoot"/>
-      </p:par>
-    </p:tnLst>
-  </p:timing>
 </p:sld>
 </file>
 
@@ -12420,10 +12302,9 @@
           <a:lstStyle/>
           <a:p>
             <a:r>
-              <a:rPr lang="it-IT" dirty="0" smtClean="0"/>
+              <a:rPr lang="it-IT" dirty="0"/>
               <a:t>Percorso su Grafi</a:t>
             </a:r>
-            <a:endParaRPr lang="it-IT" dirty="0"/>
           </a:p>
         </p:txBody>
       </p:sp>
@@ -12446,15 +12327,15 @@
               <a:buNone/>
             </a:pPr>
             <a:r>
-              <a:rPr lang="it-IT" dirty="0" smtClean="0"/>
+              <a:rPr lang="it-IT" dirty="0"/>
               <a:t>Come porre i limiti di ricerca alla </a:t>
             </a:r>
             <a:r>
-              <a:rPr lang="it-IT" b="1" i="1" dirty="0" smtClean="0"/>
+              <a:rPr lang="it-IT" b="1" i="1" dirty="0"/>
               <a:t>Soluzione 2</a:t>
             </a:r>
             <a:r>
-              <a:rPr lang="it-IT" dirty="0" smtClean="0"/>
+              <a:rPr lang="it-IT" dirty="0"/>
               <a:t>?</a:t>
             </a:r>
           </a:p>
@@ -12463,17 +12344,16 @@
               <a:buNone/>
             </a:pPr>
             <a:r>
-              <a:rPr lang="it-IT" b="1" i="1" dirty="0" smtClean="0"/>
+              <a:rPr lang="it-IT" b="1" i="1" dirty="0"/>
               <a:t>Cominciamo…</a:t>
             </a:r>
-            <a:endParaRPr lang="it-IT" b="1" i="1" dirty="0"/>
-          </a:p>
-          <a:p>
-            <a:pPr marL="0" indent="0">
-              <a:buNone/>
-            </a:pPr>
-            <a:r>
-              <a:rPr lang="it-IT" dirty="0" smtClean="0"/>
+          </a:p>
+          <a:p>
+            <a:pPr marL="0" indent="0">
+              <a:buNone/>
+            </a:pPr>
+            <a:r>
+              <a:rPr lang="it-IT" dirty="0"/>
               <a:t>Scrivere il predicato</a:t>
             </a:r>
           </a:p>
@@ -12482,15 +12362,15 @@
               <a:buNone/>
             </a:pPr>
             <a:r>
-              <a:rPr lang="it-IT" dirty="0" smtClean="0"/>
+              <a:rPr lang="it-IT" dirty="0"/>
               <a:t>/*</a:t>
             </a:r>
             <a:r>
-              <a:rPr lang="it-IT" dirty="0" err="1" smtClean="0"/>
+              <a:rPr lang="it-IT" dirty="0" err="1"/>
               <a:t>path</a:t>
             </a:r>
             <a:r>
-              <a:rPr lang="it-IT" dirty="0" smtClean="0"/>
+              <a:rPr lang="it-IT" dirty="0"/>
               <a:t>(X,Y,PATH)*/</a:t>
             </a:r>
           </a:p>
@@ -12499,7 +12379,7 @@
               <a:buNone/>
             </a:pPr>
             <a:r>
-              <a:rPr lang="it-IT" dirty="0" smtClean="0"/>
+              <a:rPr lang="it-IT" dirty="0"/>
               <a:t>Vero se esiste un percorso tra X ed Y e PATH è la lista dei nodi visitati.</a:t>
             </a:r>
           </a:p>
@@ -12521,13 +12401,6 @@
   <p:clrMapOvr>
     <a:masterClrMapping/>
   </p:clrMapOvr>
-  <p:timing>
-    <p:tnLst>
-      <p:par>
-        <p:cTn id="1" dur="indefinite" restart="never" nodeType="tmRoot"/>
-      </p:par>
-    </p:tnLst>
-  </p:timing>
 </p:sld>
 </file>
 
@@ -12564,10 +12437,9 @@
           <a:lstStyle/>
           <a:p>
             <a:r>
-              <a:rPr lang="it-IT" dirty="0" smtClean="0"/>
+              <a:rPr lang="it-IT" dirty="0"/>
               <a:t>Percorso su grafi con limite</a:t>
             </a:r>
-            <a:endParaRPr lang="it-IT" dirty="0"/>
           </a:p>
         </p:txBody>
       </p:sp>
@@ -12613,46 +12485,47 @@
           <a:p>
             <a:r>
               <a:rPr lang="it-IT" b="1" i="1" dirty="0"/>
-              <a:t>Soluzione </a:t>
-            </a:r>
-            <a:r>
-              <a:rPr lang="it-IT" b="1" i="1" dirty="0" smtClean="0"/>
-              <a:t>2 - modificata</a:t>
-            </a:r>
-            <a:endParaRPr lang="it-IT" b="1" i="1" dirty="0"/>
-          </a:p>
-          <a:p>
-            <a:r>
-              <a:rPr lang="it-IT" dirty="0" err="1" smtClean="0"/>
+              <a:t>Soluzione 2 - modificata</a:t>
+            </a:r>
+          </a:p>
+          <a:p>
+            <a:r>
+              <a:rPr lang="it-IT" dirty="0" err="1"/>
               <a:t>path</a:t>
             </a:r>
             <a:r>
-              <a:rPr lang="it-IT" dirty="0" smtClean="0"/>
+              <a:rPr lang="it-IT" dirty="0"/>
               <a:t>(X,Y,[X,Y]):- </a:t>
             </a:r>
           </a:p>
           <a:p>
             <a:r>
               <a:rPr lang="it-IT" dirty="0"/>
+              <a:t>	e(X,Y).</a:t>
+            </a:r>
+          </a:p>
+          <a:p>
+            <a:r>
+              <a:rPr lang="it-IT" dirty="0" err="1"/>
+              <a:t>path</a:t>
+            </a:r>
+            <a:r>
+              <a:rPr lang="it-IT" dirty="0"/>
+              <a:t>(X,Y,P):- </a:t>
+            </a:r>
+          </a:p>
+          <a:p>
+            <a:r>
+              <a:rPr lang="it-IT" dirty="0"/>
               <a:t>	</a:t>
             </a:r>
             <a:r>
-              <a:rPr lang="it-IT" dirty="0" smtClean="0"/>
-              <a:t>e(X,Y</a:t>
-            </a:r>
-            <a:r>
-              <a:rPr lang="it-IT" dirty="0"/>
-              <a:t>).</a:t>
-            </a:r>
-          </a:p>
-          <a:p>
-            <a:r>
-              <a:rPr lang="it-IT" dirty="0" err="1" smtClean="0"/>
+              <a:rPr lang="it-IT" dirty="0" err="1"/>
               <a:t>path</a:t>
             </a:r>
             <a:r>
-              <a:rPr lang="it-IT" dirty="0" smtClean="0"/>
-              <a:t>(X,Y,P):- </a:t>
+              <a:rPr lang="it-IT" dirty="0"/>
+              <a:t>(X,Z,P1), e(Z,Y),</a:t>
             </a:r>
           </a:p>
           <a:p>
@@ -12661,28 +12534,13 @@
               <a:t>	</a:t>
             </a:r>
             <a:r>
-              <a:rPr lang="it-IT" dirty="0" err="1" smtClean="0"/>
-              <a:t>path</a:t>
-            </a:r>
-            <a:r>
-              <a:rPr lang="it-IT" dirty="0" smtClean="0"/>
-              <a:t>(X,Z,P1), e(Z,Y),</a:t>
-            </a:r>
-          </a:p>
-          <a:p>
-            <a:r>
-              <a:rPr lang="it-IT" dirty="0"/>
-              <a:t>	</a:t>
-            </a:r>
-            <a:r>
-              <a:rPr lang="it-IT" dirty="0" err="1" smtClean="0"/>
+              <a:rPr lang="it-IT" dirty="0" err="1"/>
               <a:t>lastelem</a:t>
             </a:r>
             <a:r>
-              <a:rPr lang="it-IT" dirty="0" smtClean="0"/>
+              <a:rPr lang="it-IT" dirty="0"/>
               <a:t>(P,Y,P1).</a:t>
             </a:r>
-            <a:endParaRPr lang="it-IT" dirty="0"/>
           </a:p>
         </p:txBody>
       </p:sp>
@@ -12696,13 +12554,6 @@
   <p:clrMapOvr>
     <a:masterClrMapping/>
   </p:clrMapOvr>
-  <p:timing>
-    <p:tnLst>
-      <p:par>
-        <p:cTn id="1" dur="indefinite" restart="never" nodeType="tmRoot"/>
-      </p:par>
-    </p:tnLst>
-  </p:timing>
 </p:sld>
 </file>
 
@@ -12764,15 +12615,15 @@
               <a:buNone/>
             </a:pPr>
             <a:r>
-              <a:rPr lang="it-IT" dirty="0" smtClean="0"/>
+              <a:rPr lang="it-IT" dirty="0"/>
               <a:t>Come porre i limiti di ricerca alla </a:t>
             </a:r>
             <a:r>
-              <a:rPr lang="it-IT" b="1" i="1" dirty="0" smtClean="0"/>
+              <a:rPr lang="it-IT" b="1" i="1" dirty="0"/>
               <a:t>Soluzione 2</a:t>
             </a:r>
             <a:r>
-              <a:rPr lang="it-IT" dirty="0" smtClean="0"/>
+              <a:rPr lang="it-IT" dirty="0"/>
               <a:t>?</a:t>
             </a:r>
           </a:p>
@@ -12781,17 +12632,16 @@
               <a:buNone/>
             </a:pPr>
             <a:r>
-              <a:rPr lang="it-IT" b="1" i="1" dirty="0" smtClean="0"/>
+              <a:rPr lang="it-IT" b="1" i="1" dirty="0"/>
               <a:t>Cominciamo…</a:t>
             </a:r>
-            <a:endParaRPr lang="it-IT" b="1" i="1" dirty="0"/>
-          </a:p>
-          <a:p>
-            <a:pPr marL="0" indent="0">
-              <a:buNone/>
-            </a:pPr>
-            <a:r>
-              <a:rPr lang="it-IT" dirty="0" smtClean="0"/>
+          </a:p>
+          <a:p>
+            <a:pPr marL="0" indent="0">
+              <a:buNone/>
+            </a:pPr>
+            <a:r>
+              <a:rPr lang="it-IT" dirty="0"/>
               <a:t>Scrivere il predicato</a:t>
             </a:r>
           </a:p>
@@ -12800,15 +12650,15 @@
               <a:buNone/>
             </a:pPr>
             <a:r>
-              <a:rPr lang="it-IT" dirty="0" smtClean="0"/>
+              <a:rPr lang="it-IT" dirty="0"/>
               <a:t>/*</a:t>
             </a:r>
             <a:r>
-              <a:rPr lang="it-IT" dirty="0" err="1" smtClean="0"/>
+              <a:rPr lang="it-IT" dirty="0" err="1"/>
               <a:t>path</a:t>
             </a:r>
             <a:r>
-              <a:rPr lang="it-IT" dirty="0" smtClean="0"/>
+              <a:rPr lang="it-IT" dirty="0"/>
               <a:t>(X,Y,PATH,MAX)*/</a:t>
             </a:r>
           </a:p>
@@ -12817,7 +12667,7 @@
               <a:buNone/>
             </a:pPr>
             <a:r>
-              <a:rPr lang="it-IT" dirty="0" smtClean="0"/>
+              <a:rPr lang="it-IT" dirty="0"/>
               <a:t>Vero se esiste un percorso tra X ed Y, PATH è la lista dei nodi visitati e il cammino ha un numero di nodi minore di MAX.</a:t>
             </a:r>
           </a:p>
@@ -12839,13 +12689,6 @@
   <p:clrMapOvr>
     <a:masterClrMapping/>
   </p:clrMapOvr>
-  <p:timing>
-    <p:tnLst>
-      <p:par>
-        <p:cTn id="1" dur="indefinite" restart="never" nodeType="tmRoot"/>
-      </p:par>
-    </p:tnLst>
-  </p:timing>
 </p:sld>
 </file>
 
@@ -12930,32 +12773,67 @@
           <a:p>
             <a:r>
               <a:rPr lang="it-IT" b="1" i="1" dirty="0"/>
-              <a:t>Soluzione </a:t>
-            </a:r>
-            <a:r>
-              <a:rPr lang="it-IT" b="1" i="1" dirty="0" smtClean="0"/>
-              <a:t>2 - modificata</a:t>
-            </a:r>
-            <a:endParaRPr lang="it-IT" b="1" i="1" dirty="0"/>
-          </a:p>
-          <a:p>
-            <a:r>
-              <a:rPr lang="it-IT" dirty="0" err="1" smtClean="0"/>
+              <a:t>Soluzione 2 - modificata</a:t>
+            </a:r>
+          </a:p>
+          <a:p>
+            <a:r>
+              <a:rPr lang="it-IT" dirty="0" err="1"/>
               <a:t>path</a:t>
             </a:r>
             <a:r>
-              <a:rPr lang="it-IT" dirty="0" smtClean="0"/>
+              <a:rPr lang="it-IT" dirty="0"/>
               <a:t>(X,Y,[X,Y],MAX):-</a:t>
             </a:r>
           </a:p>
           <a:p>
             <a:r>
               <a:rPr lang="it-IT" dirty="0"/>
+              <a:t>	MAX &gt;= 2, </a:t>
+            </a:r>
+          </a:p>
+          <a:p>
+            <a:r>
+              <a:rPr lang="it-IT" dirty="0"/>
+              <a:t>	e(X,Y).</a:t>
+            </a:r>
+          </a:p>
+          <a:p>
+            <a:r>
+              <a:rPr lang="it-IT" dirty="0" err="1"/>
+              <a:t>path</a:t>
+            </a:r>
+            <a:r>
+              <a:rPr lang="it-IT" dirty="0"/>
+              <a:t>(X,Y,P,MAX):- </a:t>
+            </a:r>
+          </a:p>
+          <a:p>
+            <a:r>
+              <a:rPr lang="it-IT" dirty="0"/>
               <a:t>	</a:t>
             </a:r>
             <a:r>
-              <a:rPr lang="it-IT" dirty="0" smtClean="0"/>
-              <a:t>MAX &gt;= 2, </a:t>
+              <a:rPr lang="it-IT" dirty="0" err="1"/>
+              <a:t>hasmaxlength</a:t>
+            </a:r>
+            <a:r>
+              <a:rPr lang="it-IT" dirty="0"/>
+              <a:t>(P,MAX),</a:t>
+            </a:r>
+          </a:p>
+          <a:p>
+            <a:r>
+              <a:rPr lang="it-IT" dirty="0"/>
+              <a:t>	MAX1 </a:t>
+            </a:r>
+            <a:r>
+              <a:rPr lang="it-IT" dirty="0" err="1"/>
+              <a:t>is</a:t>
+            </a:r>
+            <a:r>
+              <a:rPr lang="it-IT" dirty="0"/>
+              <a:t> MAX – 1,</a:t>
             </a:r>
           </a:p>
           <a:p>
@@ -12964,22 +12842,18 @@
               <a:t>	</a:t>
             </a:r>
             <a:r>
-              <a:rPr lang="it-IT" dirty="0" smtClean="0"/>
-              <a:t>e(X,Y</a:t>
-            </a:r>
-            <a:r>
-              <a:rPr lang="it-IT" dirty="0"/>
-              <a:t>).</a:t>
-            </a:r>
-          </a:p>
-          <a:p>
-            <a:r>
-              <a:rPr lang="it-IT" dirty="0" err="1" smtClean="0"/>
+              <a:rPr lang="it-IT" dirty="0" err="1"/>
               <a:t>path</a:t>
             </a:r>
             <a:r>
-              <a:rPr lang="it-IT" dirty="0" smtClean="0"/>
-              <a:t>(X,Y,P,MAX):- </a:t>
+              <a:rPr lang="it-IT" dirty="0"/>
+              <a:t>(X,Z,P1,MAX1), </a:t>
+            </a:r>
+          </a:p>
+          <a:p>
+            <a:r>
+              <a:rPr lang="it-IT" dirty="0"/>
+              <a:t>	e(Z,Y),</a:t>
             </a:r>
           </a:p>
           <a:p>
@@ -12988,70 +12862,13 @@
               <a:t>	</a:t>
             </a:r>
             <a:r>
-              <a:rPr lang="it-IT" dirty="0" err="1" smtClean="0"/>
-              <a:t>hasmaxlength</a:t>
-            </a:r>
-            <a:r>
-              <a:rPr lang="it-IT" dirty="0" smtClean="0"/>
-              <a:t>(P,MAX),</a:t>
-            </a:r>
-          </a:p>
-          <a:p>
-            <a:r>
-              <a:rPr lang="it-IT" dirty="0"/>
-              <a:t>	</a:t>
-            </a:r>
-            <a:r>
-              <a:rPr lang="it-IT" dirty="0" smtClean="0"/>
-              <a:t>MAX1 </a:t>
-            </a:r>
-            <a:r>
-              <a:rPr lang="it-IT" dirty="0" err="1" smtClean="0"/>
-              <a:t>is</a:t>
-            </a:r>
-            <a:r>
-              <a:rPr lang="it-IT" dirty="0" smtClean="0"/>
-              <a:t> MAX – 1,</a:t>
-            </a:r>
-          </a:p>
-          <a:p>
-            <a:r>
-              <a:rPr lang="it-IT" dirty="0"/>
-              <a:t>	</a:t>
-            </a:r>
-            <a:r>
-              <a:rPr lang="it-IT" dirty="0" err="1" smtClean="0"/>
-              <a:t>path</a:t>
-            </a:r>
-            <a:r>
-              <a:rPr lang="it-IT" dirty="0" smtClean="0"/>
-              <a:t>(X,Z,P1,MAX1), </a:t>
-            </a:r>
-          </a:p>
-          <a:p>
-            <a:r>
-              <a:rPr lang="it-IT" dirty="0"/>
-              <a:t>	</a:t>
-            </a:r>
-            <a:r>
-              <a:rPr lang="it-IT" dirty="0" smtClean="0"/>
-              <a:t>e(Z,Y),</a:t>
-            </a:r>
-          </a:p>
-          <a:p>
-            <a:r>
-              <a:rPr lang="it-IT" dirty="0" smtClean="0"/>
-              <a:t>	</a:t>
-            </a:r>
-            <a:r>
-              <a:rPr lang="it-IT" dirty="0" err="1" smtClean="0"/>
+              <a:rPr lang="it-IT" dirty="0" err="1"/>
               <a:t>lastelem</a:t>
             </a:r>
             <a:r>
-              <a:rPr lang="it-IT" dirty="0" smtClean="0"/>
+              <a:rPr lang="it-IT" dirty="0"/>
               <a:t>(P,Y,P1).</a:t>
             </a:r>
-            <a:endParaRPr lang="it-IT" dirty="0"/>
           </a:p>
         </p:txBody>
       </p:sp>
@@ -13081,48 +12898,31 @@
               <a:t>hasmaxlength</a:t>
             </a:r>
             <a:r>
-              <a:rPr lang="en-US" dirty="0" smtClean="0"/>
-              <a:t>(_,</a:t>
-            </a:r>
-            <a:r>
               <a:rPr lang="en-US" dirty="0"/>
-              <a:t>MAX):-	</a:t>
-            </a:r>
-            <a:endParaRPr lang="en-US" dirty="0" smtClean="0"/>
+              <a:t>(_,MAX):-	</a:t>
+            </a:r>
           </a:p>
           <a:p>
             <a:r>
               <a:rPr lang="en-US" dirty="0"/>
-              <a:t>	</a:t>
-            </a:r>
-            <a:r>
-              <a:rPr lang="en-US" dirty="0" smtClean="0"/>
-              <a:t>MAX </a:t>
-            </a:r>
-            <a:r>
-              <a:rPr lang="en-US" dirty="0"/>
-              <a:t>&lt; 0, !, fail.</a:t>
-            </a:r>
-            <a:endParaRPr lang="it-IT" dirty="0" smtClean="0"/>
-          </a:p>
-          <a:p>
-            <a:r>
-              <a:rPr lang="it-IT" dirty="0" err="1" smtClean="0"/>
+              <a:t>	MAX &lt; 0, !, fail.</a:t>
+            </a:r>
+            <a:endParaRPr lang="it-IT" dirty="0"/>
+          </a:p>
+          <a:p>
+            <a:r>
+              <a:rPr lang="it-IT" dirty="0" err="1"/>
               <a:t>hasmaxlength</a:t>
             </a:r>
             <a:r>
-              <a:rPr lang="it-IT" dirty="0" smtClean="0"/>
+              <a:rPr lang="it-IT" dirty="0"/>
               <a:t>([],MAX):-</a:t>
             </a:r>
           </a:p>
           <a:p>
             <a:r>
               <a:rPr lang="it-IT" dirty="0"/>
-              <a:t>	</a:t>
-            </a:r>
-            <a:r>
-              <a:rPr lang="it-IT" dirty="0" smtClean="0"/>
-              <a:t>MAX &gt;= 0.</a:t>
+              <a:t>	MAX &gt;= 0.</a:t>
             </a:r>
           </a:p>
           <a:p>
@@ -13130,29 +12930,25 @@
           </a:p>
           <a:p>
             <a:r>
-              <a:rPr lang="it-IT" dirty="0" err="1" smtClean="0"/>
+              <a:rPr lang="it-IT" dirty="0" err="1"/>
               <a:t>hasmaxlength</a:t>
             </a:r>
             <a:r>
-              <a:rPr lang="it-IT" dirty="0" smtClean="0"/>
+              <a:rPr lang="it-IT" dirty="0"/>
               <a:t>([_|R],MAX):-</a:t>
             </a:r>
           </a:p>
           <a:p>
             <a:r>
               <a:rPr lang="it-IT" dirty="0"/>
-              <a:t>	</a:t>
-            </a:r>
-            <a:r>
-              <a:rPr lang="it-IT" dirty="0" smtClean="0"/>
-              <a:t>MAX1 </a:t>
-            </a:r>
-            <a:r>
-              <a:rPr lang="it-IT" dirty="0" err="1" smtClean="0"/>
+              <a:t>	MAX1 </a:t>
+            </a:r>
+            <a:r>
+              <a:rPr lang="it-IT" dirty="0" err="1"/>
               <a:t>is</a:t>
             </a:r>
             <a:r>
-              <a:rPr lang="it-IT" dirty="0" smtClean="0"/>
+              <a:rPr lang="it-IT" dirty="0"/>
               <a:t> MAX -1,</a:t>
             </a:r>
           </a:p>
@@ -13162,14 +12958,13 @@
               <a:t>	 </a:t>
             </a:r>
             <a:r>
-              <a:rPr lang="it-IT" dirty="0" err="1" smtClean="0"/>
+              <a:rPr lang="it-IT" dirty="0" err="1"/>
               <a:t>hasmaxlength</a:t>
             </a:r>
             <a:r>
-              <a:rPr lang="it-IT" dirty="0" smtClean="0"/>
+              <a:rPr lang="it-IT" dirty="0"/>
               <a:t>(R,MAX1).</a:t>
             </a:r>
-            <a:endParaRPr lang="it-IT" dirty="0"/>
           </a:p>
         </p:txBody>
       </p:sp>
@@ -13183,13 +12978,6 @@
   <p:clrMapOvr>
     <a:masterClrMapping/>
   </p:clrMapOvr>
-  <p:timing>
-    <p:tnLst>
-      <p:par>
-        <p:cTn id="1" dur="indefinite" restart="never" nodeType="tmRoot"/>
-      </p:par>
-    </p:tnLst>
-  </p:timing>
 </p:sld>
 </file>
 
@@ -13274,13 +13062,8 @@
           <a:p>
             <a:r>
               <a:rPr lang="it-IT" b="1" i="1" dirty="0"/>
-              <a:t>Soluzione </a:t>
-            </a:r>
-            <a:r>
-              <a:rPr lang="it-IT" b="1" i="1" dirty="0" smtClean="0"/>
-              <a:t>2 - modificata</a:t>
-            </a:r>
-            <a:endParaRPr lang="it-IT" b="1" i="1" dirty="0"/>
+              <a:t>Soluzione 2 - modificata</a:t>
+            </a:r>
           </a:p>
           <a:p>
             <a:r>
@@ -13288,25 +13071,17 @@
               <a:t>path</a:t>
             </a:r>
             <a:r>
-              <a:rPr lang="it-IT" dirty="0" smtClean="0"/>
-              <a:t>(_,_,_,</a:t>
-            </a:r>
-            <a:r>
-              <a:rPr lang="it-IT" dirty="0"/>
-              <a:t>MAX</a:t>
-            </a:r>
-            <a:r>
-              <a:rPr lang="it-IT" dirty="0" smtClean="0"/>
-              <a:t>):-</a:t>
-            </a:r>
-          </a:p>
-          <a:p>
-            <a:r>
-              <a:rPr lang="it-IT" dirty="0" smtClean="0"/>
+              <a:rPr lang="it-IT" dirty="0"/>
+              <a:t>(_,_,_,MAX):-</a:t>
+            </a:r>
+          </a:p>
+          <a:p>
+            <a:r>
+              <a:rPr lang="it-IT" dirty="0"/>
               <a:t>	MAX &lt;  0, !, </a:t>
             </a:r>
             <a:r>
-              <a:rPr lang="it-IT" dirty="0" err="1" smtClean="0"/>
+              <a:rPr lang="it-IT" dirty="0" err="1"/>
               <a:t>fail</a:t>
             </a:r>
             <a:r>
@@ -13316,22 +13091,68 @@
           </a:p>
           <a:p>
             <a:r>
-              <a:rPr lang="it-IT" dirty="0" err="1" smtClean="0"/>
+              <a:rPr lang="it-IT" dirty="0" err="1"/>
               <a:t>path</a:t>
             </a:r>
             <a:r>
-              <a:rPr lang="it-IT" dirty="0" smtClean="0"/>
+              <a:rPr lang="it-IT" dirty="0"/>
               <a:t>(X,Y,[X,Y],MAX):-</a:t>
             </a:r>
           </a:p>
           <a:p>
             <a:r>
               <a:rPr lang="it-IT" dirty="0"/>
+              <a:t>	MAX &gt;= 2, </a:t>
+            </a:r>
+          </a:p>
+          <a:p>
+            <a:r>
+              <a:rPr lang="it-IT" dirty="0"/>
+              <a:t>	e(X,Y).</a:t>
+            </a:r>
+          </a:p>
+          <a:p>
+            <a:r>
+              <a:rPr lang="it-IT" dirty="0" err="1"/>
+              <a:t>path</a:t>
+            </a:r>
+            <a:r>
+              <a:rPr lang="it-IT" dirty="0"/>
+              <a:t>(X,Y,P,MAX):- </a:t>
+            </a:r>
+          </a:p>
+          <a:p>
+            <a:r>
+              <a:rPr lang="it-IT" dirty="0"/>
+              <a:t>	MAX1 </a:t>
+            </a:r>
+            <a:r>
+              <a:rPr lang="it-IT" dirty="0" err="1"/>
+              <a:t>is</a:t>
+            </a:r>
+            <a:r>
+              <a:rPr lang="it-IT" dirty="0"/>
+              <a:t> MAX – 1,</a:t>
+            </a:r>
+          </a:p>
+          <a:p>
+            <a:r>
+              <a:rPr lang="it-IT" dirty="0"/>
               <a:t>	</a:t>
             </a:r>
             <a:r>
-              <a:rPr lang="it-IT" dirty="0" smtClean="0"/>
-              <a:t>MAX &gt;= 2, </a:t>
+              <a:rPr lang="it-IT" dirty="0" err="1"/>
+              <a:t>path</a:t>
+            </a:r>
+            <a:r>
+              <a:rPr lang="it-IT" dirty="0"/>
+              <a:t>(X,Z,P1,MAX1), </a:t>
+            </a:r>
+          </a:p>
+          <a:p>
+            <a:r>
+              <a:rPr lang="it-IT" dirty="0"/>
+              <a:t>	e(Z,Y),</a:t>
             </a:r>
           </a:p>
           <a:p>
@@ -13340,80 +13161,13 @@
               <a:t>	</a:t>
             </a:r>
             <a:r>
-              <a:rPr lang="it-IT" dirty="0" smtClean="0"/>
-              <a:t>e(X,Y</a:t>
-            </a:r>
-            <a:r>
-              <a:rPr lang="it-IT" dirty="0"/>
-              <a:t>).</a:t>
-            </a:r>
-          </a:p>
-          <a:p>
-            <a:r>
-              <a:rPr lang="it-IT" dirty="0" err="1" smtClean="0"/>
-              <a:t>path</a:t>
-            </a:r>
-            <a:r>
-              <a:rPr lang="it-IT" dirty="0" smtClean="0"/>
-              <a:t>(X,Y,P,MAX):- </a:t>
-            </a:r>
-          </a:p>
-          <a:p>
-            <a:r>
-              <a:rPr lang="it-IT" dirty="0"/>
-              <a:t>	</a:t>
-            </a:r>
-            <a:r>
-              <a:rPr lang="it-IT" dirty="0" smtClean="0"/>
-              <a:t>MAX1 </a:t>
-            </a:r>
-            <a:r>
-              <a:rPr lang="it-IT" dirty="0" err="1" smtClean="0"/>
-              <a:t>is</a:t>
-            </a:r>
-            <a:r>
-              <a:rPr lang="it-IT" dirty="0" smtClean="0"/>
-              <a:t> MAX – 1,</a:t>
-            </a:r>
-          </a:p>
-          <a:p>
-            <a:r>
-              <a:rPr lang="it-IT" dirty="0"/>
-              <a:t>	</a:t>
-            </a:r>
-            <a:r>
-              <a:rPr lang="it-IT" dirty="0" err="1" smtClean="0"/>
-              <a:t>path</a:t>
-            </a:r>
-            <a:r>
-              <a:rPr lang="it-IT" dirty="0" smtClean="0"/>
-              <a:t>(X,Z,P1,MAX1), </a:t>
-            </a:r>
-          </a:p>
-          <a:p>
-            <a:r>
-              <a:rPr lang="it-IT" dirty="0"/>
-              <a:t>	</a:t>
-            </a:r>
-            <a:r>
-              <a:rPr lang="it-IT" dirty="0" smtClean="0"/>
-              <a:t>e(Z,Y),</a:t>
-            </a:r>
-          </a:p>
-          <a:p>
-            <a:r>
-              <a:rPr lang="it-IT" dirty="0" smtClean="0"/>
-              <a:t>	</a:t>
-            </a:r>
-            <a:r>
-              <a:rPr lang="it-IT" dirty="0" err="1" smtClean="0"/>
+              <a:rPr lang="it-IT" dirty="0" err="1"/>
               <a:t>lastelem</a:t>
             </a:r>
             <a:r>
-              <a:rPr lang="it-IT" dirty="0" smtClean="0"/>
+              <a:rPr lang="it-IT" dirty="0"/>
               <a:t>(P,Y,P1).</a:t>
             </a:r>
-            <a:endParaRPr lang="it-IT" dirty="0"/>
           </a:p>
         </p:txBody>
       </p:sp>
@@ -13427,13 +13181,6 @@
   <p:clrMapOvr>
     <a:masterClrMapping/>
   </p:clrMapOvr>
-  <p:timing>
-    <p:tnLst>
-      <p:par>
-        <p:cTn id="1" dur="indefinite" restart="never" nodeType="tmRoot"/>
-      </p:par>
-    </p:tnLst>
-  </p:timing>
 </p:sld>
 </file>
 
@@ -13470,10 +13217,9 @@
           <a:lstStyle/>
           <a:p>
             <a:r>
-              <a:rPr lang="it-IT" dirty="0" smtClean="0"/>
+              <a:rPr lang="it-IT" dirty="0"/>
               <a:t>Programmazione dinamica</a:t>
             </a:r>
-            <a:endParaRPr lang="it-IT" dirty="0"/>
           </a:p>
         </p:txBody>
       </p:sp>
@@ -13496,31 +13242,31 @@
               <a:buNone/>
             </a:pPr>
             <a:r>
-              <a:rPr lang="it-IT" dirty="0" smtClean="0"/>
+              <a:rPr lang="it-IT" dirty="0"/>
               <a:t>La programmazione dinamica prevede:</a:t>
             </a:r>
           </a:p>
           <a:p>
-            <a:endParaRPr lang="it-IT" dirty="0" smtClean="0"/>
+            <a:endParaRPr lang="it-IT" dirty="0"/>
           </a:p>
           <a:p>
             <a:pPr marL="0" indent="0" algn="ctr">
               <a:buNone/>
             </a:pPr>
             <a:r>
-              <a:rPr lang="it-IT" dirty="0" smtClean="0"/>
+              <a:rPr lang="it-IT" dirty="0"/>
               <a:t>la memorizzazione delle computazioni intermedie </a:t>
             </a:r>
           </a:p>
           <a:p>
-            <a:endParaRPr lang="it-IT" dirty="0" smtClean="0"/>
-          </a:p>
-          <a:p>
-            <a:pPr marL="0" indent="0">
-              <a:buNone/>
-            </a:pPr>
-            <a:r>
-              <a:rPr lang="it-IT" dirty="0" smtClean="0"/>
+            <a:endParaRPr lang="it-IT" dirty="0"/>
+          </a:p>
+          <a:p>
+            <a:pPr marL="0" indent="0">
+              <a:buNone/>
+            </a:pPr>
+            <a:r>
+              <a:rPr lang="it-IT" dirty="0"/>
               <a:t>per diminuire la complessità temporale a scapito di quella spaziale.</a:t>
             </a:r>
           </a:p>
@@ -13535,10 +13281,9 @@
               <a:buNone/>
             </a:pPr>
             <a:r>
-              <a:rPr lang="it-IT" dirty="0" smtClean="0"/>
+              <a:rPr lang="it-IT" dirty="0"/>
               <a:t>La programmazione dinamica è utilissima quando ci sono dei predicati ricorsivi che dentro di se usano risultati precedentemente computati</a:t>
             </a:r>
-            <a:endParaRPr lang="it-IT" dirty="0"/>
           </a:p>
         </p:txBody>
       </p:sp>
@@ -13552,13 +13297,6 @@
   <p:clrMapOvr>
     <a:masterClrMapping/>
   </p:clrMapOvr>
-  <p:timing>
-    <p:tnLst>
-      <p:par>
-        <p:cTn id="1" dur="indefinite" restart="never" nodeType="tmRoot"/>
-      </p:par>
-    </p:tnLst>
-  </p:timing>
 </p:sld>
 </file>
 
